--- a/Learning Management System project.pptx
+++ b/Learning Management System project.pptx
@@ -6,14 +6,19 @@
   </p:sldMasterIdLst>
   <p:sldIdLst>
     <p:sldId id="256" r:id="rId2"/>
-    <p:sldId id="257" r:id="rId3"/>
-    <p:sldId id="258" r:id="rId4"/>
-    <p:sldId id="259" r:id="rId5"/>
-    <p:sldId id="260" r:id="rId6"/>
-    <p:sldId id="261" r:id="rId7"/>
-    <p:sldId id="262" r:id="rId8"/>
-    <p:sldId id="263" r:id="rId9"/>
-    <p:sldId id="264" r:id="rId10"/>
+    <p:sldId id="265" r:id="rId3"/>
+    <p:sldId id="257" r:id="rId4"/>
+    <p:sldId id="268" r:id="rId5"/>
+    <p:sldId id="259" r:id="rId6"/>
+    <p:sldId id="266" r:id="rId7"/>
+    <p:sldId id="267" r:id="rId8"/>
+    <p:sldId id="260" r:id="rId9"/>
+    <p:sldId id="270" r:id="rId10"/>
+    <p:sldId id="261" r:id="rId11"/>
+    <p:sldId id="269" r:id="rId12"/>
+    <p:sldId id="262" r:id="rId13"/>
+    <p:sldId id="263" r:id="rId14"/>
+    <p:sldId id="264" r:id="rId15"/>
   </p:sldIdLst>
   <p:sldSz cx="12192000" cy="6858000"/>
   <p:notesSz cx="6858000" cy="9144000"/>
@@ -112,6 +117,11 @@
       </a:defRPr>
     </a:lvl9pPr>
   </p:defaultTextStyle>
+  <p:extLst>
+    <p:ext uri="{EFAFB233-063F-42B5-8137-9DF3F51BA10A}">
+      <p15:sldGuideLst xmlns:p15="http://schemas.microsoft.com/office/powerpoint/2012/main"/>
+    </p:ext>
+  </p:extLst>
 </p:presentation>
 </file>
 
@@ -254,7 +264,7 @@
           <a:p>
             <a:fld id="{582F6BAC-0AA4-4820-976E-57261356A5D6}" type="datetimeFigureOut">
               <a:rPr lang="en-US" smtClean="0"/>
-              <a:t>11/25/2018</a:t>
+              <a:t>11/26/2018</a:t>
             </a:fld>
             <a:endParaRPr lang="en-US"/>
           </a:p>
@@ -474,7 +484,7 @@
           <a:p>
             <a:fld id="{582F6BAC-0AA4-4820-976E-57261356A5D6}" type="datetimeFigureOut">
               <a:rPr lang="en-US" smtClean="0"/>
-              <a:t>11/25/2018</a:t>
+              <a:t>11/26/2018</a:t>
             </a:fld>
             <a:endParaRPr lang="en-US"/>
           </a:p>
@@ -698,7 +708,7 @@
           <a:p>
             <a:fld id="{582F6BAC-0AA4-4820-976E-57261356A5D6}" type="datetimeFigureOut">
               <a:rPr lang="en-US" smtClean="0"/>
-              <a:t>11/25/2018</a:t>
+              <a:t>11/26/2018</a:t>
             </a:fld>
             <a:endParaRPr lang="en-US"/>
           </a:p>
@@ -912,7 +922,7 @@
           <a:p>
             <a:fld id="{582F6BAC-0AA4-4820-976E-57261356A5D6}" type="datetimeFigureOut">
               <a:rPr lang="en-US" smtClean="0"/>
-              <a:t>11/25/2018</a:t>
+              <a:t>11/26/2018</a:t>
             </a:fld>
             <a:endParaRPr lang="en-US"/>
           </a:p>
@@ -1204,7 +1214,7 @@
           <a:p>
             <a:fld id="{582F6BAC-0AA4-4820-976E-57261356A5D6}" type="datetimeFigureOut">
               <a:rPr lang="en-US" smtClean="0"/>
-              <a:t>11/25/2018</a:t>
+              <a:t>11/26/2018</a:t>
             </a:fld>
             <a:endParaRPr lang="en-US"/>
           </a:p>
@@ -1481,7 +1491,7 @@
           <a:p>
             <a:fld id="{582F6BAC-0AA4-4820-976E-57261356A5D6}" type="datetimeFigureOut">
               <a:rPr lang="en-US" smtClean="0"/>
-              <a:t>11/25/2018</a:t>
+              <a:t>11/26/2018</a:t>
             </a:fld>
             <a:endParaRPr lang="en-US"/>
           </a:p>
@@ -1906,7 +1916,7 @@
           <a:p>
             <a:fld id="{582F6BAC-0AA4-4820-976E-57261356A5D6}" type="datetimeFigureOut">
               <a:rPr lang="en-US" smtClean="0"/>
-              <a:t>11/25/2018</a:t>
+              <a:t>11/26/2018</a:t>
             </a:fld>
             <a:endParaRPr lang="en-US"/>
           </a:p>
@@ -2064,7 +2074,7 @@
           <a:p>
             <a:fld id="{582F6BAC-0AA4-4820-976E-57261356A5D6}" type="datetimeFigureOut">
               <a:rPr lang="en-US" smtClean="0"/>
-              <a:t>11/25/2018</a:t>
+              <a:t>11/26/2018</a:t>
             </a:fld>
             <a:endParaRPr lang="en-US"/>
           </a:p>
@@ -2199,7 +2209,7 @@
           <a:p>
             <a:fld id="{582F6BAC-0AA4-4820-976E-57261356A5D6}" type="datetimeFigureOut">
               <a:rPr lang="en-US" smtClean="0"/>
-              <a:t>11/25/2018</a:t>
+              <a:t>11/26/2018</a:t>
             </a:fld>
             <a:endParaRPr lang="en-US"/>
           </a:p>
@@ -2450,7 +2460,7 @@
           <a:p>
             <a:fld id="{582F6BAC-0AA4-4820-976E-57261356A5D6}" type="datetimeFigureOut">
               <a:rPr lang="en-US" smtClean="0"/>
-              <a:t>11/25/2018</a:t>
+              <a:t>11/26/2018</a:t>
             </a:fld>
             <a:endParaRPr lang="en-US"/>
           </a:p>
@@ -2910,7 +2920,7 @@
           <a:p>
             <a:fld id="{582F6BAC-0AA4-4820-976E-57261356A5D6}" type="datetimeFigureOut">
               <a:rPr lang="en-US" smtClean="0"/>
-              <a:t>11/25/2018</a:t>
+              <a:t>11/26/2018</a:t>
             </a:fld>
             <a:endParaRPr lang="en-US"/>
           </a:p>
@@ -3291,7 +3301,7 @@
           <a:p>
             <a:fld id="{582F6BAC-0AA4-4820-976E-57261356A5D6}" type="datetimeFigureOut">
               <a:rPr lang="en-US" smtClean="0"/>
-              <a:t>11/25/2018</a:t>
+              <a:t>11/26/2018</a:t>
             </a:fld>
             <a:endParaRPr lang="en-US"/>
           </a:p>
@@ -3811,6 +3821,426 @@
 </p:sld>
 </file>
 
+<file path=ppt/slides/slide10.xml><?xml version="1.0" encoding="utf-8"?>
+<p:sld xmlns:a="http://schemas.openxmlformats.org/drawingml/2006/main" xmlns:r="http://schemas.openxmlformats.org/officeDocument/2006/relationships" xmlns:p="http://schemas.openxmlformats.org/presentationml/2006/main">
+  <p:cSld>
+    <p:spTree>
+      <p:nvGrpSpPr>
+        <p:cNvPr id="1" name=""/>
+        <p:cNvGrpSpPr/>
+        <p:nvPr/>
+      </p:nvGrpSpPr>
+      <p:grpSpPr>
+        <a:xfrm>
+          <a:off x="0" y="0"/>
+          <a:ext cx="0" cy="0"/>
+          <a:chOff x="0" y="0"/>
+          <a:chExt cx="0" cy="0"/>
+        </a:xfrm>
+      </p:grpSpPr>
+      <p:sp>
+        <p:nvSpPr>
+          <p:cNvPr id="2" name="Title 1">
+            <a:extLst>
+              <a:ext uri="{FF2B5EF4-FFF2-40B4-BE49-F238E27FC236}">
+                <a16:creationId xmlns:a16="http://schemas.microsoft.com/office/drawing/2014/main" id="{6093855A-1965-4D08-9715-6104C2DF7050}"/>
+              </a:ext>
+            </a:extLst>
+          </p:cNvPr>
+          <p:cNvSpPr>
+            <a:spLocks noGrp="1"/>
+          </p:cNvSpPr>
+          <p:nvPr>
+            <p:ph type="title"/>
+          </p:nvPr>
+        </p:nvSpPr>
+        <p:spPr/>
+        <p:txBody>
+          <a:bodyPr/>
+          <a:lstStyle/>
+          <a:p>
+            <a:endParaRPr lang="en-US"/>
+          </a:p>
+        </p:txBody>
+      </p:sp>
+      <p:sp>
+        <p:nvSpPr>
+          <p:cNvPr id="3" name="Content Placeholder 2">
+            <a:extLst>
+              <a:ext uri="{FF2B5EF4-FFF2-40B4-BE49-F238E27FC236}">
+                <a16:creationId xmlns:a16="http://schemas.microsoft.com/office/drawing/2014/main" id="{9DD3F1D1-7BD0-4830-8E4F-30CA4C2FDD92}"/>
+              </a:ext>
+            </a:extLst>
+          </p:cNvPr>
+          <p:cNvSpPr>
+            <a:spLocks noGrp="1"/>
+          </p:cNvSpPr>
+          <p:nvPr>
+            <p:ph idx="1"/>
+          </p:nvPr>
+        </p:nvSpPr>
+        <p:spPr/>
+        <p:txBody>
+          <a:bodyPr/>
+          <a:lstStyle/>
+          <a:p>
+            <a:r>
+              <a:rPr lang="en-US" dirty="0"/>
+              <a:t>Show design and implementation workflow related artifacts used in this project. For example, class diagrams, interaction diagrams, sequence diagrams, CRC cards, source codes, and so forth.</a:t>
+            </a:r>
+          </a:p>
+        </p:txBody>
+      </p:sp>
+    </p:spTree>
+    <p:extLst>
+      <p:ext uri="{BB962C8B-B14F-4D97-AF65-F5344CB8AC3E}">
+        <p14:creationId xmlns:p14="http://schemas.microsoft.com/office/powerpoint/2010/main" val="4079380267"/>
+      </p:ext>
+    </p:extLst>
+  </p:cSld>
+  <p:clrMapOvr>
+    <a:masterClrMapping/>
+  </p:clrMapOvr>
+</p:sld>
+</file>
+
+<file path=ppt/slides/slide11.xml><?xml version="1.0" encoding="utf-8"?>
+<p:sld xmlns:a="http://schemas.openxmlformats.org/drawingml/2006/main" xmlns:r="http://schemas.openxmlformats.org/officeDocument/2006/relationships" xmlns:p="http://schemas.openxmlformats.org/presentationml/2006/main">
+  <p:cSld>
+    <p:spTree>
+      <p:nvGrpSpPr>
+        <p:cNvPr id="1" name=""/>
+        <p:cNvGrpSpPr/>
+        <p:nvPr/>
+      </p:nvGrpSpPr>
+      <p:grpSpPr>
+        <a:xfrm>
+          <a:off x="0" y="0"/>
+          <a:ext cx="0" cy="0"/>
+          <a:chOff x="0" y="0"/>
+          <a:chExt cx="0" cy="0"/>
+        </a:xfrm>
+      </p:grpSpPr>
+      <p:sp>
+        <p:nvSpPr>
+          <p:cNvPr id="2" name="Title 1"/>
+          <p:cNvSpPr>
+            <a:spLocks noGrp="1"/>
+          </p:cNvSpPr>
+          <p:nvPr>
+            <p:ph type="title"/>
+          </p:nvPr>
+        </p:nvSpPr>
+        <p:spPr/>
+        <p:txBody>
+          <a:bodyPr/>
+          <a:lstStyle/>
+          <a:p>
+            <a:pPr algn="ctr"/>
+            <a:r>
+              <a:rPr lang="en-US" dirty="0" smtClean="0"/>
+              <a:t>Class-responsibility-collaboration (CRC) cards</a:t>
+            </a:r>
+            <a:endParaRPr lang="en-US" dirty="0"/>
+          </a:p>
+        </p:txBody>
+      </p:sp>
+      <p:sp>
+        <p:nvSpPr>
+          <p:cNvPr id="3" name="Content Placeholder 2"/>
+          <p:cNvSpPr>
+            <a:spLocks noGrp="1"/>
+          </p:cNvSpPr>
+          <p:nvPr>
+            <p:ph idx="1"/>
+          </p:nvPr>
+        </p:nvSpPr>
+        <p:spPr/>
+        <p:txBody>
+          <a:bodyPr/>
+          <a:lstStyle/>
+          <a:p>
+            <a:endParaRPr lang="en-US" dirty="0"/>
+          </a:p>
+        </p:txBody>
+      </p:sp>
+    </p:spTree>
+    <p:extLst>
+      <p:ext uri="{BB962C8B-B14F-4D97-AF65-F5344CB8AC3E}">
+        <p14:creationId xmlns:p14="http://schemas.microsoft.com/office/powerpoint/2010/main" val="3501233574"/>
+      </p:ext>
+    </p:extLst>
+  </p:cSld>
+  <p:clrMapOvr>
+    <a:masterClrMapping/>
+  </p:clrMapOvr>
+</p:sld>
+</file>
+
+<file path=ppt/slides/slide12.xml><?xml version="1.0" encoding="utf-8"?>
+<p:sld xmlns:a="http://schemas.openxmlformats.org/drawingml/2006/main" xmlns:r="http://schemas.openxmlformats.org/officeDocument/2006/relationships" xmlns:p="http://schemas.openxmlformats.org/presentationml/2006/main">
+  <p:cSld>
+    <p:spTree>
+      <p:nvGrpSpPr>
+        <p:cNvPr id="1" name=""/>
+        <p:cNvGrpSpPr/>
+        <p:nvPr/>
+      </p:nvGrpSpPr>
+      <p:grpSpPr>
+        <a:xfrm>
+          <a:off x="0" y="0"/>
+          <a:ext cx="0" cy="0"/>
+          <a:chOff x="0" y="0"/>
+          <a:chExt cx="0" cy="0"/>
+        </a:xfrm>
+      </p:grpSpPr>
+      <p:sp>
+        <p:nvSpPr>
+          <p:cNvPr id="2" name="Title 1">
+            <a:extLst>
+              <a:ext uri="{FF2B5EF4-FFF2-40B4-BE49-F238E27FC236}">
+                <a16:creationId xmlns:a16="http://schemas.microsoft.com/office/drawing/2014/main" id="{D052AE4D-408C-4152-9DC4-2D4AFA1D350A}"/>
+              </a:ext>
+            </a:extLst>
+          </p:cNvPr>
+          <p:cNvSpPr>
+            <a:spLocks noGrp="1"/>
+          </p:cNvSpPr>
+          <p:nvPr>
+            <p:ph type="title"/>
+          </p:nvPr>
+        </p:nvSpPr>
+        <p:spPr/>
+        <p:txBody>
+          <a:bodyPr/>
+          <a:lstStyle/>
+          <a:p>
+            <a:endParaRPr lang="en-US"/>
+          </a:p>
+        </p:txBody>
+      </p:sp>
+      <p:sp>
+        <p:nvSpPr>
+          <p:cNvPr id="3" name="Content Placeholder 2">
+            <a:extLst>
+              <a:ext uri="{FF2B5EF4-FFF2-40B4-BE49-F238E27FC236}">
+                <a16:creationId xmlns:a16="http://schemas.microsoft.com/office/drawing/2014/main" id="{44BB1F93-79D1-4B74-88AD-BC5395F4631D}"/>
+              </a:ext>
+            </a:extLst>
+          </p:cNvPr>
+          <p:cNvSpPr>
+            <a:spLocks noGrp="1"/>
+          </p:cNvSpPr>
+          <p:nvPr>
+            <p:ph idx="1"/>
+          </p:nvPr>
+        </p:nvSpPr>
+        <p:spPr/>
+        <p:txBody>
+          <a:bodyPr/>
+          <a:lstStyle/>
+          <a:p>
+            <a:r>
+              <a:rPr lang="en-US" dirty="0"/>
+              <a:t>(5) </a:t>
+            </a:r>
+            <a:r>
+              <a:rPr lang="en-US" dirty="0">
+                <a:solidFill>
+                  <a:srgbClr val="FF0000"/>
+                </a:solidFill>
+              </a:rPr>
+              <a:t>Show test workflow related artifacts like unit test cases</a:t>
+            </a:r>
+            <a:r>
+              <a:rPr lang="en-US" dirty="0"/>
+              <a:t>, integration test, product test, and so forth.</a:t>
+            </a:r>
+          </a:p>
+        </p:txBody>
+      </p:sp>
+    </p:spTree>
+    <p:extLst>
+      <p:ext uri="{BB962C8B-B14F-4D97-AF65-F5344CB8AC3E}">
+        <p14:creationId xmlns:p14="http://schemas.microsoft.com/office/powerpoint/2010/main" val="273975972"/>
+      </p:ext>
+    </p:extLst>
+  </p:cSld>
+  <p:clrMapOvr>
+    <a:masterClrMapping/>
+  </p:clrMapOvr>
+</p:sld>
+</file>
+
+<file path=ppt/slides/slide13.xml><?xml version="1.0" encoding="utf-8"?>
+<p:sld xmlns:a="http://schemas.openxmlformats.org/drawingml/2006/main" xmlns:r="http://schemas.openxmlformats.org/officeDocument/2006/relationships" xmlns:p="http://schemas.openxmlformats.org/presentationml/2006/main">
+  <p:cSld>
+    <p:spTree>
+      <p:nvGrpSpPr>
+        <p:cNvPr id="1" name=""/>
+        <p:cNvGrpSpPr/>
+        <p:nvPr/>
+      </p:nvGrpSpPr>
+      <p:grpSpPr>
+        <a:xfrm>
+          <a:off x="0" y="0"/>
+          <a:ext cx="0" cy="0"/>
+          <a:chOff x="0" y="0"/>
+          <a:chExt cx="0" cy="0"/>
+        </a:xfrm>
+      </p:grpSpPr>
+      <p:sp>
+        <p:nvSpPr>
+          <p:cNvPr id="2" name="Title 1">
+            <a:extLst>
+              <a:ext uri="{FF2B5EF4-FFF2-40B4-BE49-F238E27FC236}">
+                <a16:creationId xmlns:a16="http://schemas.microsoft.com/office/drawing/2014/main" id="{0D807DFD-F0A7-4513-83B5-4989B137E13B}"/>
+              </a:ext>
+            </a:extLst>
+          </p:cNvPr>
+          <p:cNvSpPr>
+            <a:spLocks noGrp="1"/>
+          </p:cNvSpPr>
+          <p:nvPr>
+            <p:ph type="title"/>
+          </p:nvPr>
+        </p:nvSpPr>
+        <p:spPr/>
+        <p:txBody>
+          <a:bodyPr/>
+          <a:lstStyle/>
+          <a:p>
+            <a:r>
+              <a:rPr lang="en-US" dirty="0"/>
+              <a:t>Hyper link</a:t>
+            </a:r>
+          </a:p>
+        </p:txBody>
+      </p:sp>
+      <p:sp>
+        <p:nvSpPr>
+          <p:cNvPr id="3" name="Content Placeholder 2">
+            <a:extLst>
+              <a:ext uri="{FF2B5EF4-FFF2-40B4-BE49-F238E27FC236}">
+                <a16:creationId xmlns:a16="http://schemas.microsoft.com/office/drawing/2014/main" id="{248DA3CD-8E90-4D4D-95AE-BB463905F85F}"/>
+              </a:ext>
+            </a:extLst>
+          </p:cNvPr>
+          <p:cNvSpPr>
+            <a:spLocks noGrp="1"/>
+          </p:cNvSpPr>
+          <p:nvPr>
+            <p:ph idx="1"/>
+          </p:nvPr>
+        </p:nvSpPr>
+        <p:spPr/>
+        <p:txBody>
+          <a:bodyPr/>
+          <a:lstStyle/>
+          <a:p>
+            <a:r>
+              <a:rPr lang="en-US" dirty="0"/>
+              <a:t>(6) Run your software like user login, course add-in/drop-off, GPA calculation, user adding/deleting, course management, and so forth.</a:t>
+            </a:r>
+          </a:p>
+        </p:txBody>
+      </p:sp>
+    </p:spTree>
+    <p:extLst>
+      <p:ext uri="{BB962C8B-B14F-4D97-AF65-F5344CB8AC3E}">
+        <p14:creationId xmlns:p14="http://schemas.microsoft.com/office/powerpoint/2010/main" val="1688740605"/>
+      </p:ext>
+    </p:extLst>
+  </p:cSld>
+  <p:clrMapOvr>
+    <a:masterClrMapping/>
+  </p:clrMapOvr>
+</p:sld>
+</file>
+
+<file path=ppt/slides/slide14.xml><?xml version="1.0" encoding="utf-8"?>
+<p:sld xmlns:a="http://schemas.openxmlformats.org/drawingml/2006/main" xmlns:r="http://schemas.openxmlformats.org/officeDocument/2006/relationships" xmlns:p="http://schemas.openxmlformats.org/presentationml/2006/main">
+  <p:cSld>
+    <p:spTree>
+      <p:nvGrpSpPr>
+        <p:cNvPr id="1" name=""/>
+        <p:cNvGrpSpPr/>
+        <p:nvPr/>
+      </p:nvGrpSpPr>
+      <p:grpSpPr>
+        <a:xfrm>
+          <a:off x="0" y="0"/>
+          <a:ext cx="0" cy="0"/>
+          <a:chOff x="0" y="0"/>
+          <a:chExt cx="0" cy="0"/>
+        </a:xfrm>
+      </p:grpSpPr>
+      <p:sp>
+        <p:nvSpPr>
+          <p:cNvPr id="2" name="Title 1">
+            <a:extLst>
+              <a:ext uri="{FF2B5EF4-FFF2-40B4-BE49-F238E27FC236}">
+                <a16:creationId xmlns:a16="http://schemas.microsoft.com/office/drawing/2014/main" id="{825AE664-C6BE-43D9-A92C-492D500102CB}"/>
+              </a:ext>
+            </a:extLst>
+          </p:cNvPr>
+          <p:cNvSpPr>
+            <a:spLocks noGrp="1"/>
+          </p:cNvSpPr>
+          <p:nvPr>
+            <p:ph type="title"/>
+          </p:nvPr>
+        </p:nvSpPr>
+        <p:spPr/>
+        <p:txBody>
+          <a:bodyPr/>
+          <a:lstStyle/>
+          <a:p>
+            <a:r>
+              <a:rPr lang="en-US" dirty="0"/>
+              <a:t>Fin</a:t>
+            </a:r>
+          </a:p>
+        </p:txBody>
+      </p:sp>
+      <p:sp>
+        <p:nvSpPr>
+          <p:cNvPr id="3" name="Content Placeholder 2">
+            <a:extLst>
+              <a:ext uri="{FF2B5EF4-FFF2-40B4-BE49-F238E27FC236}">
+                <a16:creationId xmlns:a16="http://schemas.microsoft.com/office/drawing/2014/main" id="{EB449670-164A-49CD-96A2-F5F6EACB86FF}"/>
+              </a:ext>
+            </a:extLst>
+          </p:cNvPr>
+          <p:cNvSpPr>
+            <a:spLocks noGrp="1"/>
+          </p:cNvSpPr>
+          <p:nvPr>
+            <p:ph idx="1"/>
+          </p:nvPr>
+        </p:nvSpPr>
+        <p:spPr/>
+        <p:txBody>
+          <a:bodyPr/>
+          <a:lstStyle/>
+          <a:p>
+            <a:endParaRPr lang="en-US"/>
+          </a:p>
+        </p:txBody>
+      </p:sp>
+    </p:spTree>
+    <p:extLst>
+      <p:ext uri="{BB962C8B-B14F-4D97-AF65-F5344CB8AC3E}">
+        <p14:creationId xmlns:p14="http://schemas.microsoft.com/office/powerpoint/2010/main" val="2326332753"/>
+      </p:ext>
+    </p:extLst>
+  </p:cSld>
+  <p:clrMapOvr>
+    <a:masterClrMapping/>
+  </p:clrMapOvr>
+</p:sld>
+</file>
+
 <file path=ppt/slides/slide2.xml><?xml version="1.0" encoding="utf-8"?>
 <p:sld xmlns:a="http://schemas.openxmlformats.org/drawingml/2006/main" xmlns:r="http://schemas.openxmlformats.org/officeDocument/2006/relationships" xmlns:p="http://schemas.openxmlformats.org/presentationml/2006/main">
   <p:cSld>
@@ -3830,61 +4260,65 @@
       </p:grpSpPr>
       <p:sp>
         <p:nvSpPr>
-          <p:cNvPr id="2" name="Title 1">
+          <p:cNvPr id="2" name="Title 1"/>
+          <p:cNvSpPr>
+            <a:spLocks noGrp="1"/>
+          </p:cNvSpPr>
+          <p:nvPr>
+            <p:ph type="title"/>
+          </p:nvPr>
+        </p:nvSpPr>
+        <p:spPr/>
+        <p:txBody>
+          <a:bodyPr/>
+          <a:lstStyle/>
+          <a:p>
+            <a:pPr algn="ctr"/>
+            <a:r>
+              <a:rPr lang="en-US" dirty="0"/>
+              <a:t>Team </a:t>
+            </a:r>
+            <a:r>
+              <a:rPr lang="en-US" dirty="0" smtClean="0"/>
+              <a:t>organization</a:t>
+            </a:r>
+            <a:endParaRPr lang="en-US" dirty="0"/>
+          </a:p>
+        </p:txBody>
+      </p:sp>
+      <p:pic>
+        <p:nvPicPr>
+          <p:cNvPr id="4" name="Content Placeholder 3"/>
+          <p:cNvPicPr>
+            <a:picLocks noGrp="1" noChangeAspect="1"/>
+          </p:cNvPicPr>
+          <p:nvPr>
+            <p:ph idx="1"/>
+          </p:nvPr>
+        </p:nvPicPr>
+        <p:blipFill>
+          <a:blip r:embed="rId2">
             <a:extLst>
-              <a:ext uri="{FF2B5EF4-FFF2-40B4-BE49-F238E27FC236}">
-                <a16:creationId xmlns:a16="http://schemas.microsoft.com/office/drawing/2014/main" id="{38CC6880-1E0D-4DC1-AA49-9FF7E5C691FC}"/>
+              <a:ext uri="{28A0092B-C50C-407E-A947-70E740481C1C}">
+                <a14:useLocalDpi xmlns:a14="http://schemas.microsoft.com/office/drawing/2010/main" val="0"/>
               </a:ext>
             </a:extLst>
-          </p:cNvPr>
-          <p:cNvSpPr>
-            <a:spLocks noGrp="1"/>
-          </p:cNvSpPr>
-          <p:nvPr>
-            <p:ph type="title"/>
-          </p:nvPr>
-        </p:nvSpPr>
-        <p:spPr/>
-        <p:txBody>
-          <a:bodyPr/>
-          <a:lstStyle/>
-          <a:p>
-            <a:r>
-              <a:rPr lang="en-US" dirty="0"/>
-              <a:t>Team organization</a:t>
-            </a:r>
-          </a:p>
-        </p:txBody>
-      </p:sp>
-      <p:sp>
-        <p:nvSpPr>
-          <p:cNvPr id="3" name="Content Placeholder 2">
-            <a:extLst>
-              <a:ext uri="{FF2B5EF4-FFF2-40B4-BE49-F238E27FC236}">
-                <a16:creationId xmlns:a16="http://schemas.microsoft.com/office/drawing/2014/main" id="{202FFF1B-23F5-4176-8C76-582ED33C56F2}"/>
-              </a:ext>
-            </a:extLst>
-          </p:cNvPr>
-          <p:cNvSpPr>
-            <a:spLocks noGrp="1"/>
-          </p:cNvSpPr>
-          <p:nvPr>
-            <p:ph idx="1"/>
-          </p:nvPr>
-        </p:nvSpPr>
-        <p:spPr/>
-        <p:txBody>
-          <a:bodyPr/>
-          <a:lstStyle/>
-          <a:p>
-            <a:endParaRPr lang="en-US"/>
-          </a:p>
-        </p:txBody>
-      </p:sp>
+          </a:blip>
+          <a:stretch>
+            <a:fillRect/>
+          </a:stretch>
+        </p:blipFill>
+        <p:spPr>
+          <a:xfrm>
+            <a:off x="2997403" y="2002559"/>
+            <a:ext cx="5282073" cy="3934606"/>
+          </a:xfrm>
+        </p:spPr>
+      </p:pic>
     </p:spTree>
     <p:extLst>
       <p:ext uri="{BB962C8B-B14F-4D97-AF65-F5344CB8AC3E}">
-        <p14:creationId xmlns:p14="http://schemas.microsoft.com/office/powerpoint/2010/main" val="2157636488"/>
+        <p14:creationId xmlns:p14="http://schemas.microsoft.com/office/powerpoint/2010/main" val="2283057997"/>
       </p:ext>
     </p:extLst>
   </p:cSld>
@@ -3916,7 +4350,7 @@
           <p:cNvPr id="2" name="Title 1">
             <a:extLst>
               <a:ext uri="{FF2B5EF4-FFF2-40B4-BE49-F238E27FC236}">
-                <a16:creationId xmlns:a16="http://schemas.microsoft.com/office/drawing/2014/main" id="{7C2DBC14-F96C-40BA-87CA-B39435BCEE15}"/>
+                <a16:creationId xmlns:a16="http://schemas.microsoft.com/office/drawing/2014/main" id="{38CC6880-1E0D-4DC1-AA49-9FF7E5C691FC}"/>
               </a:ext>
             </a:extLst>
           </p:cNvPr>
@@ -3932,42 +4366,48 @@
           <a:bodyPr/>
           <a:lstStyle/>
           <a:p>
-            <a:r>
-              <a:rPr lang="en-US" dirty="0"/>
-              <a:t>Team model</a:t>
-            </a:r>
-          </a:p>
-        </p:txBody>
-      </p:sp>
-      <p:sp>
-        <p:nvSpPr>
-          <p:cNvPr id="3" name="Content Placeholder 2">
+            <a:pPr algn="ctr"/>
+            <a:r>
+              <a:rPr lang="en-US" dirty="0" smtClean="0"/>
+              <a:t>Team Model – (Democratic) </a:t>
+            </a:r>
+            <a:endParaRPr lang="en-US" dirty="0"/>
+          </a:p>
+        </p:txBody>
+      </p:sp>
+      <p:pic>
+        <p:nvPicPr>
+          <p:cNvPr id="4" name="Content Placeholder 3"/>
+          <p:cNvPicPr>
+            <a:picLocks noGrp="1" noChangeAspect="1"/>
+          </p:cNvPicPr>
+          <p:nvPr>
+            <p:ph idx="1"/>
+          </p:nvPr>
+        </p:nvPicPr>
+        <p:blipFill>
+          <a:blip r:embed="rId2">
             <a:extLst>
-              <a:ext uri="{FF2B5EF4-FFF2-40B4-BE49-F238E27FC236}">
-                <a16:creationId xmlns:a16="http://schemas.microsoft.com/office/drawing/2014/main" id="{C42B7A50-9C9A-4D0A-A1F6-5581EECF0943}"/>
+              <a:ext uri="{28A0092B-C50C-407E-A947-70E740481C1C}">
+                <a14:useLocalDpi xmlns:a14="http://schemas.microsoft.com/office/drawing/2010/main" val="0"/>
               </a:ext>
             </a:extLst>
-          </p:cNvPr>
-          <p:cNvSpPr>
-            <a:spLocks noGrp="1"/>
-          </p:cNvSpPr>
-          <p:nvPr>
-            <p:ph idx="1"/>
-          </p:nvPr>
-        </p:nvSpPr>
-        <p:spPr/>
-        <p:txBody>
-          <a:bodyPr/>
-          <a:lstStyle/>
-          <a:p>
-            <a:endParaRPr lang="en-US"/>
-          </a:p>
-        </p:txBody>
-      </p:sp>
+          </a:blip>
+          <a:stretch>
+            <a:fillRect/>
+          </a:stretch>
+        </p:blipFill>
+        <p:spPr>
+          <a:xfrm>
+            <a:off x="2317314" y="1628253"/>
+            <a:ext cx="5916891" cy="4056307"/>
+          </a:xfrm>
+        </p:spPr>
+      </p:pic>
     </p:spTree>
     <p:extLst>
       <p:ext uri="{BB962C8B-B14F-4D97-AF65-F5344CB8AC3E}">
-        <p14:creationId xmlns:p14="http://schemas.microsoft.com/office/powerpoint/2010/main" val="4098344217"/>
+        <p14:creationId xmlns:p14="http://schemas.microsoft.com/office/powerpoint/2010/main" val="2157636488"/>
       </p:ext>
     </p:extLst>
   </p:cSld>
@@ -3996,65 +4436,60 @@
       </p:grpSpPr>
       <p:sp>
         <p:nvSpPr>
-          <p:cNvPr id="2" name="Title 1">
+          <p:cNvPr id="2" name="Title 1"/>
+          <p:cNvSpPr>
+            <a:spLocks noGrp="1"/>
+          </p:cNvSpPr>
+          <p:nvPr>
+            <p:ph type="title"/>
+          </p:nvPr>
+        </p:nvSpPr>
+        <p:spPr/>
+        <p:txBody>
+          <a:bodyPr/>
+          <a:lstStyle/>
+          <a:p>
+            <a:pPr algn="ctr"/>
+            <a:r>
+              <a:rPr lang="en-US" dirty="0" smtClean="0"/>
+              <a:t>Iterative Life cycle</a:t>
+            </a:r>
+            <a:endParaRPr lang="en-US" dirty="0"/>
+          </a:p>
+        </p:txBody>
+      </p:sp>
+      <p:pic>
+        <p:nvPicPr>
+          <p:cNvPr id="4" name="Content Placeholder 3"/>
+          <p:cNvPicPr>
+            <a:picLocks noGrp="1" noChangeAspect="1"/>
+          </p:cNvPicPr>
+          <p:nvPr>
+            <p:ph idx="1"/>
+          </p:nvPr>
+        </p:nvPicPr>
+        <p:blipFill rotWithShape="1">
+          <a:blip r:embed="rId2">
             <a:extLst>
-              <a:ext uri="{FF2B5EF4-FFF2-40B4-BE49-F238E27FC236}">
-                <a16:creationId xmlns:a16="http://schemas.microsoft.com/office/drawing/2014/main" id="{D08FD381-9F84-453C-B3AE-736D835EDED8}"/>
+              <a:ext uri="{28A0092B-C50C-407E-A947-70E740481C1C}">
+                <a14:useLocalDpi xmlns:a14="http://schemas.microsoft.com/office/drawing/2010/main" val="0"/>
               </a:ext>
             </a:extLst>
-          </p:cNvPr>
-          <p:cNvSpPr>
-            <a:spLocks noGrp="1"/>
-          </p:cNvSpPr>
-          <p:nvPr>
-            <p:ph type="title"/>
-          </p:nvPr>
-        </p:nvSpPr>
-        <p:spPr/>
-        <p:txBody>
-          <a:bodyPr/>
-          <a:lstStyle/>
-          <a:p>
-            <a:r>
-              <a:rPr lang="en-US" dirty="0" err="1"/>
-              <a:t>Github</a:t>
-            </a:r>
-            <a:r>
-              <a:rPr lang="en-US" dirty="0"/>
-              <a:t> stuff</a:t>
-            </a:r>
-          </a:p>
-        </p:txBody>
-      </p:sp>
-      <p:sp>
-        <p:nvSpPr>
-          <p:cNvPr id="3" name="Content Placeholder 2">
-            <a:extLst>
-              <a:ext uri="{FF2B5EF4-FFF2-40B4-BE49-F238E27FC236}">
-                <a16:creationId xmlns:a16="http://schemas.microsoft.com/office/drawing/2014/main" id="{9455B8D0-E827-40A7-B511-015BCFBDBA82}"/>
-              </a:ext>
-            </a:extLst>
-          </p:cNvPr>
-          <p:cNvSpPr>
-            <a:spLocks noGrp="1"/>
-          </p:cNvSpPr>
-          <p:nvPr>
-            <p:ph idx="1"/>
-          </p:nvPr>
-        </p:nvSpPr>
-        <p:spPr/>
-        <p:txBody>
-          <a:bodyPr/>
-          <a:lstStyle/>
-          <a:p>
-            <a:endParaRPr lang="en-US"/>
-          </a:p>
-        </p:txBody>
-      </p:sp>
+          </a:blip>
+          <a:srcRect l="5323" t="20882" r="6437" b="5475"/>
+          <a:stretch/>
+        </p:blipFill>
+        <p:spPr>
+          <a:xfrm>
+            <a:off x="2783074" y="2002559"/>
+            <a:ext cx="6297666" cy="3744041"/>
+          </a:xfrm>
+        </p:spPr>
+      </p:pic>
     </p:spTree>
     <p:extLst>
       <p:ext uri="{BB962C8B-B14F-4D97-AF65-F5344CB8AC3E}">
-        <p14:creationId xmlns:p14="http://schemas.microsoft.com/office/powerpoint/2010/main" val="4073969813"/>
+        <p14:creationId xmlns:p14="http://schemas.microsoft.com/office/powerpoint/2010/main" val="3057658557"/>
       </p:ext>
     </p:extLst>
   </p:cSld>
@@ -4086,7 +4521,7 @@
           <p:cNvPr id="2" name="Title 1">
             <a:extLst>
               <a:ext uri="{FF2B5EF4-FFF2-40B4-BE49-F238E27FC236}">
-                <a16:creationId xmlns:a16="http://schemas.microsoft.com/office/drawing/2014/main" id="{2FBC5EC0-A108-4E89-AF64-28188FDEF02D}"/>
+                <a16:creationId xmlns:a16="http://schemas.microsoft.com/office/drawing/2014/main" id="{D08FD381-9F84-453C-B3AE-736D835EDED8}"/>
               </a:ext>
             </a:extLst>
           </p:cNvPr>
@@ -4097,51 +4532,58 @@
             <p:ph type="title"/>
           </p:nvPr>
         </p:nvSpPr>
-        <p:spPr/>
-        <p:txBody>
-          <a:bodyPr/>
-          <a:lstStyle/>
-          <a:p>
-            <a:endParaRPr lang="en-US"/>
-          </a:p>
-        </p:txBody>
-      </p:sp>
-      <p:sp>
-        <p:nvSpPr>
-          <p:cNvPr id="3" name="Content Placeholder 2">
+        <p:spPr>
+          <a:xfrm>
+            <a:off x="1113645" y="886822"/>
+            <a:ext cx="9603275" cy="1049235"/>
+          </a:xfrm>
+        </p:spPr>
+        <p:txBody>
+          <a:bodyPr/>
+          <a:lstStyle/>
+          <a:p>
+            <a:pPr algn="ctr"/>
+            <a:r>
+              <a:rPr lang="en-US" dirty="0" smtClean="0"/>
+              <a:t>GitHub </a:t>
+            </a:r>
+            <a:endParaRPr lang="en-US" dirty="0"/>
+          </a:p>
+        </p:txBody>
+      </p:sp>
+      <p:pic>
+        <p:nvPicPr>
+          <p:cNvPr id="4" name="Content Placeholder 3"/>
+          <p:cNvPicPr>
+            <a:picLocks noGrp="1" noChangeAspect="1"/>
+          </p:cNvPicPr>
+          <p:nvPr>
+            <p:ph idx="1"/>
+          </p:nvPr>
+        </p:nvPicPr>
+        <p:blipFill>
+          <a:blip r:embed="rId2" cstate="print">
             <a:extLst>
-              <a:ext uri="{FF2B5EF4-FFF2-40B4-BE49-F238E27FC236}">
-                <a16:creationId xmlns:a16="http://schemas.microsoft.com/office/drawing/2014/main" id="{B44F0085-CDC7-4DAB-8B9D-E91F518BBC0C}"/>
+              <a:ext uri="{28A0092B-C50C-407E-A947-70E740481C1C}">
+                <a14:useLocalDpi xmlns:a14="http://schemas.microsoft.com/office/drawing/2010/main" val="0"/>
               </a:ext>
             </a:extLst>
-          </p:cNvPr>
-          <p:cNvSpPr>
-            <a:spLocks noGrp="1"/>
-          </p:cNvSpPr>
-          <p:nvPr>
-            <p:ph idx="1"/>
-          </p:nvPr>
-        </p:nvSpPr>
-        <p:spPr/>
-        <p:txBody>
-          <a:bodyPr/>
-          <a:lstStyle/>
-          <a:p>
-            <a:r>
-              <a:rPr lang="en-US" dirty="0"/>
-              <a:t>Show requirement and analysis workflow related artifacts used in this project. For example, use-case diagrams, software project management plan, prototype for identifying basic requirements, and so forth.</a:t>
-            </a:r>
-            <a:br>
-              <a:rPr lang="en-US" dirty="0"/>
-            </a:br>
-            <a:endParaRPr lang="en-US" dirty="0"/>
-          </a:p>
-        </p:txBody>
-      </p:sp>
+          </a:blip>
+          <a:stretch>
+            <a:fillRect/>
+          </a:stretch>
+        </p:blipFill>
+        <p:spPr>
+          <a:xfrm>
+            <a:off x="2058463" y="1477941"/>
+            <a:ext cx="7022907" cy="4565412"/>
+          </a:xfrm>
+        </p:spPr>
+      </p:pic>
     </p:spTree>
     <p:extLst>
       <p:ext uri="{BB962C8B-B14F-4D97-AF65-F5344CB8AC3E}">
-        <p14:creationId xmlns:p14="http://schemas.microsoft.com/office/powerpoint/2010/main" val="3403748530"/>
+        <p14:creationId xmlns:p14="http://schemas.microsoft.com/office/powerpoint/2010/main" val="4073969813"/>
       </p:ext>
     </p:extLst>
   </p:cSld>
@@ -4170,61 +4612,100 @@
       </p:grpSpPr>
       <p:sp>
         <p:nvSpPr>
-          <p:cNvPr id="2" name="Title 1">
+          <p:cNvPr id="2" name="Title 1"/>
+          <p:cNvSpPr>
+            <a:spLocks noGrp="1"/>
+          </p:cNvSpPr>
+          <p:nvPr>
+            <p:ph type="title"/>
+          </p:nvPr>
+        </p:nvSpPr>
+        <p:spPr>
+          <a:xfrm>
+            <a:off x="1130270" y="875757"/>
+            <a:ext cx="9603275" cy="1049235"/>
+          </a:xfrm>
+        </p:spPr>
+        <p:txBody>
+          <a:bodyPr/>
+          <a:lstStyle/>
+          <a:p>
+            <a:pPr algn="ctr"/>
+            <a:r>
+              <a:rPr lang="en-US" dirty="0" smtClean="0"/>
+              <a:t>Software </a:t>
+            </a:r>
+            <a:r>
+              <a:rPr lang="en-US" dirty="0"/>
+              <a:t>project management plan</a:t>
+            </a:r>
+            <a:endParaRPr lang="en-US" dirty="0"/>
+          </a:p>
+        </p:txBody>
+      </p:sp>
+      <p:pic>
+        <p:nvPicPr>
+          <p:cNvPr id="4" name="Content Placeholder 3"/>
+          <p:cNvPicPr>
+            <a:picLocks noGrp="1" noChangeAspect="1"/>
+          </p:cNvPicPr>
+          <p:nvPr>
+            <p:ph idx="1"/>
+          </p:nvPr>
+        </p:nvPicPr>
+        <p:blipFill>
+          <a:blip r:embed="rId2" cstate="print">
             <a:extLst>
-              <a:ext uri="{FF2B5EF4-FFF2-40B4-BE49-F238E27FC236}">
-                <a16:creationId xmlns:a16="http://schemas.microsoft.com/office/drawing/2014/main" id="{6093855A-1965-4D08-9715-6104C2DF7050}"/>
+              <a:ext uri="{28A0092B-C50C-407E-A947-70E740481C1C}">
+                <a14:useLocalDpi xmlns:a14="http://schemas.microsoft.com/office/drawing/2010/main" val="0"/>
               </a:ext>
             </a:extLst>
-          </p:cNvPr>
-          <p:cNvSpPr>
-            <a:spLocks noGrp="1"/>
-          </p:cNvSpPr>
-          <p:nvPr>
-            <p:ph type="title"/>
-          </p:nvPr>
-        </p:nvSpPr>
-        <p:spPr/>
-        <p:txBody>
-          <a:bodyPr/>
-          <a:lstStyle/>
-          <a:p>
-            <a:endParaRPr lang="en-US"/>
-          </a:p>
-        </p:txBody>
-      </p:sp>
-      <p:sp>
-        <p:nvSpPr>
-          <p:cNvPr id="3" name="Content Placeholder 2">
+          </a:blip>
+          <a:stretch>
+            <a:fillRect/>
+          </a:stretch>
+        </p:blipFill>
+        <p:spPr>
+          <a:xfrm>
+            <a:off x="1525124" y="1400375"/>
+            <a:ext cx="3782552" cy="4689070"/>
+          </a:xfrm>
+        </p:spPr>
+      </p:pic>
+      <p:pic>
+        <p:nvPicPr>
+          <p:cNvPr id="5" name="Picture 4"/>
+          <p:cNvPicPr>
+            <a:picLocks noChangeAspect="1"/>
+          </p:cNvPicPr>
+          <p:nvPr/>
+        </p:nvPicPr>
+        <p:blipFill>
+          <a:blip r:embed="rId3">
             <a:extLst>
-              <a:ext uri="{FF2B5EF4-FFF2-40B4-BE49-F238E27FC236}">
-                <a16:creationId xmlns:a16="http://schemas.microsoft.com/office/drawing/2014/main" id="{9DD3F1D1-7BD0-4830-8E4F-30CA4C2FDD92}"/>
+              <a:ext uri="{28A0092B-C50C-407E-A947-70E740481C1C}">
+                <a14:useLocalDpi xmlns:a14="http://schemas.microsoft.com/office/drawing/2010/main" val="0"/>
               </a:ext>
             </a:extLst>
-          </p:cNvPr>
-          <p:cNvSpPr>
-            <a:spLocks noGrp="1"/>
-          </p:cNvSpPr>
-          <p:nvPr>
-            <p:ph idx="1"/>
-          </p:nvPr>
-        </p:nvSpPr>
-        <p:spPr/>
-        <p:txBody>
-          <a:bodyPr/>
-          <a:lstStyle/>
-          <a:p>
-            <a:r>
-              <a:rPr lang="en-US" dirty="0"/>
-              <a:t>Show design and implementation workflow related artifacts used in this project. For example, class diagrams, interaction diagrams, sequence diagrams, CRC cards, source codes, and so forth.</a:t>
-            </a:r>
-          </a:p>
-        </p:txBody>
-      </p:sp>
+          </a:blip>
+          <a:stretch>
+            <a:fillRect/>
+          </a:stretch>
+        </p:blipFill>
+        <p:spPr>
+          <a:xfrm>
+            <a:off x="5702529" y="1400374"/>
+            <a:ext cx="3883859" cy="4689071"/>
+          </a:xfrm>
+          <a:prstGeom prst="rect">
+            <a:avLst/>
+          </a:prstGeom>
+        </p:spPr>
+      </p:pic>
     </p:spTree>
     <p:extLst>
       <p:ext uri="{BB962C8B-B14F-4D97-AF65-F5344CB8AC3E}">
-        <p14:creationId xmlns:p14="http://schemas.microsoft.com/office/powerpoint/2010/main" val="4079380267"/>
+        <p14:creationId xmlns:p14="http://schemas.microsoft.com/office/powerpoint/2010/main" val="1222948082"/>
       </p:ext>
     </p:extLst>
   </p:cSld>
@@ -4253,61 +4734,66 @@
       </p:grpSpPr>
       <p:sp>
         <p:nvSpPr>
-          <p:cNvPr id="2" name="Title 1">
+          <p:cNvPr id="2" name="Title 1"/>
+          <p:cNvSpPr>
+            <a:spLocks noGrp="1"/>
+          </p:cNvSpPr>
+          <p:nvPr>
+            <p:ph type="title"/>
+          </p:nvPr>
+        </p:nvSpPr>
+        <p:spPr>
+          <a:xfrm>
+            <a:off x="1130270" y="803695"/>
+            <a:ext cx="9603275" cy="1049235"/>
+          </a:xfrm>
+        </p:spPr>
+        <p:txBody>
+          <a:bodyPr/>
+          <a:lstStyle/>
+          <a:p>
+            <a:pPr algn="ctr"/>
+            <a:r>
+              <a:rPr lang="en-US" dirty="0" smtClean="0"/>
+              <a:t>Test Case</a:t>
+            </a:r>
+            <a:endParaRPr lang="en-US" dirty="0"/>
+          </a:p>
+        </p:txBody>
+      </p:sp>
+      <p:pic>
+        <p:nvPicPr>
+          <p:cNvPr id="7" name="Content Placeholder 6"/>
+          <p:cNvPicPr>
+            <a:picLocks noGrp="1" noChangeAspect="1"/>
+          </p:cNvPicPr>
+          <p:nvPr>
+            <p:ph idx="1"/>
+          </p:nvPr>
+        </p:nvPicPr>
+        <p:blipFill>
+          <a:blip r:embed="rId2" cstate="print">
             <a:extLst>
-              <a:ext uri="{FF2B5EF4-FFF2-40B4-BE49-F238E27FC236}">
-                <a16:creationId xmlns:a16="http://schemas.microsoft.com/office/drawing/2014/main" id="{D052AE4D-408C-4152-9DC4-2D4AFA1D350A}"/>
+              <a:ext uri="{28A0092B-C50C-407E-A947-70E740481C1C}">
+                <a14:useLocalDpi xmlns:a14="http://schemas.microsoft.com/office/drawing/2010/main" val="0"/>
               </a:ext>
             </a:extLst>
-          </p:cNvPr>
-          <p:cNvSpPr>
-            <a:spLocks noGrp="1"/>
-          </p:cNvSpPr>
-          <p:nvPr>
-            <p:ph type="title"/>
-          </p:nvPr>
-        </p:nvSpPr>
-        <p:spPr/>
-        <p:txBody>
-          <a:bodyPr/>
-          <a:lstStyle/>
-          <a:p>
-            <a:endParaRPr lang="en-US"/>
-          </a:p>
-        </p:txBody>
-      </p:sp>
-      <p:sp>
-        <p:nvSpPr>
-          <p:cNvPr id="3" name="Content Placeholder 2">
-            <a:extLst>
-              <a:ext uri="{FF2B5EF4-FFF2-40B4-BE49-F238E27FC236}">
-                <a16:creationId xmlns:a16="http://schemas.microsoft.com/office/drawing/2014/main" id="{44BB1F93-79D1-4B74-88AD-BC5395F4631D}"/>
-              </a:ext>
-            </a:extLst>
-          </p:cNvPr>
-          <p:cNvSpPr>
-            <a:spLocks noGrp="1"/>
-          </p:cNvSpPr>
-          <p:nvPr>
-            <p:ph idx="1"/>
-          </p:nvPr>
-        </p:nvSpPr>
-        <p:spPr/>
-        <p:txBody>
-          <a:bodyPr/>
-          <a:lstStyle/>
-          <a:p>
-            <a:r>
-              <a:rPr lang="en-US" dirty="0"/>
-              <a:t>(5) Show test workflow related artifacts like unit test cases, integration test, product test, and so forth.</a:t>
-            </a:r>
-          </a:p>
-        </p:txBody>
-      </p:sp>
+          </a:blip>
+          <a:stretch>
+            <a:fillRect/>
+          </a:stretch>
+        </p:blipFill>
+        <p:spPr>
+          <a:xfrm>
+            <a:off x="1771256" y="1436378"/>
+            <a:ext cx="8321301" cy="4336453"/>
+          </a:xfrm>
+        </p:spPr>
+      </p:pic>
     </p:spTree>
     <p:extLst>
       <p:ext uri="{BB962C8B-B14F-4D97-AF65-F5344CB8AC3E}">
-        <p14:creationId xmlns:p14="http://schemas.microsoft.com/office/powerpoint/2010/main" val="273975972"/>
+        <p14:creationId xmlns:p14="http://schemas.microsoft.com/office/powerpoint/2010/main" val="571130339"/>
       </p:ext>
     </p:extLst>
   </p:cSld>
@@ -4339,7 +4825,7 @@
           <p:cNvPr id="2" name="Title 1">
             <a:extLst>
               <a:ext uri="{FF2B5EF4-FFF2-40B4-BE49-F238E27FC236}">
-                <a16:creationId xmlns:a16="http://schemas.microsoft.com/office/drawing/2014/main" id="{0D807DFD-F0A7-4513-83B5-4989B137E13B}"/>
+                <a16:creationId xmlns:a16="http://schemas.microsoft.com/office/drawing/2014/main" id="{2FBC5EC0-A108-4E89-AF64-28188FDEF02D}"/>
               </a:ext>
             </a:extLst>
           </p:cNvPr>
@@ -4355,10 +4841,7 @@
           <a:bodyPr/>
           <a:lstStyle/>
           <a:p>
-            <a:r>
-              <a:rPr lang="en-US" dirty="0"/>
-              <a:t>Hyper link</a:t>
-            </a:r>
+            <a:endParaRPr lang="en-US"/>
           </a:p>
         </p:txBody>
       </p:sp>
@@ -4367,7 +4850,7 @@
           <p:cNvPr id="3" name="Content Placeholder 2">
             <a:extLst>
               <a:ext uri="{FF2B5EF4-FFF2-40B4-BE49-F238E27FC236}">
-                <a16:creationId xmlns:a16="http://schemas.microsoft.com/office/drawing/2014/main" id="{248DA3CD-8E90-4D4D-95AE-BB463905F85F}"/>
+                <a16:creationId xmlns:a16="http://schemas.microsoft.com/office/drawing/2014/main" id="{B44F0085-CDC7-4DAB-8B9D-E91F518BBC0C}"/>
               </a:ext>
             </a:extLst>
           </p:cNvPr>
@@ -4385,15 +4868,31 @@
           <a:p>
             <a:r>
               <a:rPr lang="en-US" dirty="0"/>
-              <a:t>(6) Run your software like user login, course add-in/drop-off, GPA calculation, user adding/deleting, course management, and so forth.</a:t>
-            </a:r>
+              <a:t>Show requirement and analysis workflow related artifacts used in this project. For example, use-case diagrams, </a:t>
+            </a:r>
+            <a:r>
+              <a:rPr lang="en-US" dirty="0">
+                <a:solidFill>
+                  <a:srgbClr val="FF0000"/>
+                </a:solidFill>
+              </a:rPr>
+              <a:t>software project management </a:t>
+            </a:r>
+            <a:r>
+              <a:rPr lang="en-US" dirty="0"/>
+              <a:t>plan, prototype for identifying basic requirements, and so forth.</a:t>
+            </a:r>
+            <a:br>
+              <a:rPr lang="en-US" dirty="0"/>
+            </a:br>
+            <a:endParaRPr lang="en-US" dirty="0"/>
           </a:p>
         </p:txBody>
       </p:sp>
     </p:spTree>
     <p:extLst>
       <p:ext uri="{BB962C8B-B14F-4D97-AF65-F5344CB8AC3E}">
-        <p14:creationId xmlns:p14="http://schemas.microsoft.com/office/powerpoint/2010/main" val="1688740605"/>
+        <p14:creationId xmlns:p14="http://schemas.microsoft.com/office/powerpoint/2010/main" val="3403748530"/>
       </p:ext>
     </p:extLst>
   </p:cSld>
@@ -4422,61 +4921,65 @@
       </p:grpSpPr>
       <p:sp>
         <p:nvSpPr>
-          <p:cNvPr id="2" name="Title 1">
+          <p:cNvPr id="2" name="Title 1"/>
+          <p:cNvSpPr>
+            <a:spLocks noGrp="1"/>
+          </p:cNvSpPr>
+          <p:nvPr>
+            <p:ph type="title"/>
+          </p:nvPr>
+        </p:nvSpPr>
+        <p:spPr>
+          <a:xfrm>
+            <a:off x="1130269" y="795383"/>
+            <a:ext cx="9603275" cy="1049235"/>
+          </a:xfrm>
+        </p:spPr>
+        <p:txBody>
+          <a:bodyPr/>
+          <a:lstStyle/>
+          <a:p>
+            <a:pPr algn="ctr"/>
+            <a:r>
+              <a:rPr lang="en-US" dirty="0" smtClean="0"/>
+              <a:t>Relationship Diagram</a:t>
+            </a:r>
+            <a:endParaRPr lang="en-US" dirty="0"/>
+          </a:p>
+        </p:txBody>
+      </p:sp>
+      <p:pic>
+        <p:nvPicPr>
+          <p:cNvPr id="4" name="Content Placeholder 3"/>
+          <p:cNvPicPr>
+            <a:picLocks noGrp="1" noChangeAspect="1"/>
+          </p:cNvPicPr>
+          <p:nvPr>
+            <p:ph idx="1"/>
+          </p:nvPr>
+        </p:nvPicPr>
+        <p:blipFill rotWithShape="1">
+          <a:blip r:embed="rId2" cstate="print">
             <a:extLst>
-              <a:ext uri="{FF2B5EF4-FFF2-40B4-BE49-F238E27FC236}">
-                <a16:creationId xmlns:a16="http://schemas.microsoft.com/office/drawing/2014/main" id="{825AE664-C6BE-43D9-A92C-492D500102CB}"/>
+              <a:ext uri="{28A0092B-C50C-407E-A947-70E740481C1C}">
+                <a14:useLocalDpi xmlns:a14="http://schemas.microsoft.com/office/drawing/2010/main" val="0"/>
               </a:ext>
             </a:extLst>
-          </p:cNvPr>
-          <p:cNvSpPr>
-            <a:spLocks noGrp="1"/>
-          </p:cNvSpPr>
-          <p:nvPr>
-            <p:ph type="title"/>
-          </p:nvPr>
-        </p:nvSpPr>
-        <p:spPr/>
-        <p:txBody>
-          <a:bodyPr/>
-          <a:lstStyle/>
-          <a:p>
-            <a:r>
-              <a:rPr lang="en-US" dirty="0"/>
-              <a:t>Fin</a:t>
-            </a:r>
-          </a:p>
-        </p:txBody>
-      </p:sp>
-      <p:sp>
-        <p:nvSpPr>
-          <p:cNvPr id="3" name="Content Placeholder 2">
-            <a:extLst>
-              <a:ext uri="{FF2B5EF4-FFF2-40B4-BE49-F238E27FC236}">
-                <a16:creationId xmlns:a16="http://schemas.microsoft.com/office/drawing/2014/main" id="{EB449670-164A-49CD-96A2-F5F6EACB86FF}"/>
-              </a:ext>
-            </a:extLst>
-          </p:cNvPr>
-          <p:cNvSpPr>
-            <a:spLocks noGrp="1"/>
-          </p:cNvSpPr>
-          <p:nvPr>
-            <p:ph idx="1"/>
-          </p:nvPr>
-        </p:nvSpPr>
-        <p:spPr/>
-        <p:txBody>
-          <a:bodyPr/>
-          <a:lstStyle/>
-          <a:p>
-            <a:endParaRPr lang="en-US"/>
-          </a:p>
-        </p:txBody>
-      </p:sp>
+          </a:blip>
+          <a:srcRect l="253" r="520" b="2933"/>
+          <a:stretch/>
+        </p:blipFill>
+        <p:spPr>
+          <a:xfrm>
+            <a:off x="2760079" y="1844618"/>
+            <a:ext cx="6343654" cy="3907790"/>
+          </a:xfrm>
+        </p:spPr>
+      </p:pic>
     </p:spTree>
     <p:extLst>
       <p:ext uri="{BB962C8B-B14F-4D97-AF65-F5344CB8AC3E}">
-        <p14:creationId xmlns:p14="http://schemas.microsoft.com/office/powerpoint/2010/main" val="2326332753"/>
+        <p14:creationId xmlns:p14="http://schemas.microsoft.com/office/powerpoint/2010/main" val="633678923"/>
       </p:ext>
     </p:extLst>
   </p:cSld>

--- a/Learning Management System project.pptx
+++ b/Learning Management System project.pptx
@@ -3803,7 +3803,39 @@
           <a:p>
             <a:r>
               <a:rPr lang="en-US" dirty="0"/>
-              <a:t>By: Kyle, Brandon, Matt, Hung, and Joshua</a:t>
+              <a:t>By: Kyle </a:t>
+            </a:r>
+            <a:r>
+              <a:rPr lang="en-US" dirty="0" err="1"/>
+              <a:t>Vessey</a:t>
+            </a:r>
+            <a:r>
+              <a:rPr lang="en-US" dirty="0"/>
+              <a:t>, Brandon </a:t>
+            </a:r>
+            <a:r>
+              <a:rPr lang="en-US" dirty="0" err="1"/>
+              <a:t>Popson</a:t>
+            </a:r>
+            <a:r>
+              <a:rPr lang="en-US" dirty="0"/>
+              <a:t>, </a:t>
+            </a:r>
+            <a:r>
+              <a:rPr lang="en-US" dirty="0" err="1"/>
+              <a:t>Nhat</a:t>
+            </a:r>
+            <a:r>
+              <a:rPr lang="en-US" dirty="0"/>
+              <a:t> </a:t>
+            </a:r>
+            <a:r>
+              <a:rPr lang="en-US" dirty="0" err="1"/>
+              <a:t>Nguyen,Joshua</a:t>
+            </a:r>
+            <a:r>
+              <a:rPr lang="en-US" dirty="0"/>
+              <a:t> Reese and Hung Ngo . Using “Ruby on Rails”</a:t>
             </a:r>
           </a:p>
         </p:txBody>
@@ -3938,32 +3970,83 @@
           <a:p>
             <a:pPr algn="ctr"/>
             <a:r>
-              <a:rPr lang="en-US" dirty="0" smtClean="0"/>
+              <a:rPr lang="en-US" dirty="0"/>
               <a:t>Class-responsibility-collaboration (CRC) cards</a:t>
             </a:r>
-            <a:endParaRPr lang="en-US" dirty="0"/>
-          </a:p>
-        </p:txBody>
-      </p:sp>
-      <p:sp>
-        <p:nvSpPr>
-          <p:cNvPr id="3" name="Content Placeholder 2"/>
-          <p:cNvSpPr>
-            <a:spLocks noGrp="1"/>
-          </p:cNvSpPr>
+          </a:p>
+        </p:txBody>
+      </p:sp>
+      <p:pic>
+        <p:nvPicPr>
+          <p:cNvPr id="5" name="Content Placeholder 4" descr="A screenshot of a cell phone&#10;&#10;Description generated with very high confidence">
+            <a:extLst>
+              <a:ext uri="{FF2B5EF4-FFF2-40B4-BE49-F238E27FC236}">
+                <a16:creationId xmlns:a16="http://schemas.microsoft.com/office/drawing/2014/main" id="{89069F25-8A08-4F9A-9814-0BB879EBF6FA}"/>
+              </a:ext>
+            </a:extLst>
+          </p:cNvPr>
+          <p:cNvPicPr>
+            <a:picLocks noGrp="1" noChangeAspect="1"/>
+          </p:cNvPicPr>
           <p:nvPr>
             <p:ph idx="1"/>
           </p:nvPr>
-        </p:nvSpPr>
-        <p:spPr/>
-        <p:txBody>
-          <a:bodyPr/>
-          <a:lstStyle/>
-          <a:p>
-            <a:endParaRPr lang="en-US" dirty="0"/>
-          </a:p>
-        </p:txBody>
-      </p:sp>
+        </p:nvPicPr>
+        <p:blipFill>
+          <a:blip r:embed="rId2">
+            <a:extLst>
+              <a:ext uri="{28A0092B-C50C-407E-A947-70E740481C1C}">
+                <a14:useLocalDpi xmlns:a14="http://schemas.microsoft.com/office/drawing/2010/main" val="0"/>
+              </a:ext>
+            </a:extLst>
+          </a:blip>
+          <a:stretch>
+            <a:fillRect/>
+          </a:stretch>
+        </p:blipFill>
+        <p:spPr>
+          <a:xfrm>
+            <a:off x="1130270" y="2002559"/>
+            <a:ext cx="4248346" cy="3912087"/>
+          </a:xfrm>
+        </p:spPr>
+      </p:pic>
+      <p:pic>
+        <p:nvPicPr>
+          <p:cNvPr id="7" name="Picture 6" descr="A screenshot of a cell phone&#10;&#10;Description generated with very high confidence">
+            <a:extLst>
+              <a:ext uri="{FF2B5EF4-FFF2-40B4-BE49-F238E27FC236}">
+                <a16:creationId xmlns:a16="http://schemas.microsoft.com/office/drawing/2014/main" id="{C31B9BBB-C7D4-4CCD-A1C9-BCE792009B5C}"/>
+              </a:ext>
+            </a:extLst>
+          </p:cNvPr>
+          <p:cNvPicPr>
+            <a:picLocks noChangeAspect="1"/>
+          </p:cNvPicPr>
+          <p:nvPr/>
+        </p:nvPicPr>
+        <p:blipFill>
+          <a:blip r:embed="rId3">
+            <a:extLst>
+              <a:ext uri="{28A0092B-C50C-407E-A947-70E740481C1C}">
+                <a14:useLocalDpi xmlns:a14="http://schemas.microsoft.com/office/drawing/2010/main" val="0"/>
+              </a:ext>
+            </a:extLst>
+          </a:blip>
+          <a:stretch>
+            <a:fillRect/>
+          </a:stretch>
+        </p:blipFill>
+        <p:spPr>
+          <a:xfrm>
+            <a:off x="5720892" y="2002559"/>
+            <a:ext cx="4670377" cy="3912087"/>
+          </a:xfrm>
+          <a:prstGeom prst="rect">
+            <a:avLst/>
+          </a:prstGeom>
+        </p:spPr>
+      </p:pic>
     </p:spTree>
     <p:extLst>
       <p:ext uri="{BB962C8B-B14F-4D97-AF65-F5344CB8AC3E}">
@@ -4193,38 +4276,16 @@
         </p:nvSpPr>
         <p:spPr/>
         <p:txBody>
-          <a:bodyPr/>
-          <a:lstStyle/>
-          <a:p>
-            <a:r>
-              <a:rPr lang="en-US" dirty="0"/>
+          <a:bodyPr>
+            <a:noAutofit/>
+          </a:bodyPr>
+          <a:lstStyle/>
+          <a:p>
+            <a:pPr algn="ctr"/>
+            <a:r>
+              <a:rPr lang="en-US" sz="8000" dirty="0"/>
               <a:t>Fin</a:t>
             </a:r>
-          </a:p>
-        </p:txBody>
-      </p:sp>
-      <p:sp>
-        <p:nvSpPr>
-          <p:cNvPr id="3" name="Content Placeholder 2">
-            <a:extLst>
-              <a:ext uri="{FF2B5EF4-FFF2-40B4-BE49-F238E27FC236}">
-                <a16:creationId xmlns:a16="http://schemas.microsoft.com/office/drawing/2014/main" id="{EB449670-164A-49CD-96A2-F5F6EACB86FF}"/>
-              </a:ext>
-            </a:extLst>
-          </p:cNvPr>
-          <p:cNvSpPr>
-            <a:spLocks noGrp="1"/>
-          </p:cNvSpPr>
-          <p:nvPr>
-            <p:ph idx="1"/>
-          </p:nvPr>
-        </p:nvSpPr>
-        <p:spPr/>
-        <p:txBody>
-          <a:bodyPr/>
-          <a:lstStyle/>
-          <a:p>
-            <a:endParaRPr lang="en-US"/>
           </a:p>
         </p:txBody>
       </p:sp>
@@ -4276,13 +4337,8 @@
             <a:pPr algn="ctr"/>
             <a:r>
               <a:rPr lang="en-US" dirty="0"/>
-              <a:t>Team </a:t>
-            </a:r>
-            <a:r>
-              <a:rPr lang="en-US" dirty="0" smtClean="0"/>
-              <a:t>organization</a:t>
-            </a:r>
-            <a:endParaRPr lang="en-US" dirty="0"/>
+              <a:t>Team organization</a:t>
+            </a:r>
           </a:p>
         </p:txBody>
       </p:sp>
@@ -4368,10 +4424,9 @@
           <a:p>
             <a:pPr algn="ctr"/>
             <a:r>
-              <a:rPr lang="en-US" dirty="0" smtClean="0"/>
+              <a:rPr lang="en-US" dirty="0"/>
               <a:t>Team Model – (Democratic) </a:t>
             </a:r>
-            <a:endParaRPr lang="en-US" dirty="0"/>
           </a:p>
         </p:txBody>
       </p:sp>
@@ -4451,10 +4506,9 @@
           <a:p>
             <a:pPr algn="ctr"/>
             <a:r>
-              <a:rPr lang="en-US" dirty="0" smtClean="0"/>
+              <a:rPr lang="en-US" dirty="0"/>
               <a:t>Iterative Life cycle</a:t>
             </a:r>
-            <a:endParaRPr lang="en-US" dirty="0"/>
           </a:p>
         </p:txBody>
       </p:sp>
@@ -4544,10 +4598,9 @@
           <a:p>
             <a:pPr algn="ctr"/>
             <a:r>
-              <a:rPr lang="en-US" dirty="0" smtClean="0"/>
+              <a:rPr lang="en-US" dirty="0"/>
               <a:t>GitHub </a:t>
             </a:r>
-            <a:endParaRPr lang="en-US" dirty="0"/>
           </a:p>
         </p:txBody>
       </p:sp>
@@ -4632,14 +4685,9 @@
           <a:p>
             <a:pPr algn="ctr"/>
             <a:r>
-              <a:rPr lang="en-US" dirty="0" smtClean="0"/>
-              <a:t>Software </a:t>
-            </a:r>
-            <a:r>
               <a:rPr lang="en-US" dirty="0"/>
-              <a:t>project management plan</a:t>
-            </a:r>
-            <a:endParaRPr lang="en-US" dirty="0"/>
+              <a:t>Software project management plan</a:t>
+            </a:r>
           </a:p>
         </p:txBody>
       </p:sp>
@@ -4754,10 +4802,9 @@
           <a:p>
             <a:pPr algn="ctr"/>
             <a:r>
-              <a:rPr lang="en-US" dirty="0" smtClean="0"/>
+              <a:rPr lang="en-US" dirty="0"/>
               <a:t>Test Case</a:t>
             </a:r>
-            <a:endParaRPr lang="en-US" dirty="0"/>
           </a:p>
         </p:txBody>
       </p:sp>
@@ -4941,10 +4988,9 @@
           <a:p>
             <a:pPr algn="ctr"/>
             <a:r>
-              <a:rPr lang="en-US" dirty="0" smtClean="0"/>
+              <a:rPr lang="en-US" dirty="0"/>
               <a:t>Relationship Diagram</a:t>
             </a:r>
-            <a:endParaRPr lang="en-US" dirty="0"/>
           </a:p>
         </p:txBody>
       </p:sp>

--- a/Learning Management System project.pptx
+++ b/Learning Management System project.pptx
@@ -12,13 +12,10 @@
     <p:sldId id="259" r:id="rId6"/>
     <p:sldId id="266" r:id="rId7"/>
     <p:sldId id="267" r:id="rId8"/>
-    <p:sldId id="260" r:id="rId9"/>
-    <p:sldId id="270" r:id="rId10"/>
-    <p:sldId id="261" r:id="rId11"/>
-    <p:sldId id="269" r:id="rId12"/>
-    <p:sldId id="262" r:id="rId13"/>
-    <p:sldId id="263" r:id="rId14"/>
-    <p:sldId id="264" r:id="rId15"/>
+    <p:sldId id="270" r:id="rId9"/>
+    <p:sldId id="269" r:id="rId10"/>
+    <p:sldId id="263" r:id="rId11"/>
+    <p:sldId id="264" r:id="rId12"/>
   </p:sldIdLst>
   <p:sldSz cx="12192000" cy="6858000"/>
   <p:notesSz cx="6858000" cy="9144000"/>
@@ -3875,308 +3872,6 @@
           <p:cNvPr id="2" name="Title 1">
             <a:extLst>
               <a:ext uri="{FF2B5EF4-FFF2-40B4-BE49-F238E27FC236}">
-                <a16:creationId xmlns:a16="http://schemas.microsoft.com/office/drawing/2014/main" id="{6093855A-1965-4D08-9715-6104C2DF7050}"/>
-              </a:ext>
-            </a:extLst>
-          </p:cNvPr>
-          <p:cNvSpPr>
-            <a:spLocks noGrp="1"/>
-          </p:cNvSpPr>
-          <p:nvPr>
-            <p:ph type="title"/>
-          </p:nvPr>
-        </p:nvSpPr>
-        <p:spPr/>
-        <p:txBody>
-          <a:bodyPr/>
-          <a:lstStyle/>
-          <a:p>
-            <a:endParaRPr lang="en-US"/>
-          </a:p>
-        </p:txBody>
-      </p:sp>
-      <p:sp>
-        <p:nvSpPr>
-          <p:cNvPr id="3" name="Content Placeholder 2">
-            <a:extLst>
-              <a:ext uri="{FF2B5EF4-FFF2-40B4-BE49-F238E27FC236}">
-                <a16:creationId xmlns:a16="http://schemas.microsoft.com/office/drawing/2014/main" id="{9DD3F1D1-7BD0-4830-8E4F-30CA4C2FDD92}"/>
-              </a:ext>
-            </a:extLst>
-          </p:cNvPr>
-          <p:cNvSpPr>
-            <a:spLocks noGrp="1"/>
-          </p:cNvSpPr>
-          <p:nvPr>
-            <p:ph idx="1"/>
-          </p:nvPr>
-        </p:nvSpPr>
-        <p:spPr/>
-        <p:txBody>
-          <a:bodyPr/>
-          <a:lstStyle/>
-          <a:p>
-            <a:r>
-              <a:rPr lang="en-US" dirty="0"/>
-              <a:t>Show design and implementation workflow related artifacts used in this project. For example, class diagrams, interaction diagrams, sequence diagrams, CRC cards, source codes, and so forth.</a:t>
-            </a:r>
-          </a:p>
-        </p:txBody>
-      </p:sp>
-    </p:spTree>
-    <p:extLst>
-      <p:ext uri="{BB962C8B-B14F-4D97-AF65-F5344CB8AC3E}">
-        <p14:creationId xmlns:p14="http://schemas.microsoft.com/office/powerpoint/2010/main" val="4079380267"/>
-      </p:ext>
-    </p:extLst>
-  </p:cSld>
-  <p:clrMapOvr>
-    <a:masterClrMapping/>
-  </p:clrMapOvr>
-</p:sld>
-</file>
-
-<file path=ppt/slides/slide11.xml><?xml version="1.0" encoding="utf-8"?>
-<p:sld xmlns:a="http://schemas.openxmlformats.org/drawingml/2006/main" xmlns:r="http://schemas.openxmlformats.org/officeDocument/2006/relationships" xmlns:p="http://schemas.openxmlformats.org/presentationml/2006/main">
-  <p:cSld>
-    <p:spTree>
-      <p:nvGrpSpPr>
-        <p:cNvPr id="1" name=""/>
-        <p:cNvGrpSpPr/>
-        <p:nvPr/>
-      </p:nvGrpSpPr>
-      <p:grpSpPr>
-        <a:xfrm>
-          <a:off x="0" y="0"/>
-          <a:ext cx="0" cy="0"/>
-          <a:chOff x="0" y="0"/>
-          <a:chExt cx="0" cy="0"/>
-        </a:xfrm>
-      </p:grpSpPr>
-      <p:sp>
-        <p:nvSpPr>
-          <p:cNvPr id="2" name="Title 1"/>
-          <p:cNvSpPr>
-            <a:spLocks noGrp="1"/>
-          </p:cNvSpPr>
-          <p:nvPr>
-            <p:ph type="title"/>
-          </p:nvPr>
-        </p:nvSpPr>
-        <p:spPr/>
-        <p:txBody>
-          <a:bodyPr/>
-          <a:lstStyle/>
-          <a:p>
-            <a:pPr algn="ctr"/>
-            <a:r>
-              <a:rPr lang="en-US" dirty="0"/>
-              <a:t>Class-responsibility-collaboration (CRC) cards</a:t>
-            </a:r>
-          </a:p>
-        </p:txBody>
-      </p:sp>
-      <p:pic>
-        <p:nvPicPr>
-          <p:cNvPr id="5" name="Content Placeholder 4" descr="A screenshot of a cell phone&#10;&#10;Description generated with very high confidence">
-            <a:extLst>
-              <a:ext uri="{FF2B5EF4-FFF2-40B4-BE49-F238E27FC236}">
-                <a16:creationId xmlns:a16="http://schemas.microsoft.com/office/drawing/2014/main" id="{89069F25-8A08-4F9A-9814-0BB879EBF6FA}"/>
-              </a:ext>
-            </a:extLst>
-          </p:cNvPr>
-          <p:cNvPicPr>
-            <a:picLocks noGrp="1" noChangeAspect="1"/>
-          </p:cNvPicPr>
-          <p:nvPr>
-            <p:ph idx="1"/>
-          </p:nvPr>
-        </p:nvPicPr>
-        <p:blipFill>
-          <a:blip r:embed="rId2">
-            <a:extLst>
-              <a:ext uri="{28A0092B-C50C-407E-A947-70E740481C1C}">
-                <a14:useLocalDpi xmlns:a14="http://schemas.microsoft.com/office/drawing/2010/main" val="0"/>
-              </a:ext>
-            </a:extLst>
-          </a:blip>
-          <a:stretch>
-            <a:fillRect/>
-          </a:stretch>
-        </p:blipFill>
-        <p:spPr>
-          <a:xfrm>
-            <a:off x="1130270" y="2002559"/>
-            <a:ext cx="4248346" cy="3912087"/>
-          </a:xfrm>
-        </p:spPr>
-      </p:pic>
-      <p:pic>
-        <p:nvPicPr>
-          <p:cNvPr id="7" name="Picture 6" descr="A screenshot of a cell phone&#10;&#10;Description generated with very high confidence">
-            <a:extLst>
-              <a:ext uri="{FF2B5EF4-FFF2-40B4-BE49-F238E27FC236}">
-                <a16:creationId xmlns:a16="http://schemas.microsoft.com/office/drawing/2014/main" id="{C31B9BBB-C7D4-4CCD-A1C9-BCE792009B5C}"/>
-              </a:ext>
-            </a:extLst>
-          </p:cNvPr>
-          <p:cNvPicPr>
-            <a:picLocks noChangeAspect="1"/>
-          </p:cNvPicPr>
-          <p:nvPr/>
-        </p:nvPicPr>
-        <p:blipFill>
-          <a:blip r:embed="rId3">
-            <a:extLst>
-              <a:ext uri="{28A0092B-C50C-407E-A947-70E740481C1C}">
-                <a14:useLocalDpi xmlns:a14="http://schemas.microsoft.com/office/drawing/2010/main" val="0"/>
-              </a:ext>
-            </a:extLst>
-          </a:blip>
-          <a:stretch>
-            <a:fillRect/>
-          </a:stretch>
-        </p:blipFill>
-        <p:spPr>
-          <a:xfrm>
-            <a:off x="5720892" y="2002559"/>
-            <a:ext cx="4670377" cy="3912087"/>
-          </a:xfrm>
-          <a:prstGeom prst="rect">
-            <a:avLst/>
-          </a:prstGeom>
-        </p:spPr>
-      </p:pic>
-    </p:spTree>
-    <p:extLst>
-      <p:ext uri="{BB962C8B-B14F-4D97-AF65-F5344CB8AC3E}">
-        <p14:creationId xmlns:p14="http://schemas.microsoft.com/office/powerpoint/2010/main" val="3501233574"/>
-      </p:ext>
-    </p:extLst>
-  </p:cSld>
-  <p:clrMapOvr>
-    <a:masterClrMapping/>
-  </p:clrMapOvr>
-</p:sld>
-</file>
-
-<file path=ppt/slides/slide12.xml><?xml version="1.0" encoding="utf-8"?>
-<p:sld xmlns:a="http://schemas.openxmlformats.org/drawingml/2006/main" xmlns:r="http://schemas.openxmlformats.org/officeDocument/2006/relationships" xmlns:p="http://schemas.openxmlformats.org/presentationml/2006/main">
-  <p:cSld>
-    <p:spTree>
-      <p:nvGrpSpPr>
-        <p:cNvPr id="1" name=""/>
-        <p:cNvGrpSpPr/>
-        <p:nvPr/>
-      </p:nvGrpSpPr>
-      <p:grpSpPr>
-        <a:xfrm>
-          <a:off x="0" y="0"/>
-          <a:ext cx="0" cy="0"/>
-          <a:chOff x="0" y="0"/>
-          <a:chExt cx="0" cy="0"/>
-        </a:xfrm>
-      </p:grpSpPr>
-      <p:sp>
-        <p:nvSpPr>
-          <p:cNvPr id="2" name="Title 1">
-            <a:extLst>
-              <a:ext uri="{FF2B5EF4-FFF2-40B4-BE49-F238E27FC236}">
-                <a16:creationId xmlns:a16="http://schemas.microsoft.com/office/drawing/2014/main" id="{D052AE4D-408C-4152-9DC4-2D4AFA1D350A}"/>
-              </a:ext>
-            </a:extLst>
-          </p:cNvPr>
-          <p:cNvSpPr>
-            <a:spLocks noGrp="1"/>
-          </p:cNvSpPr>
-          <p:nvPr>
-            <p:ph type="title"/>
-          </p:nvPr>
-        </p:nvSpPr>
-        <p:spPr/>
-        <p:txBody>
-          <a:bodyPr/>
-          <a:lstStyle/>
-          <a:p>
-            <a:endParaRPr lang="en-US"/>
-          </a:p>
-        </p:txBody>
-      </p:sp>
-      <p:sp>
-        <p:nvSpPr>
-          <p:cNvPr id="3" name="Content Placeholder 2">
-            <a:extLst>
-              <a:ext uri="{FF2B5EF4-FFF2-40B4-BE49-F238E27FC236}">
-                <a16:creationId xmlns:a16="http://schemas.microsoft.com/office/drawing/2014/main" id="{44BB1F93-79D1-4B74-88AD-BC5395F4631D}"/>
-              </a:ext>
-            </a:extLst>
-          </p:cNvPr>
-          <p:cNvSpPr>
-            <a:spLocks noGrp="1"/>
-          </p:cNvSpPr>
-          <p:nvPr>
-            <p:ph idx="1"/>
-          </p:nvPr>
-        </p:nvSpPr>
-        <p:spPr/>
-        <p:txBody>
-          <a:bodyPr/>
-          <a:lstStyle/>
-          <a:p>
-            <a:r>
-              <a:rPr lang="en-US" dirty="0"/>
-              <a:t>(5) </a:t>
-            </a:r>
-            <a:r>
-              <a:rPr lang="en-US" dirty="0">
-                <a:solidFill>
-                  <a:srgbClr val="FF0000"/>
-                </a:solidFill>
-              </a:rPr>
-              <a:t>Show test workflow related artifacts like unit test cases</a:t>
-            </a:r>
-            <a:r>
-              <a:rPr lang="en-US" dirty="0"/>
-              <a:t>, integration test, product test, and so forth.</a:t>
-            </a:r>
-          </a:p>
-        </p:txBody>
-      </p:sp>
-    </p:spTree>
-    <p:extLst>
-      <p:ext uri="{BB962C8B-B14F-4D97-AF65-F5344CB8AC3E}">
-        <p14:creationId xmlns:p14="http://schemas.microsoft.com/office/powerpoint/2010/main" val="273975972"/>
-      </p:ext>
-    </p:extLst>
-  </p:cSld>
-  <p:clrMapOvr>
-    <a:masterClrMapping/>
-  </p:clrMapOvr>
-</p:sld>
-</file>
-
-<file path=ppt/slides/slide13.xml><?xml version="1.0" encoding="utf-8"?>
-<p:sld xmlns:a="http://schemas.openxmlformats.org/drawingml/2006/main" xmlns:r="http://schemas.openxmlformats.org/officeDocument/2006/relationships" xmlns:p="http://schemas.openxmlformats.org/presentationml/2006/main">
-  <p:cSld>
-    <p:spTree>
-      <p:nvGrpSpPr>
-        <p:cNvPr id="1" name=""/>
-        <p:cNvGrpSpPr/>
-        <p:nvPr/>
-      </p:nvGrpSpPr>
-      <p:grpSpPr>
-        <a:xfrm>
-          <a:off x="0" y="0"/>
-          <a:ext cx="0" cy="0"/>
-          <a:chOff x="0" y="0"/>
-          <a:chExt cx="0" cy="0"/>
-        </a:xfrm>
-      </p:grpSpPr>
-      <p:sp>
-        <p:nvSpPr>
-          <p:cNvPr id="2" name="Title 1">
-            <a:extLst>
-              <a:ext uri="{FF2B5EF4-FFF2-40B4-BE49-F238E27FC236}">
                 <a16:creationId xmlns:a16="http://schemas.microsoft.com/office/drawing/2014/main" id="{0D807DFD-F0A7-4513-83B5-4989B137E13B}"/>
               </a:ext>
             </a:extLst>
@@ -4241,7 +3936,7 @@
 </p:sld>
 </file>
 
-<file path=ppt/slides/slide14.xml><?xml version="1.0" encoding="utf-8"?>
+<file path=ppt/slides/slide11.xml><?xml version="1.0" encoding="utf-8"?>
 <p:sld xmlns:a="http://schemas.openxmlformats.org/drawingml/2006/main" xmlns:r="http://schemas.openxmlformats.org/officeDocument/2006/relationships" xmlns:p="http://schemas.openxmlformats.org/presentationml/2006/main">
   <p:cSld>
     <p:spTree>
@@ -4869,77 +4564,64 @@
       </p:grpSpPr>
       <p:sp>
         <p:nvSpPr>
-          <p:cNvPr id="2" name="Title 1">
+          <p:cNvPr id="2" name="Title 1"/>
+          <p:cNvSpPr>
+            <a:spLocks noGrp="1"/>
+          </p:cNvSpPr>
+          <p:nvPr>
+            <p:ph type="title"/>
+          </p:nvPr>
+        </p:nvSpPr>
+        <p:spPr>
+          <a:xfrm>
+            <a:off x="1130269" y="795383"/>
+            <a:ext cx="9603275" cy="1049235"/>
+          </a:xfrm>
+        </p:spPr>
+        <p:txBody>
+          <a:bodyPr/>
+          <a:lstStyle/>
+          <a:p>
+            <a:pPr algn="ctr"/>
+            <a:r>
+              <a:rPr lang="en-US" dirty="0"/>
+              <a:t>Relationship Diagram</a:t>
+            </a:r>
+          </a:p>
+        </p:txBody>
+      </p:sp>
+      <p:pic>
+        <p:nvPicPr>
+          <p:cNvPr id="4" name="Content Placeholder 3"/>
+          <p:cNvPicPr>
+            <a:picLocks noGrp="1" noChangeAspect="1"/>
+          </p:cNvPicPr>
+          <p:nvPr>
+            <p:ph idx="1"/>
+          </p:nvPr>
+        </p:nvPicPr>
+        <p:blipFill rotWithShape="1">
+          <a:blip r:embed="rId2" cstate="print">
             <a:extLst>
-              <a:ext uri="{FF2B5EF4-FFF2-40B4-BE49-F238E27FC236}">
-                <a16:creationId xmlns:a16="http://schemas.microsoft.com/office/drawing/2014/main" id="{2FBC5EC0-A108-4E89-AF64-28188FDEF02D}"/>
+              <a:ext uri="{28A0092B-C50C-407E-A947-70E740481C1C}">
+                <a14:useLocalDpi xmlns:a14="http://schemas.microsoft.com/office/drawing/2010/main" val="0"/>
               </a:ext>
             </a:extLst>
-          </p:cNvPr>
-          <p:cNvSpPr>
-            <a:spLocks noGrp="1"/>
-          </p:cNvSpPr>
-          <p:nvPr>
-            <p:ph type="title"/>
-          </p:nvPr>
-        </p:nvSpPr>
-        <p:spPr/>
-        <p:txBody>
-          <a:bodyPr/>
-          <a:lstStyle/>
-          <a:p>
-            <a:endParaRPr lang="en-US"/>
-          </a:p>
-        </p:txBody>
-      </p:sp>
-      <p:sp>
-        <p:nvSpPr>
-          <p:cNvPr id="3" name="Content Placeholder 2">
-            <a:extLst>
-              <a:ext uri="{FF2B5EF4-FFF2-40B4-BE49-F238E27FC236}">
-                <a16:creationId xmlns:a16="http://schemas.microsoft.com/office/drawing/2014/main" id="{B44F0085-CDC7-4DAB-8B9D-E91F518BBC0C}"/>
-              </a:ext>
-            </a:extLst>
-          </p:cNvPr>
-          <p:cNvSpPr>
-            <a:spLocks noGrp="1"/>
-          </p:cNvSpPr>
-          <p:nvPr>
-            <p:ph idx="1"/>
-          </p:nvPr>
-        </p:nvSpPr>
-        <p:spPr/>
-        <p:txBody>
-          <a:bodyPr/>
-          <a:lstStyle/>
-          <a:p>
-            <a:r>
-              <a:rPr lang="en-US" dirty="0"/>
-              <a:t>Show requirement and analysis workflow related artifacts used in this project. For example, use-case diagrams, </a:t>
-            </a:r>
-            <a:r>
-              <a:rPr lang="en-US" dirty="0">
-                <a:solidFill>
-                  <a:srgbClr val="FF0000"/>
-                </a:solidFill>
-              </a:rPr>
-              <a:t>software project management </a:t>
-            </a:r>
-            <a:r>
-              <a:rPr lang="en-US" dirty="0"/>
-              <a:t>plan, prototype for identifying basic requirements, and so forth.</a:t>
-            </a:r>
-            <a:br>
-              <a:rPr lang="en-US" dirty="0"/>
-            </a:br>
-            <a:endParaRPr lang="en-US" dirty="0"/>
-          </a:p>
-        </p:txBody>
-      </p:sp>
+          </a:blip>
+          <a:srcRect l="253" r="520" b="2933"/>
+          <a:stretch/>
+        </p:blipFill>
+        <p:spPr>
+          <a:xfrm>
+            <a:off x="2760079" y="1844618"/>
+            <a:ext cx="6343654" cy="3907790"/>
+          </a:xfrm>
+        </p:spPr>
+      </p:pic>
     </p:spTree>
     <p:extLst>
       <p:ext uri="{BB962C8B-B14F-4D97-AF65-F5344CB8AC3E}">
-        <p14:creationId xmlns:p14="http://schemas.microsoft.com/office/powerpoint/2010/main" val="3403748530"/>
+        <p14:creationId xmlns:p14="http://schemas.microsoft.com/office/powerpoint/2010/main" val="633678923"/>
       </p:ext>
     </p:extLst>
   </p:cSld>
@@ -4976,12 +4658,7 @@
             <p:ph type="title"/>
           </p:nvPr>
         </p:nvSpPr>
-        <p:spPr>
-          <a:xfrm>
-            <a:off x="1130269" y="795383"/>
-            <a:ext cx="9603275" cy="1049235"/>
-          </a:xfrm>
-        </p:spPr>
+        <p:spPr/>
         <p:txBody>
           <a:bodyPr/>
           <a:lstStyle/>
@@ -4989,14 +4666,20 @@
             <a:pPr algn="ctr"/>
             <a:r>
               <a:rPr lang="en-US" dirty="0"/>
-              <a:t>Relationship Diagram</a:t>
+              <a:t>Class-responsibility-collaboration (CRC) cards</a:t>
             </a:r>
           </a:p>
         </p:txBody>
       </p:sp>
       <p:pic>
         <p:nvPicPr>
-          <p:cNvPr id="4" name="Content Placeholder 3"/>
+          <p:cNvPr id="5" name="Content Placeholder 4" descr="A screenshot of a cell phone&#10;&#10;Description generated with very high confidence">
+            <a:extLst>
+              <a:ext uri="{FF2B5EF4-FFF2-40B4-BE49-F238E27FC236}">
+                <a16:creationId xmlns:a16="http://schemas.microsoft.com/office/drawing/2014/main" id="{89069F25-8A08-4F9A-9814-0BB879EBF6FA}"/>
+              </a:ext>
+            </a:extLst>
+          </p:cNvPr>
           <p:cNvPicPr>
             <a:picLocks noGrp="1" noChangeAspect="1"/>
           </p:cNvPicPr>
@@ -5004,28 +4687,65 @@
             <p:ph idx="1"/>
           </p:nvPr>
         </p:nvPicPr>
-        <p:blipFill rotWithShape="1">
-          <a:blip r:embed="rId2" cstate="print">
+        <p:blipFill>
+          <a:blip r:embed="rId2">
             <a:extLst>
               <a:ext uri="{28A0092B-C50C-407E-A947-70E740481C1C}">
                 <a14:useLocalDpi xmlns:a14="http://schemas.microsoft.com/office/drawing/2010/main" val="0"/>
               </a:ext>
             </a:extLst>
           </a:blip>
-          <a:srcRect l="253" r="520" b="2933"/>
-          <a:stretch/>
+          <a:stretch>
+            <a:fillRect/>
+          </a:stretch>
         </p:blipFill>
         <p:spPr>
           <a:xfrm>
-            <a:off x="2760079" y="1844618"/>
-            <a:ext cx="6343654" cy="3907790"/>
-          </a:xfrm>
+            <a:off x="1130270" y="2002559"/>
+            <a:ext cx="4248346" cy="3912087"/>
+          </a:xfrm>
+        </p:spPr>
+      </p:pic>
+      <p:pic>
+        <p:nvPicPr>
+          <p:cNvPr id="7" name="Picture 6" descr="A screenshot of a cell phone&#10;&#10;Description generated with very high confidence">
+            <a:extLst>
+              <a:ext uri="{FF2B5EF4-FFF2-40B4-BE49-F238E27FC236}">
+                <a16:creationId xmlns:a16="http://schemas.microsoft.com/office/drawing/2014/main" id="{C31B9BBB-C7D4-4CCD-A1C9-BCE792009B5C}"/>
+              </a:ext>
+            </a:extLst>
+          </p:cNvPr>
+          <p:cNvPicPr>
+            <a:picLocks noChangeAspect="1"/>
+          </p:cNvPicPr>
+          <p:nvPr/>
+        </p:nvPicPr>
+        <p:blipFill>
+          <a:blip r:embed="rId3">
+            <a:extLst>
+              <a:ext uri="{28A0092B-C50C-407E-A947-70E740481C1C}">
+                <a14:useLocalDpi xmlns:a14="http://schemas.microsoft.com/office/drawing/2010/main" val="0"/>
+              </a:ext>
+            </a:extLst>
+          </a:blip>
+          <a:stretch>
+            <a:fillRect/>
+          </a:stretch>
+        </p:blipFill>
+        <p:spPr>
+          <a:xfrm>
+            <a:off x="5720892" y="2002559"/>
+            <a:ext cx="4670377" cy="3912087"/>
+          </a:xfrm>
+          <a:prstGeom prst="rect">
+            <a:avLst/>
+          </a:prstGeom>
         </p:spPr>
       </p:pic>
     </p:spTree>
     <p:extLst>
       <p:ext uri="{BB962C8B-B14F-4D97-AF65-F5344CB8AC3E}">
-        <p14:creationId xmlns:p14="http://schemas.microsoft.com/office/powerpoint/2010/main" val="633678923"/>
+        <p14:creationId xmlns:p14="http://schemas.microsoft.com/office/powerpoint/2010/main" val="3501233574"/>
       </p:ext>
     </p:extLst>
   </p:cSld>

--- a/Learning Management System project.pptx
+++ b/Learning Management System project.pptx
@@ -14,8 +14,7 @@
     <p:sldId id="267" r:id="rId8"/>
     <p:sldId id="270" r:id="rId9"/>
     <p:sldId id="269" r:id="rId10"/>
-    <p:sldId id="263" r:id="rId11"/>
-    <p:sldId id="264" r:id="rId12"/>
+    <p:sldId id="264" r:id="rId11"/>
   </p:sldIdLst>
   <p:sldSz cx="12192000" cy="6858000"/>
   <p:notesSz cx="6858000" cy="9144000"/>
@@ -3872,92 +3871,6 @@
           <p:cNvPr id="2" name="Title 1">
             <a:extLst>
               <a:ext uri="{FF2B5EF4-FFF2-40B4-BE49-F238E27FC236}">
-                <a16:creationId xmlns:a16="http://schemas.microsoft.com/office/drawing/2014/main" id="{0D807DFD-F0A7-4513-83B5-4989B137E13B}"/>
-              </a:ext>
-            </a:extLst>
-          </p:cNvPr>
-          <p:cNvSpPr>
-            <a:spLocks noGrp="1"/>
-          </p:cNvSpPr>
-          <p:nvPr>
-            <p:ph type="title"/>
-          </p:nvPr>
-        </p:nvSpPr>
-        <p:spPr/>
-        <p:txBody>
-          <a:bodyPr/>
-          <a:lstStyle/>
-          <a:p>
-            <a:r>
-              <a:rPr lang="en-US" dirty="0"/>
-              <a:t>Hyper link</a:t>
-            </a:r>
-          </a:p>
-        </p:txBody>
-      </p:sp>
-      <p:sp>
-        <p:nvSpPr>
-          <p:cNvPr id="3" name="Content Placeholder 2">
-            <a:extLst>
-              <a:ext uri="{FF2B5EF4-FFF2-40B4-BE49-F238E27FC236}">
-                <a16:creationId xmlns:a16="http://schemas.microsoft.com/office/drawing/2014/main" id="{248DA3CD-8E90-4D4D-95AE-BB463905F85F}"/>
-              </a:ext>
-            </a:extLst>
-          </p:cNvPr>
-          <p:cNvSpPr>
-            <a:spLocks noGrp="1"/>
-          </p:cNvSpPr>
-          <p:nvPr>
-            <p:ph idx="1"/>
-          </p:nvPr>
-        </p:nvSpPr>
-        <p:spPr/>
-        <p:txBody>
-          <a:bodyPr/>
-          <a:lstStyle/>
-          <a:p>
-            <a:r>
-              <a:rPr lang="en-US" dirty="0"/>
-              <a:t>(6) Run your software like user login, course add-in/drop-off, GPA calculation, user adding/deleting, course management, and so forth.</a:t>
-            </a:r>
-          </a:p>
-        </p:txBody>
-      </p:sp>
-    </p:spTree>
-    <p:extLst>
-      <p:ext uri="{BB962C8B-B14F-4D97-AF65-F5344CB8AC3E}">
-        <p14:creationId xmlns:p14="http://schemas.microsoft.com/office/powerpoint/2010/main" val="1688740605"/>
-      </p:ext>
-    </p:extLst>
-  </p:cSld>
-  <p:clrMapOvr>
-    <a:masterClrMapping/>
-  </p:clrMapOvr>
-</p:sld>
-</file>
-
-<file path=ppt/slides/slide11.xml><?xml version="1.0" encoding="utf-8"?>
-<p:sld xmlns:a="http://schemas.openxmlformats.org/drawingml/2006/main" xmlns:r="http://schemas.openxmlformats.org/officeDocument/2006/relationships" xmlns:p="http://schemas.openxmlformats.org/presentationml/2006/main">
-  <p:cSld>
-    <p:spTree>
-      <p:nvGrpSpPr>
-        <p:cNvPr id="1" name=""/>
-        <p:cNvGrpSpPr/>
-        <p:nvPr/>
-      </p:nvGrpSpPr>
-      <p:grpSpPr>
-        <a:xfrm>
-          <a:off x="0" y="0"/>
-          <a:ext cx="0" cy="0"/>
-          <a:chOff x="0" y="0"/>
-          <a:chExt cx="0" cy="0"/>
-        </a:xfrm>
-      </p:grpSpPr>
-      <p:sp>
-        <p:nvSpPr>
-          <p:cNvPr id="2" name="Title 1">
-            <a:extLst>
-              <a:ext uri="{FF2B5EF4-FFF2-40B4-BE49-F238E27FC236}">
                 <a16:creationId xmlns:a16="http://schemas.microsoft.com/office/drawing/2014/main" id="{825AE664-C6BE-43D9-A92C-492D500102CB}"/>
               </a:ext>
             </a:extLst>

--- a/Learning Management System project.pptx
+++ b/Learning Management System project.pptx
@@ -121,6 +121,3860 @@
 </p:presentation>
 </file>
 
+<file path=ppt/diagrams/colors1.xml><?xml version="1.0" encoding="utf-8"?>
+<dgm:colorsDef xmlns:dgm="http://schemas.openxmlformats.org/drawingml/2006/diagram" xmlns:a="http://schemas.openxmlformats.org/drawingml/2006/main" uniqueId="urn:microsoft.com/office/officeart/2005/8/colors/colorful3">
+  <dgm:title val=""/>
+  <dgm:desc val=""/>
+  <dgm:catLst>
+    <dgm:cat type="colorful" pri="10300"/>
+  </dgm:catLst>
+  <dgm:styleLbl name="node0">
+    <dgm:fillClrLst meth="repeat">
+      <a:schemeClr val="accent2"/>
+    </dgm:fillClrLst>
+    <dgm:linClrLst meth="repeat">
+      <a:schemeClr val="lt1"/>
+    </dgm:linClrLst>
+    <dgm:effectClrLst/>
+    <dgm:txLinClrLst/>
+    <dgm:txFillClrLst/>
+    <dgm:txEffectClrLst/>
+  </dgm:styleLbl>
+  <dgm:styleLbl name="node1">
+    <dgm:fillClrLst>
+      <a:schemeClr val="accent3"/>
+      <a:schemeClr val="accent4"/>
+    </dgm:fillClrLst>
+    <dgm:linClrLst meth="repeat">
+      <a:schemeClr val="lt1"/>
+    </dgm:linClrLst>
+    <dgm:effectClrLst/>
+    <dgm:txLinClrLst/>
+    <dgm:txFillClrLst/>
+    <dgm:txEffectClrLst/>
+  </dgm:styleLbl>
+  <dgm:styleLbl name="alignNode1">
+    <dgm:fillClrLst>
+      <a:schemeClr val="accent3"/>
+      <a:schemeClr val="accent4"/>
+    </dgm:fillClrLst>
+    <dgm:linClrLst>
+      <a:schemeClr val="accent3"/>
+      <a:schemeClr val="accent4"/>
+    </dgm:linClrLst>
+    <dgm:effectClrLst/>
+    <dgm:txLinClrLst/>
+    <dgm:txFillClrLst/>
+    <dgm:txEffectClrLst/>
+  </dgm:styleLbl>
+  <dgm:styleLbl name="lnNode1">
+    <dgm:fillClrLst>
+      <a:schemeClr val="accent3"/>
+      <a:schemeClr val="accent4"/>
+    </dgm:fillClrLst>
+    <dgm:linClrLst meth="repeat">
+      <a:schemeClr val="lt1"/>
+    </dgm:linClrLst>
+    <dgm:effectClrLst/>
+    <dgm:txLinClrLst/>
+    <dgm:txFillClrLst/>
+    <dgm:txEffectClrLst/>
+  </dgm:styleLbl>
+  <dgm:styleLbl name="vennNode1">
+    <dgm:fillClrLst>
+      <a:schemeClr val="accent3">
+        <a:alpha val="50000"/>
+      </a:schemeClr>
+      <a:schemeClr val="accent4">
+        <a:alpha val="50000"/>
+      </a:schemeClr>
+    </dgm:fillClrLst>
+    <dgm:linClrLst meth="repeat">
+      <a:schemeClr val="lt1"/>
+    </dgm:linClrLst>
+    <dgm:effectClrLst/>
+    <dgm:txLinClrLst/>
+    <dgm:txFillClrLst/>
+    <dgm:txEffectClrLst/>
+  </dgm:styleLbl>
+  <dgm:styleLbl name="node2">
+    <dgm:fillClrLst>
+      <a:schemeClr val="accent4"/>
+    </dgm:fillClrLst>
+    <dgm:linClrLst meth="repeat">
+      <a:schemeClr val="lt1"/>
+    </dgm:linClrLst>
+    <dgm:effectClrLst/>
+    <dgm:txLinClrLst/>
+    <dgm:txFillClrLst/>
+    <dgm:txEffectClrLst/>
+  </dgm:styleLbl>
+  <dgm:styleLbl name="node3">
+    <dgm:fillClrLst>
+      <a:schemeClr val="accent5"/>
+    </dgm:fillClrLst>
+    <dgm:linClrLst meth="repeat">
+      <a:schemeClr val="lt1"/>
+    </dgm:linClrLst>
+    <dgm:effectClrLst/>
+    <dgm:txLinClrLst/>
+    <dgm:txFillClrLst/>
+    <dgm:txEffectClrLst/>
+  </dgm:styleLbl>
+  <dgm:styleLbl name="node4">
+    <dgm:fillClrLst>
+      <a:schemeClr val="accent6"/>
+    </dgm:fillClrLst>
+    <dgm:linClrLst meth="repeat">
+      <a:schemeClr val="lt1"/>
+    </dgm:linClrLst>
+    <dgm:effectClrLst/>
+    <dgm:txLinClrLst/>
+    <dgm:txFillClrLst/>
+    <dgm:txEffectClrLst/>
+  </dgm:styleLbl>
+  <dgm:styleLbl name="fgImgPlace1">
+    <dgm:fillClrLst>
+      <a:schemeClr val="accent3">
+        <a:tint val="50000"/>
+      </a:schemeClr>
+      <a:schemeClr val="accent4">
+        <a:tint val="50000"/>
+      </a:schemeClr>
+    </dgm:fillClrLst>
+    <dgm:linClrLst meth="repeat">
+      <a:schemeClr val="lt1"/>
+    </dgm:linClrLst>
+    <dgm:effectClrLst/>
+    <dgm:txLinClrLst/>
+    <dgm:txFillClrLst meth="repeat">
+      <a:schemeClr val="lt1"/>
+    </dgm:txFillClrLst>
+    <dgm:txEffectClrLst/>
+  </dgm:styleLbl>
+  <dgm:styleLbl name="alignImgPlace1">
+    <dgm:fillClrLst>
+      <a:schemeClr val="accent3">
+        <a:tint val="50000"/>
+      </a:schemeClr>
+      <a:schemeClr val="accent4">
+        <a:tint val="20000"/>
+      </a:schemeClr>
+    </dgm:fillClrLst>
+    <dgm:linClrLst meth="repeat">
+      <a:schemeClr val="lt1"/>
+    </dgm:linClrLst>
+    <dgm:effectClrLst/>
+    <dgm:txLinClrLst/>
+    <dgm:txFillClrLst meth="repeat">
+      <a:schemeClr val="lt1"/>
+    </dgm:txFillClrLst>
+    <dgm:txEffectClrLst/>
+  </dgm:styleLbl>
+  <dgm:styleLbl name="bgImgPlace1">
+    <dgm:fillClrLst>
+      <a:schemeClr val="accent3">
+        <a:tint val="50000"/>
+      </a:schemeClr>
+      <a:schemeClr val="accent4">
+        <a:tint val="20000"/>
+      </a:schemeClr>
+    </dgm:fillClrLst>
+    <dgm:linClrLst meth="repeat">
+      <a:schemeClr val="lt1"/>
+    </dgm:linClrLst>
+    <dgm:effectClrLst/>
+    <dgm:txLinClrLst/>
+    <dgm:txFillClrLst meth="repeat">
+      <a:schemeClr val="lt1"/>
+    </dgm:txFillClrLst>
+    <dgm:txEffectClrLst/>
+  </dgm:styleLbl>
+  <dgm:styleLbl name="sibTrans2D1">
+    <dgm:fillClrLst>
+      <a:schemeClr val="accent3"/>
+      <a:schemeClr val="accent4"/>
+    </dgm:fillClrLst>
+    <dgm:linClrLst meth="repeat">
+      <a:schemeClr val="lt1"/>
+    </dgm:linClrLst>
+    <dgm:effectClrLst/>
+    <dgm:txLinClrLst/>
+    <dgm:txFillClrLst/>
+    <dgm:txEffectClrLst/>
+  </dgm:styleLbl>
+  <dgm:styleLbl name="fgSibTrans2D1">
+    <dgm:fillClrLst>
+      <a:schemeClr val="accent3"/>
+      <a:schemeClr val="accent4"/>
+    </dgm:fillClrLst>
+    <dgm:linClrLst meth="repeat">
+      <a:schemeClr val="lt1"/>
+    </dgm:linClrLst>
+    <dgm:effectClrLst/>
+    <dgm:txLinClrLst/>
+    <dgm:txFillClrLst meth="repeat">
+      <a:schemeClr val="lt1"/>
+    </dgm:txFillClrLst>
+    <dgm:txEffectClrLst/>
+  </dgm:styleLbl>
+  <dgm:styleLbl name="bgSibTrans2D1">
+    <dgm:fillClrLst>
+      <a:schemeClr val="accent3"/>
+      <a:schemeClr val="accent4"/>
+    </dgm:fillClrLst>
+    <dgm:linClrLst meth="repeat">
+      <a:schemeClr val="lt1"/>
+    </dgm:linClrLst>
+    <dgm:effectClrLst/>
+    <dgm:txLinClrLst/>
+    <dgm:txFillClrLst meth="repeat">
+      <a:schemeClr val="lt1"/>
+    </dgm:txFillClrLst>
+    <dgm:txEffectClrLst/>
+  </dgm:styleLbl>
+  <dgm:styleLbl name="sibTrans1D1">
+    <dgm:fillClrLst/>
+    <dgm:linClrLst>
+      <a:schemeClr val="accent3"/>
+      <a:schemeClr val="accent4"/>
+    </dgm:linClrLst>
+    <dgm:effectClrLst/>
+    <dgm:txLinClrLst/>
+    <dgm:txFillClrLst meth="repeat">
+      <a:schemeClr val="tx1"/>
+    </dgm:txFillClrLst>
+    <dgm:txEffectClrLst/>
+  </dgm:styleLbl>
+  <dgm:styleLbl name="callout">
+    <dgm:fillClrLst meth="repeat">
+      <a:schemeClr val="accent3"/>
+    </dgm:fillClrLst>
+    <dgm:linClrLst meth="repeat">
+      <a:schemeClr val="accent3">
+        <a:tint val="50000"/>
+      </a:schemeClr>
+    </dgm:linClrLst>
+    <dgm:effectClrLst/>
+    <dgm:txLinClrLst/>
+    <dgm:txFillClrLst meth="repeat">
+      <a:schemeClr val="tx1"/>
+    </dgm:txFillClrLst>
+    <dgm:txEffectClrLst/>
+  </dgm:styleLbl>
+  <dgm:styleLbl name="asst0">
+    <dgm:fillClrLst meth="repeat">
+      <a:schemeClr val="accent3"/>
+    </dgm:fillClrLst>
+    <dgm:linClrLst meth="repeat">
+      <a:schemeClr val="lt1">
+        <a:shade val="80000"/>
+      </a:schemeClr>
+    </dgm:linClrLst>
+    <dgm:effectClrLst/>
+    <dgm:txLinClrLst/>
+    <dgm:txFillClrLst/>
+    <dgm:txEffectClrLst/>
+  </dgm:styleLbl>
+  <dgm:styleLbl name="asst1">
+    <dgm:fillClrLst meth="repeat">
+      <a:schemeClr val="accent4"/>
+    </dgm:fillClrLst>
+    <dgm:linClrLst meth="repeat">
+      <a:schemeClr val="lt1">
+        <a:shade val="80000"/>
+      </a:schemeClr>
+    </dgm:linClrLst>
+    <dgm:effectClrLst/>
+    <dgm:txLinClrLst/>
+    <dgm:txFillClrLst/>
+    <dgm:txEffectClrLst/>
+  </dgm:styleLbl>
+  <dgm:styleLbl name="asst2">
+    <dgm:fillClrLst>
+      <a:schemeClr val="accent5"/>
+    </dgm:fillClrLst>
+    <dgm:linClrLst meth="repeat">
+      <a:schemeClr val="lt1"/>
+    </dgm:linClrLst>
+    <dgm:effectClrLst/>
+    <dgm:txLinClrLst/>
+    <dgm:txFillClrLst/>
+    <dgm:txEffectClrLst/>
+  </dgm:styleLbl>
+  <dgm:styleLbl name="asst3">
+    <dgm:fillClrLst>
+      <a:schemeClr val="accent6"/>
+    </dgm:fillClrLst>
+    <dgm:linClrLst meth="repeat">
+      <a:schemeClr val="lt1"/>
+    </dgm:linClrLst>
+    <dgm:effectClrLst/>
+    <dgm:txLinClrLst/>
+    <dgm:txFillClrLst/>
+    <dgm:txEffectClrLst/>
+  </dgm:styleLbl>
+  <dgm:styleLbl name="asst4">
+    <dgm:fillClrLst>
+      <a:schemeClr val="accent1"/>
+    </dgm:fillClrLst>
+    <dgm:linClrLst meth="repeat">
+      <a:schemeClr val="lt1"/>
+    </dgm:linClrLst>
+    <dgm:effectClrLst/>
+    <dgm:txLinClrLst/>
+    <dgm:txFillClrLst/>
+    <dgm:txEffectClrLst/>
+  </dgm:styleLbl>
+  <dgm:styleLbl name="parChTrans2D1">
+    <dgm:fillClrLst meth="repeat">
+      <a:schemeClr val="accent2"/>
+    </dgm:fillClrLst>
+    <dgm:linClrLst meth="repeat">
+      <a:schemeClr val="lt1"/>
+    </dgm:linClrLst>
+    <dgm:effectClrLst/>
+    <dgm:txLinClrLst/>
+    <dgm:txFillClrLst meth="repeat">
+      <a:schemeClr val="lt1"/>
+    </dgm:txFillClrLst>
+    <dgm:txEffectClrLst/>
+  </dgm:styleLbl>
+  <dgm:styleLbl name="parChTrans2D2">
+    <dgm:fillClrLst meth="repeat">
+      <a:schemeClr val="accent3"/>
+    </dgm:fillClrLst>
+    <dgm:linClrLst meth="repeat">
+      <a:schemeClr val="lt1"/>
+    </dgm:linClrLst>
+    <dgm:effectClrLst/>
+    <dgm:txLinClrLst/>
+    <dgm:txFillClrLst/>
+    <dgm:txEffectClrLst/>
+  </dgm:styleLbl>
+  <dgm:styleLbl name="parChTrans2D3">
+    <dgm:fillClrLst meth="repeat">
+      <a:schemeClr val="accent4"/>
+    </dgm:fillClrLst>
+    <dgm:linClrLst meth="repeat">
+      <a:schemeClr val="lt1"/>
+    </dgm:linClrLst>
+    <dgm:effectClrLst/>
+    <dgm:txLinClrLst/>
+    <dgm:txFillClrLst/>
+    <dgm:txEffectClrLst/>
+  </dgm:styleLbl>
+  <dgm:styleLbl name="parChTrans2D4">
+    <dgm:fillClrLst meth="repeat">
+      <a:schemeClr val="accent5"/>
+    </dgm:fillClrLst>
+    <dgm:linClrLst meth="repeat">
+      <a:schemeClr val="lt1"/>
+    </dgm:linClrLst>
+    <dgm:effectClrLst/>
+    <dgm:txLinClrLst/>
+    <dgm:txFillClrLst meth="repeat">
+      <a:schemeClr val="lt1"/>
+    </dgm:txFillClrLst>
+    <dgm:txEffectClrLst/>
+  </dgm:styleLbl>
+  <dgm:styleLbl name="parChTrans1D1">
+    <dgm:fillClrLst meth="repeat">
+      <a:schemeClr val="accent3"/>
+    </dgm:fillClrLst>
+    <dgm:linClrLst meth="repeat">
+      <a:schemeClr val="accent3"/>
+    </dgm:linClrLst>
+    <dgm:effectClrLst/>
+    <dgm:txLinClrLst/>
+    <dgm:txFillClrLst meth="repeat">
+      <a:schemeClr val="tx1"/>
+    </dgm:txFillClrLst>
+    <dgm:txEffectClrLst/>
+  </dgm:styleLbl>
+  <dgm:styleLbl name="parChTrans1D2">
+    <dgm:fillClrLst meth="repeat">
+      <a:schemeClr val="accent2">
+        <a:tint val="90000"/>
+      </a:schemeClr>
+    </dgm:fillClrLst>
+    <dgm:linClrLst meth="repeat">
+      <a:schemeClr val="accent4"/>
+    </dgm:linClrLst>
+    <dgm:effectClrLst/>
+    <dgm:txLinClrLst/>
+    <dgm:txFillClrLst meth="repeat">
+      <a:schemeClr val="tx1"/>
+    </dgm:txFillClrLst>
+    <dgm:txEffectClrLst/>
+  </dgm:styleLbl>
+  <dgm:styleLbl name="parChTrans1D3">
+    <dgm:fillClrLst meth="repeat">
+      <a:schemeClr val="accent2">
+        <a:tint val="70000"/>
+      </a:schemeClr>
+    </dgm:fillClrLst>
+    <dgm:linClrLst meth="repeat">
+      <a:schemeClr val="accent5"/>
+    </dgm:linClrLst>
+    <dgm:effectClrLst/>
+    <dgm:txLinClrLst/>
+    <dgm:txFillClrLst meth="repeat">
+      <a:schemeClr val="tx1"/>
+    </dgm:txFillClrLst>
+    <dgm:txEffectClrLst/>
+  </dgm:styleLbl>
+  <dgm:styleLbl name="parChTrans1D4">
+    <dgm:fillClrLst meth="repeat">
+      <a:schemeClr val="accent6">
+        <a:tint val="50000"/>
+      </a:schemeClr>
+    </dgm:fillClrLst>
+    <dgm:linClrLst meth="repeat">
+      <a:schemeClr val="accent6"/>
+    </dgm:linClrLst>
+    <dgm:effectClrLst/>
+    <dgm:txLinClrLst/>
+    <dgm:txFillClrLst meth="repeat">
+      <a:schemeClr val="tx1"/>
+    </dgm:txFillClrLst>
+    <dgm:txEffectClrLst/>
+  </dgm:styleLbl>
+  <dgm:styleLbl name="fgAcc1">
+    <dgm:fillClrLst meth="repeat">
+      <a:schemeClr val="lt1">
+        <a:alpha val="90000"/>
+      </a:schemeClr>
+    </dgm:fillClrLst>
+    <dgm:linClrLst>
+      <a:schemeClr val="accent3"/>
+      <a:schemeClr val="accent4"/>
+    </dgm:linClrLst>
+    <dgm:effectClrLst/>
+    <dgm:txLinClrLst/>
+    <dgm:txFillClrLst meth="repeat">
+      <a:schemeClr val="dk1"/>
+    </dgm:txFillClrLst>
+    <dgm:txEffectClrLst/>
+  </dgm:styleLbl>
+  <dgm:styleLbl name="conFgAcc1">
+    <dgm:fillClrLst meth="repeat">
+      <a:schemeClr val="lt1">
+        <a:alpha val="90000"/>
+      </a:schemeClr>
+    </dgm:fillClrLst>
+    <dgm:linClrLst>
+      <a:schemeClr val="accent3"/>
+      <a:schemeClr val="accent4"/>
+    </dgm:linClrLst>
+    <dgm:effectClrLst/>
+    <dgm:txLinClrLst/>
+    <dgm:txFillClrLst meth="repeat">
+      <a:schemeClr val="dk1"/>
+    </dgm:txFillClrLst>
+    <dgm:txEffectClrLst/>
+  </dgm:styleLbl>
+  <dgm:styleLbl name="alignAcc1">
+    <dgm:fillClrLst meth="repeat">
+      <a:schemeClr val="lt1">
+        <a:alpha val="90000"/>
+      </a:schemeClr>
+    </dgm:fillClrLst>
+    <dgm:linClrLst>
+      <a:schemeClr val="accent3"/>
+      <a:schemeClr val="accent4"/>
+    </dgm:linClrLst>
+    <dgm:effectClrLst/>
+    <dgm:txLinClrLst/>
+    <dgm:txFillClrLst meth="repeat">
+      <a:schemeClr val="dk1"/>
+    </dgm:txFillClrLst>
+    <dgm:txEffectClrLst/>
+  </dgm:styleLbl>
+  <dgm:styleLbl name="trAlignAcc1">
+    <dgm:fillClrLst meth="repeat">
+      <a:schemeClr val="lt1">
+        <a:alpha val="40000"/>
+      </a:schemeClr>
+    </dgm:fillClrLst>
+    <dgm:linClrLst meth="repeat">
+      <a:schemeClr val="accent2"/>
+    </dgm:linClrLst>
+    <dgm:effectClrLst/>
+    <dgm:txLinClrLst/>
+    <dgm:txFillClrLst meth="repeat">
+      <a:schemeClr val="dk1"/>
+    </dgm:txFillClrLst>
+    <dgm:txEffectClrLst/>
+  </dgm:styleLbl>
+  <dgm:styleLbl name="bgAcc1">
+    <dgm:fillClrLst meth="repeat">
+      <a:schemeClr val="lt1">
+        <a:alpha val="90000"/>
+      </a:schemeClr>
+    </dgm:fillClrLst>
+    <dgm:linClrLst>
+      <a:schemeClr val="accent3"/>
+      <a:schemeClr val="accent4"/>
+    </dgm:linClrLst>
+    <dgm:effectClrLst/>
+    <dgm:txLinClrLst/>
+    <dgm:txFillClrLst meth="repeat">
+      <a:schemeClr val="dk1"/>
+    </dgm:txFillClrLst>
+    <dgm:txEffectClrLst/>
+  </dgm:styleLbl>
+  <dgm:styleLbl name="solidFgAcc1">
+    <dgm:fillClrLst meth="repeat">
+      <a:schemeClr val="lt1"/>
+    </dgm:fillClrLst>
+    <dgm:linClrLst>
+      <a:schemeClr val="accent3"/>
+      <a:schemeClr val="accent4"/>
+    </dgm:linClrLst>
+    <dgm:effectClrLst/>
+    <dgm:txLinClrLst/>
+    <dgm:txFillClrLst meth="repeat">
+      <a:schemeClr val="dk1"/>
+    </dgm:txFillClrLst>
+    <dgm:txEffectClrLst/>
+  </dgm:styleLbl>
+  <dgm:styleLbl name="solidAlignAcc1">
+    <dgm:fillClrLst meth="repeat">
+      <a:schemeClr val="lt1"/>
+    </dgm:fillClrLst>
+    <dgm:linClrLst>
+      <a:schemeClr val="accent3"/>
+      <a:schemeClr val="accent4"/>
+    </dgm:linClrLst>
+    <dgm:effectClrLst/>
+    <dgm:txLinClrLst/>
+    <dgm:txFillClrLst meth="repeat">
+      <a:schemeClr val="dk1"/>
+    </dgm:txFillClrLst>
+    <dgm:txEffectClrLst/>
+  </dgm:styleLbl>
+  <dgm:styleLbl name="solidBgAcc1">
+    <dgm:fillClrLst meth="repeat">
+      <a:schemeClr val="lt1"/>
+    </dgm:fillClrLst>
+    <dgm:linClrLst>
+      <a:schemeClr val="accent3"/>
+      <a:schemeClr val="accent4"/>
+    </dgm:linClrLst>
+    <dgm:effectClrLst/>
+    <dgm:txLinClrLst/>
+    <dgm:txFillClrLst meth="repeat">
+      <a:schemeClr val="dk1"/>
+    </dgm:txFillClrLst>
+    <dgm:txEffectClrLst/>
+  </dgm:styleLbl>
+  <dgm:styleLbl name="fgAccFollowNode1">
+    <dgm:fillClrLst>
+      <a:schemeClr val="accent3">
+        <a:tint val="40000"/>
+        <a:alpha val="90000"/>
+      </a:schemeClr>
+      <a:schemeClr val="accent4">
+        <a:tint val="40000"/>
+        <a:alpha val="90000"/>
+      </a:schemeClr>
+    </dgm:fillClrLst>
+    <dgm:linClrLst>
+      <a:schemeClr val="accent3">
+        <a:tint val="40000"/>
+        <a:alpha val="90000"/>
+      </a:schemeClr>
+      <a:schemeClr val="accent4">
+        <a:tint val="40000"/>
+        <a:alpha val="90000"/>
+      </a:schemeClr>
+    </dgm:linClrLst>
+    <dgm:effectClrLst/>
+    <dgm:txLinClrLst/>
+    <dgm:txFillClrLst meth="repeat">
+      <a:schemeClr val="dk1"/>
+    </dgm:txFillClrLst>
+    <dgm:txEffectClrLst/>
+  </dgm:styleLbl>
+  <dgm:styleLbl name="alignAccFollowNode1">
+    <dgm:fillClrLst>
+      <a:schemeClr val="accent3">
+        <a:tint val="40000"/>
+        <a:alpha val="90000"/>
+      </a:schemeClr>
+      <a:schemeClr val="accent4">
+        <a:tint val="40000"/>
+        <a:alpha val="90000"/>
+      </a:schemeClr>
+    </dgm:fillClrLst>
+    <dgm:linClrLst>
+      <a:schemeClr val="accent3">
+        <a:tint val="40000"/>
+        <a:alpha val="90000"/>
+      </a:schemeClr>
+      <a:schemeClr val="accent4">
+        <a:tint val="40000"/>
+        <a:alpha val="90000"/>
+      </a:schemeClr>
+    </dgm:linClrLst>
+    <dgm:effectClrLst/>
+    <dgm:txLinClrLst/>
+    <dgm:txFillClrLst meth="repeat">
+      <a:schemeClr val="dk1"/>
+    </dgm:txFillClrLst>
+    <dgm:txEffectClrLst/>
+  </dgm:styleLbl>
+  <dgm:styleLbl name="bgAccFollowNode1">
+    <dgm:fillClrLst>
+      <a:schemeClr val="accent3">
+        <a:tint val="40000"/>
+        <a:alpha val="90000"/>
+      </a:schemeClr>
+      <a:schemeClr val="accent4">
+        <a:tint val="40000"/>
+        <a:alpha val="90000"/>
+      </a:schemeClr>
+    </dgm:fillClrLst>
+    <dgm:linClrLst>
+      <a:schemeClr val="accent3">
+        <a:tint val="40000"/>
+        <a:alpha val="90000"/>
+      </a:schemeClr>
+      <a:schemeClr val="accent4">
+        <a:tint val="40000"/>
+        <a:alpha val="90000"/>
+      </a:schemeClr>
+    </dgm:linClrLst>
+    <dgm:effectClrLst/>
+    <dgm:txLinClrLst/>
+    <dgm:txFillClrLst meth="repeat">
+      <a:schemeClr val="dk1"/>
+    </dgm:txFillClrLst>
+    <dgm:txEffectClrLst/>
+  </dgm:styleLbl>
+  <dgm:styleLbl name="fgAcc0">
+    <dgm:fillClrLst meth="repeat">
+      <a:schemeClr val="lt1">
+        <a:alpha val="90000"/>
+      </a:schemeClr>
+    </dgm:fillClrLst>
+    <dgm:linClrLst>
+      <a:schemeClr val="accent2"/>
+    </dgm:linClrLst>
+    <dgm:effectClrLst/>
+    <dgm:txLinClrLst/>
+    <dgm:txFillClrLst meth="repeat">
+      <a:schemeClr val="dk1"/>
+    </dgm:txFillClrLst>
+    <dgm:txEffectClrLst/>
+  </dgm:styleLbl>
+  <dgm:styleLbl name="fgAcc2">
+    <dgm:fillClrLst meth="repeat">
+      <a:schemeClr val="lt1">
+        <a:alpha val="90000"/>
+      </a:schemeClr>
+    </dgm:fillClrLst>
+    <dgm:linClrLst>
+      <a:schemeClr val="accent4"/>
+    </dgm:linClrLst>
+    <dgm:effectClrLst/>
+    <dgm:txLinClrLst/>
+    <dgm:txFillClrLst meth="repeat">
+      <a:schemeClr val="dk1"/>
+    </dgm:txFillClrLst>
+    <dgm:txEffectClrLst/>
+  </dgm:styleLbl>
+  <dgm:styleLbl name="fgAcc3">
+    <dgm:fillClrLst meth="repeat">
+      <a:schemeClr val="lt1">
+        <a:alpha val="90000"/>
+      </a:schemeClr>
+    </dgm:fillClrLst>
+    <dgm:linClrLst>
+      <a:schemeClr val="accent5"/>
+    </dgm:linClrLst>
+    <dgm:effectClrLst/>
+    <dgm:txLinClrLst/>
+    <dgm:txFillClrLst meth="repeat">
+      <a:schemeClr val="dk1"/>
+    </dgm:txFillClrLst>
+    <dgm:txEffectClrLst/>
+  </dgm:styleLbl>
+  <dgm:styleLbl name="fgAcc4">
+    <dgm:fillClrLst meth="repeat">
+      <a:schemeClr val="lt1">
+        <a:alpha val="90000"/>
+      </a:schemeClr>
+    </dgm:fillClrLst>
+    <dgm:linClrLst>
+      <a:schemeClr val="accent6"/>
+    </dgm:linClrLst>
+    <dgm:effectClrLst/>
+    <dgm:txLinClrLst/>
+    <dgm:txFillClrLst meth="repeat">
+      <a:schemeClr val="dk1"/>
+    </dgm:txFillClrLst>
+    <dgm:txEffectClrLst/>
+  </dgm:styleLbl>
+  <dgm:styleLbl name="bgShp">
+    <dgm:fillClrLst meth="repeat">
+      <a:schemeClr val="accent3">
+        <a:tint val="40000"/>
+      </a:schemeClr>
+    </dgm:fillClrLst>
+    <dgm:linClrLst meth="repeat">
+      <a:schemeClr val="dk1"/>
+    </dgm:linClrLst>
+    <dgm:effectClrLst/>
+    <dgm:txLinClrLst/>
+    <dgm:txFillClrLst meth="repeat">
+      <a:schemeClr val="dk1"/>
+    </dgm:txFillClrLst>
+    <dgm:txEffectClrLst/>
+  </dgm:styleLbl>
+  <dgm:styleLbl name="dkBgShp">
+    <dgm:fillClrLst meth="repeat">
+      <a:schemeClr val="accent3">
+        <a:shade val="90000"/>
+      </a:schemeClr>
+    </dgm:fillClrLst>
+    <dgm:linClrLst meth="repeat">
+      <a:schemeClr val="dk1"/>
+    </dgm:linClrLst>
+    <dgm:effectClrLst/>
+    <dgm:txLinClrLst/>
+    <dgm:txFillClrLst meth="repeat">
+      <a:schemeClr val="lt1"/>
+    </dgm:txFillClrLst>
+    <dgm:txEffectClrLst/>
+  </dgm:styleLbl>
+  <dgm:styleLbl name="trBgShp">
+    <dgm:fillClrLst meth="repeat">
+      <a:schemeClr val="accent2">
+        <a:tint val="50000"/>
+        <a:alpha val="40000"/>
+      </a:schemeClr>
+    </dgm:fillClrLst>
+    <dgm:linClrLst meth="repeat">
+      <a:schemeClr val="accent3"/>
+    </dgm:linClrLst>
+    <dgm:effectClrLst/>
+    <dgm:txLinClrLst/>
+    <dgm:txFillClrLst meth="repeat">
+      <a:schemeClr val="lt1"/>
+    </dgm:txFillClrLst>
+    <dgm:txEffectClrLst/>
+  </dgm:styleLbl>
+  <dgm:styleLbl name="fgShp">
+    <dgm:fillClrLst meth="repeat">
+      <a:schemeClr val="accent3">
+        <a:tint val="40000"/>
+      </a:schemeClr>
+    </dgm:fillClrLst>
+    <dgm:linClrLst meth="repeat">
+      <a:schemeClr val="lt1"/>
+    </dgm:linClrLst>
+    <dgm:effectClrLst/>
+    <dgm:txLinClrLst/>
+    <dgm:txFillClrLst meth="repeat">
+      <a:schemeClr val="dk1"/>
+    </dgm:txFillClrLst>
+    <dgm:txEffectClrLst/>
+  </dgm:styleLbl>
+  <dgm:styleLbl name="revTx">
+    <dgm:fillClrLst meth="repeat">
+      <a:schemeClr val="lt1">
+        <a:alpha val="0"/>
+      </a:schemeClr>
+    </dgm:fillClrLst>
+    <dgm:linClrLst meth="repeat">
+      <a:schemeClr val="dk1">
+        <a:alpha val="0"/>
+      </a:schemeClr>
+    </dgm:linClrLst>
+    <dgm:effectClrLst/>
+    <dgm:txLinClrLst/>
+    <dgm:txFillClrLst meth="repeat">
+      <a:schemeClr val="tx1"/>
+    </dgm:txFillClrLst>
+    <dgm:txEffectClrLst/>
+  </dgm:styleLbl>
+</dgm:colorsDef>
+</file>
+
+<file path=ppt/diagrams/data1.xml><?xml version="1.0" encoding="utf-8"?>
+<dgm:dataModel xmlns:dgm="http://schemas.openxmlformats.org/drawingml/2006/diagram" xmlns:a="http://schemas.openxmlformats.org/drawingml/2006/main">
+  <dgm:ptLst>
+    <dgm:pt modelId="{9B1CA0CB-FDBA-485E-9BE7-E902FE6D0C4E}" type="doc">
+      <dgm:prSet loTypeId="urn:microsoft.com/office/officeart/2005/8/layout/bProcess2" loCatId="process" qsTypeId="urn:microsoft.com/office/officeart/2005/8/quickstyle/simple1" qsCatId="simple" csTypeId="urn:microsoft.com/office/officeart/2005/8/colors/colorful3" csCatId="colorful" phldr="1"/>
+      <dgm:spPr/>
+      <dgm:t>
+        <a:bodyPr/>
+        <a:lstStyle/>
+        <a:p>
+          <a:endParaRPr lang="en-US"/>
+        </a:p>
+      </dgm:t>
+    </dgm:pt>
+    <dgm:pt modelId="{FE8121B1-2E34-4172-9ECF-28D01DB7863B}">
+      <dgm:prSet phldrT="[Text]"/>
+      <dgm:spPr/>
+      <dgm:t>
+        <a:bodyPr/>
+        <a:lstStyle/>
+        <a:p>
+          <a:r>
+            <a:rPr lang="en-US"/>
+            <a:t>Testing</a:t>
+          </a:r>
+        </a:p>
+      </dgm:t>
+    </dgm:pt>
+    <dgm:pt modelId="{3A0AC162-2108-404C-B1B1-0D05330E4138}" type="parTrans" cxnId="{B7F30716-9922-4B9F-8FE0-1FEE03099EDD}">
+      <dgm:prSet/>
+      <dgm:spPr/>
+      <dgm:t>
+        <a:bodyPr/>
+        <a:lstStyle/>
+        <a:p>
+          <a:endParaRPr lang="en-US"/>
+        </a:p>
+      </dgm:t>
+    </dgm:pt>
+    <dgm:pt modelId="{39C7BBF8-20E4-43A5-A69B-07A3C724FFC6}" type="sibTrans" cxnId="{B7F30716-9922-4B9F-8FE0-1FEE03099EDD}">
+      <dgm:prSet/>
+      <dgm:spPr/>
+      <dgm:t>
+        <a:bodyPr/>
+        <a:lstStyle/>
+        <a:p>
+          <a:endParaRPr lang="en-US"/>
+        </a:p>
+      </dgm:t>
+    </dgm:pt>
+    <dgm:pt modelId="{709C3B7E-6347-4DC7-AB1A-81DD3605D113}">
+      <dgm:prSet phldrT="[Text]"/>
+      <dgm:spPr/>
+      <dgm:t>
+        <a:bodyPr/>
+        <a:lstStyle/>
+        <a:p>
+          <a:r>
+            <a:rPr lang="en-US"/>
+            <a:t>Verify</a:t>
+          </a:r>
+        </a:p>
+      </dgm:t>
+    </dgm:pt>
+    <dgm:pt modelId="{4D80DC2C-5D36-4366-8AA4-3C72F1EDBA84}" type="parTrans" cxnId="{0ACC484B-EE48-49A7-8CB9-33F0D8C54054}">
+      <dgm:prSet/>
+      <dgm:spPr/>
+      <dgm:t>
+        <a:bodyPr/>
+        <a:lstStyle/>
+        <a:p>
+          <a:endParaRPr lang="en-US"/>
+        </a:p>
+      </dgm:t>
+    </dgm:pt>
+    <dgm:pt modelId="{8DCF0C52-9672-43D1-A6E8-62CA5541432C}" type="sibTrans" cxnId="{0ACC484B-EE48-49A7-8CB9-33F0D8C54054}">
+      <dgm:prSet/>
+      <dgm:spPr/>
+      <dgm:t>
+        <a:bodyPr/>
+        <a:lstStyle/>
+        <a:p>
+          <a:endParaRPr lang="en-US"/>
+        </a:p>
+      </dgm:t>
+    </dgm:pt>
+    <dgm:pt modelId="{75DBF967-80AC-4335-B425-35CACBFA1C06}">
+      <dgm:prSet phldrT="[Text]"/>
+      <dgm:spPr/>
+      <dgm:t>
+        <a:bodyPr/>
+        <a:lstStyle/>
+        <a:p>
+          <a:r>
+            <a:rPr lang="en-US"/>
+            <a:t>Design</a:t>
+          </a:r>
+        </a:p>
+      </dgm:t>
+    </dgm:pt>
+    <dgm:pt modelId="{18C220E9-61CB-41E1-939D-88CDED8A7F6F}" type="parTrans" cxnId="{92CBA238-EE3F-4E5C-9B18-164CE91D051E}">
+      <dgm:prSet/>
+      <dgm:spPr/>
+      <dgm:t>
+        <a:bodyPr/>
+        <a:lstStyle/>
+        <a:p>
+          <a:endParaRPr lang="en-US"/>
+        </a:p>
+      </dgm:t>
+    </dgm:pt>
+    <dgm:pt modelId="{FA9F68C2-C11E-4F73-91E1-51A7896A5374}" type="sibTrans" cxnId="{92CBA238-EE3F-4E5C-9B18-164CE91D051E}">
+      <dgm:prSet/>
+      <dgm:spPr/>
+      <dgm:t>
+        <a:bodyPr/>
+        <a:lstStyle/>
+        <a:p>
+          <a:endParaRPr lang="en-US"/>
+        </a:p>
+      </dgm:t>
+    </dgm:pt>
+    <dgm:pt modelId="{C5698DD3-D3A7-409F-89DF-D7E5529E73C4}">
+      <dgm:prSet phldrT="[Text]"/>
+      <dgm:spPr/>
+      <dgm:t>
+        <a:bodyPr/>
+        <a:lstStyle/>
+        <a:p>
+          <a:r>
+            <a:rPr lang="en-US"/>
+            <a:t>Coding</a:t>
+          </a:r>
+        </a:p>
+      </dgm:t>
+    </dgm:pt>
+    <dgm:pt modelId="{8833FC2F-EC02-4351-85D5-CA56B2295F14}" type="parTrans" cxnId="{44130D12-24BD-4909-9847-04D4FFF5D532}">
+      <dgm:prSet/>
+      <dgm:spPr/>
+      <dgm:t>
+        <a:bodyPr/>
+        <a:lstStyle/>
+        <a:p>
+          <a:endParaRPr lang="en-US"/>
+        </a:p>
+      </dgm:t>
+    </dgm:pt>
+    <dgm:pt modelId="{A7BFCB32-E834-4119-802A-FC892892B521}" type="sibTrans" cxnId="{44130D12-24BD-4909-9847-04D4FFF5D532}">
+      <dgm:prSet/>
+      <dgm:spPr/>
+      <dgm:t>
+        <a:bodyPr/>
+        <a:lstStyle/>
+        <a:p>
+          <a:endParaRPr lang="en-US"/>
+        </a:p>
+      </dgm:t>
+    </dgm:pt>
+    <dgm:pt modelId="{72DE1808-EFB3-4719-8095-CA53DDA8B258}">
+      <dgm:prSet phldrT="[Text]"/>
+      <dgm:spPr/>
+      <dgm:t>
+        <a:bodyPr/>
+        <a:lstStyle/>
+        <a:p>
+          <a:r>
+            <a:rPr lang="en-US"/>
+            <a:t>Design</a:t>
+          </a:r>
+        </a:p>
+      </dgm:t>
+    </dgm:pt>
+    <dgm:pt modelId="{7F196C5E-4D90-4C5F-BDEB-4437B260B334}" type="parTrans" cxnId="{0B9AF6A3-34BC-4D3B-8AC3-325D5B5BFBEE}">
+      <dgm:prSet/>
+      <dgm:spPr/>
+      <dgm:t>
+        <a:bodyPr/>
+        <a:lstStyle/>
+        <a:p>
+          <a:endParaRPr lang="en-US"/>
+        </a:p>
+      </dgm:t>
+    </dgm:pt>
+    <dgm:pt modelId="{AD7A8814-AFA0-4CC7-AB02-E7D1FCB6219C}" type="sibTrans" cxnId="{0B9AF6A3-34BC-4D3B-8AC3-325D5B5BFBEE}">
+      <dgm:prSet/>
+      <dgm:spPr/>
+      <dgm:t>
+        <a:bodyPr/>
+        <a:lstStyle/>
+        <a:p>
+          <a:endParaRPr lang="en-US"/>
+        </a:p>
+      </dgm:t>
+    </dgm:pt>
+    <dgm:pt modelId="{AD3F44BB-FBDA-45CB-BA28-92BB1F62DDE6}">
+      <dgm:prSet phldrT="[Text]"/>
+      <dgm:spPr/>
+      <dgm:t>
+        <a:bodyPr/>
+        <a:lstStyle/>
+        <a:p>
+          <a:r>
+            <a:rPr lang="en-US"/>
+            <a:t>Verify</a:t>
+          </a:r>
+        </a:p>
+      </dgm:t>
+    </dgm:pt>
+    <dgm:pt modelId="{C44D7219-8AAC-4E0E-B6FF-70E5A7307F77}" type="parTrans" cxnId="{A840BEB7-346C-4E4E-ACBB-2616CD7DDBB7}">
+      <dgm:prSet/>
+      <dgm:spPr/>
+      <dgm:t>
+        <a:bodyPr/>
+        <a:lstStyle/>
+        <a:p>
+          <a:endParaRPr lang="en-US"/>
+        </a:p>
+      </dgm:t>
+    </dgm:pt>
+    <dgm:pt modelId="{212633ED-C13B-44BF-A781-151AE67F918B}" type="sibTrans" cxnId="{A840BEB7-346C-4E4E-ACBB-2616CD7DDBB7}">
+      <dgm:prSet/>
+      <dgm:spPr/>
+      <dgm:t>
+        <a:bodyPr/>
+        <a:lstStyle/>
+        <a:p>
+          <a:endParaRPr lang="en-US"/>
+        </a:p>
+      </dgm:t>
+    </dgm:pt>
+    <dgm:pt modelId="{E39DB685-FDD3-4D64-88B0-87DD68ED8C04}">
+      <dgm:prSet phldrT="[Text]"/>
+      <dgm:spPr/>
+      <dgm:t>
+        <a:bodyPr/>
+        <a:lstStyle/>
+        <a:p>
+          <a:r>
+            <a:rPr lang="en-US"/>
+            <a:t>Design</a:t>
+          </a:r>
+        </a:p>
+      </dgm:t>
+    </dgm:pt>
+    <dgm:pt modelId="{CF05DB6C-FB7E-4837-B0ED-AF47678E0714}" type="parTrans" cxnId="{31175618-581C-4E5F-95B2-326C54635C6E}">
+      <dgm:prSet/>
+      <dgm:spPr/>
+      <dgm:t>
+        <a:bodyPr/>
+        <a:lstStyle/>
+        <a:p>
+          <a:endParaRPr lang="en-US"/>
+        </a:p>
+      </dgm:t>
+    </dgm:pt>
+    <dgm:pt modelId="{C031AB40-E151-4D23-A1D9-8FBA85B5FA8E}" type="sibTrans" cxnId="{31175618-581C-4E5F-95B2-326C54635C6E}">
+      <dgm:prSet/>
+      <dgm:spPr/>
+      <dgm:t>
+        <a:bodyPr/>
+        <a:lstStyle/>
+        <a:p>
+          <a:endParaRPr lang="en-US"/>
+        </a:p>
+      </dgm:t>
+    </dgm:pt>
+    <dgm:pt modelId="{D40A868C-FE3E-4AEC-BA22-62AB72387A79}">
+      <dgm:prSet phldrT="[Text]"/>
+      <dgm:spPr/>
+      <dgm:t>
+        <a:bodyPr/>
+        <a:lstStyle/>
+        <a:p>
+          <a:r>
+            <a:rPr lang="en-US"/>
+            <a:t>Coding</a:t>
+          </a:r>
+        </a:p>
+      </dgm:t>
+    </dgm:pt>
+    <dgm:pt modelId="{2D2CFEE3-8E1C-4E95-A0DA-2543AC522BB1}" type="parTrans" cxnId="{8727AAA4-DE81-486E-956C-900541772BB3}">
+      <dgm:prSet/>
+      <dgm:spPr/>
+      <dgm:t>
+        <a:bodyPr/>
+        <a:lstStyle/>
+        <a:p>
+          <a:endParaRPr lang="en-US"/>
+        </a:p>
+      </dgm:t>
+    </dgm:pt>
+    <dgm:pt modelId="{649ECC34-4253-403F-BC09-883821A8919B}" type="sibTrans" cxnId="{8727AAA4-DE81-486E-956C-900541772BB3}">
+      <dgm:prSet/>
+      <dgm:spPr/>
+      <dgm:t>
+        <a:bodyPr/>
+        <a:lstStyle/>
+        <a:p>
+          <a:endParaRPr lang="en-US"/>
+        </a:p>
+      </dgm:t>
+    </dgm:pt>
+    <dgm:pt modelId="{10DD079F-4BB7-4BFD-B777-076C721F3551}">
+      <dgm:prSet phldrT="[Text]"/>
+      <dgm:spPr/>
+      <dgm:t>
+        <a:bodyPr/>
+        <a:lstStyle/>
+        <a:p>
+          <a:r>
+            <a:rPr lang="en-US"/>
+            <a:t>Testing</a:t>
+          </a:r>
+        </a:p>
+      </dgm:t>
+    </dgm:pt>
+    <dgm:pt modelId="{A4C52CF9-78DA-4E3D-8A5D-1F34FE1FBBE7}" type="sibTrans" cxnId="{16AD58D7-D27A-4C2F-AF2C-C1E523203D1B}">
+      <dgm:prSet/>
+      <dgm:spPr/>
+      <dgm:t>
+        <a:bodyPr/>
+        <a:lstStyle/>
+        <a:p>
+          <a:endParaRPr lang="en-US"/>
+        </a:p>
+      </dgm:t>
+    </dgm:pt>
+    <dgm:pt modelId="{9A685751-3373-4E84-8740-93CEA8261545}" type="parTrans" cxnId="{16AD58D7-D27A-4C2F-AF2C-C1E523203D1B}">
+      <dgm:prSet/>
+      <dgm:spPr/>
+      <dgm:t>
+        <a:bodyPr/>
+        <a:lstStyle/>
+        <a:p>
+          <a:endParaRPr lang="en-US"/>
+        </a:p>
+      </dgm:t>
+    </dgm:pt>
+    <dgm:pt modelId="{89D14C14-8A25-4289-A1D8-B9DFB4096B87}" type="pres">
+      <dgm:prSet presAssocID="{9B1CA0CB-FDBA-485E-9BE7-E902FE6D0C4E}" presName="diagram" presStyleCnt="0">
+        <dgm:presLayoutVars>
+          <dgm:dir/>
+          <dgm:resizeHandles/>
+        </dgm:presLayoutVars>
+      </dgm:prSet>
+      <dgm:spPr/>
+      <dgm:t>
+        <a:bodyPr/>
+        <a:lstStyle/>
+        <a:p>
+          <a:endParaRPr lang="en-US"/>
+        </a:p>
+      </dgm:t>
+    </dgm:pt>
+    <dgm:pt modelId="{9FB92C37-9D09-4FF0-B836-530BC24A6B36}" type="pres">
+      <dgm:prSet presAssocID="{FE8121B1-2E34-4172-9ECF-28D01DB7863B}" presName="firstNode" presStyleLbl="node1" presStyleIdx="0" presStyleCnt="9">
+        <dgm:presLayoutVars>
+          <dgm:bulletEnabled val="1"/>
+        </dgm:presLayoutVars>
+      </dgm:prSet>
+      <dgm:spPr/>
+      <dgm:t>
+        <a:bodyPr/>
+        <a:lstStyle/>
+        <a:p>
+          <a:endParaRPr lang="en-US"/>
+        </a:p>
+      </dgm:t>
+    </dgm:pt>
+    <dgm:pt modelId="{931E5082-09F5-4E19-8975-94D5368DF03D}" type="pres">
+      <dgm:prSet presAssocID="{39C7BBF8-20E4-43A5-A69B-07A3C724FFC6}" presName="sibTrans" presStyleLbl="sibTrans2D1" presStyleIdx="0" presStyleCnt="8"/>
+      <dgm:spPr/>
+      <dgm:t>
+        <a:bodyPr/>
+        <a:lstStyle/>
+        <a:p>
+          <a:endParaRPr lang="en-US"/>
+        </a:p>
+      </dgm:t>
+    </dgm:pt>
+    <dgm:pt modelId="{49AC7EBE-89F3-4294-A70E-CF0E919DB2C5}" type="pres">
+      <dgm:prSet presAssocID="{709C3B7E-6347-4DC7-AB1A-81DD3605D113}" presName="middleNode" presStyleCnt="0"/>
+      <dgm:spPr/>
+    </dgm:pt>
+    <dgm:pt modelId="{AE7D1988-BF6B-46FF-BC52-26C631D14899}" type="pres">
+      <dgm:prSet presAssocID="{709C3B7E-6347-4DC7-AB1A-81DD3605D113}" presName="padding" presStyleLbl="node1" presStyleIdx="0" presStyleCnt="9"/>
+      <dgm:spPr/>
+    </dgm:pt>
+    <dgm:pt modelId="{A8D88117-0259-4232-A01B-B57F38FBD23B}" type="pres">
+      <dgm:prSet presAssocID="{709C3B7E-6347-4DC7-AB1A-81DD3605D113}" presName="shape" presStyleLbl="node1" presStyleIdx="1" presStyleCnt="9">
+        <dgm:presLayoutVars>
+          <dgm:bulletEnabled val="1"/>
+        </dgm:presLayoutVars>
+      </dgm:prSet>
+      <dgm:spPr/>
+      <dgm:t>
+        <a:bodyPr/>
+        <a:lstStyle/>
+        <a:p>
+          <a:endParaRPr lang="en-US"/>
+        </a:p>
+      </dgm:t>
+    </dgm:pt>
+    <dgm:pt modelId="{A0435E6B-A48F-4A1F-893E-9E4E854FD7C5}" type="pres">
+      <dgm:prSet presAssocID="{8DCF0C52-9672-43D1-A6E8-62CA5541432C}" presName="sibTrans" presStyleLbl="sibTrans2D1" presStyleIdx="1" presStyleCnt="8"/>
+      <dgm:spPr/>
+      <dgm:t>
+        <a:bodyPr/>
+        <a:lstStyle/>
+        <a:p>
+          <a:endParaRPr lang="en-US"/>
+        </a:p>
+      </dgm:t>
+    </dgm:pt>
+    <dgm:pt modelId="{2EA6FB01-FC9F-40AF-BA3F-D56BB8830CFE}" type="pres">
+      <dgm:prSet presAssocID="{75DBF967-80AC-4335-B425-35CACBFA1C06}" presName="middleNode" presStyleCnt="0"/>
+      <dgm:spPr/>
+    </dgm:pt>
+    <dgm:pt modelId="{BF13754B-1E0B-4F93-8924-C17AD115DE3F}" type="pres">
+      <dgm:prSet presAssocID="{75DBF967-80AC-4335-B425-35CACBFA1C06}" presName="padding" presStyleLbl="node1" presStyleIdx="1" presStyleCnt="9"/>
+      <dgm:spPr/>
+    </dgm:pt>
+    <dgm:pt modelId="{620454A0-9B42-444D-9D17-047F5D66CF5A}" type="pres">
+      <dgm:prSet presAssocID="{75DBF967-80AC-4335-B425-35CACBFA1C06}" presName="shape" presStyleLbl="node1" presStyleIdx="2" presStyleCnt="9">
+        <dgm:presLayoutVars>
+          <dgm:bulletEnabled val="1"/>
+        </dgm:presLayoutVars>
+      </dgm:prSet>
+      <dgm:spPr/>
+      <dgm:t>
+        <a:bodyPr/>
+        <a:lstStyle/>
+        <a:p>
+          <a:endParaRPr lang="en-US"/>
+        </a:p>
+      </dgm:t>
+    </dgm:pt>
+    <dgm:pt modelId="{F59C4571-B642-4713-91F3-0472F1941672}" type="pres">
+      <dgm:prSet presAssocID="{FA9F68C2-C11E-4F73-91E1-51A7896A5374}" presName="sibTrans" presStyleLbl="sibTrans2D1" presStyleIdx="2" presStyleCnt="8"/>
+      <dgm:spPr/>
+      <dgm:t>
+        <a:bodyPr/>
+        <a:lstStyle/>
+        <a:p>
+          <a:endParaRPr lang="en-US"/>
+        </a:p>
+      </dgm:t>
+    </dgm:pt>
+    <dgm:pt modelId="{A93C7432-3049-4093-9F43-0CCC0A20D5D7}" type="pres">
+      <dgm:prSet presAssocID="{C5698DD3-D3A7-409F-89DF-D7E5529E73C4}" presName="middleNode" presStyleCnt="0"/>
+      <dgm:spPr/>
+    </dgm:pt>
+    <dgm:pt modelId="{40AA273B-A0C3-4EE5-AA7D-4125B0908165}" type="pres">
+      <dgm:prSet presAssocID="{C5698DD3-D3A7-409F-89DF-D7E5529E73C4}" presName="padding" presStyleLbl="node1" presStyleIdx="2" presStyleCnt="9"/>
+      <dgm:spPr/>
+    </dgm:pt>
+    <dgm:pt modelId="{C17981C4-2931-49EA-9166-9B7A193D55B5}" type="pres">
+      <dgm:prSet presAssocID="{C5698DD3-D3A7-409F-89DF-D7E5529E73C4}" presName="shape" presStyleLbl="node1" presStyleIdx="3" presStyleCnt="9">
+        <dgm:presLayoutVars>
+          <dgm:bulletEnabled val="1"/>
+        </dgm:presLayoutVars>
+      </dgm:prSet>
+      <dgm:spPr/>
+      <dgm:t>
+        <a:bodyPr/>
+        <a:lstStyle/>
+        <a:p>
+          <a:endParaRPr lang="en-US"/>
+        </a:p>
+      </dgm:t>
+    </dgm:pt>
+    <dgm:pt modelId="{BBCF3DDC-01FC-4613-BD66-C4233ADE262F}" type="pres">
+      <dgm:prSet presAssocID="{A7BFCB32-E834-4119-802A-FC892892B521}" presName="sibTrans" presStyleLbl="sibTrans2D1" presStyleIdx="3" presStyleCnt="8"/>
+      <dgm:spPr/>
+      <dgm:t>
+        <a:bodyPr/>
+        <a:lstStyle/>
+        <a:p>
+          <a:endParaRPr lang="en-US"/>
+        </a:p>
+      </dgm:t>
+    </dgm:pt>
+    <dgm:pt modelId="{5601F8B1-E45B-4D42-8363-77D5BF002234}" type="pres">
+      <dgm:prSet presAssocID="{72DE1808-EFB3-4719-8095-CA53DDA8B258}" presName="middleNode" presStyleCnt="0"/>
+      <dgm:spPr/>
+    </dgm:pt>
+    <dgm:pt modelId="{3B445E79-3BB4-4685-94A0-4D87C662CC4B}" type="pres">
+      <dgm:prSet presAssocID="{72DE1808-EFB3-4719-8095-CA53DDA8B258}" presName="padding" presStyleLbl="node1" presStyleIdx="3" presStyleCnt="9"/>
+      <dgm:spPr/>
+    </dgm:pt>
+    <dgm:pt modelId="{0FD4E278-0366-48E3-A293-E17BA8637E85}" type="pres">
+      <dgm:prSet presAssocID="{72DE1808-EFB3-4719-8095-CA53DDA8B258}" presName="shape" presStyleLbl="node1" presStyleIdx="4" presStyleCnt="9">
+        <dgm:presLayoutVars>
+          <dgm:bulletEnabled val="1"/>
+        </dgm:presLayoutVars>
+      </dgm:prSet>
+      <dgm:spPr/>
+      <dgm:t>
+        <a:bodyPr/>
+        <a:lstStyle/>
+        <a:p>
+          <a:endParaRPr lang="en-US"/>
+        </a:p>
+      </dgm:t>
+    </dgm:pt>
+    <dgm:pt modelId="{710D6B5F-5E82-4340-BBE5-0AA0E788716C}" type="pres">
+      <dgm:prSet presAssocID="{AD7A8814-AFA0-4CC7-AB02-E7D1FCB6219C}" presName="sibTrans" presStyleLbl="sibTrans2D1" presStyleIdx="4" presStyleCnt="8"/>
+      <dgm:spPr/>
+      <dgm:t>
+        <a:bodyPr/>
+        <a:lstStyle/>
+        <a:p>
+          <a:endParaRPr lang="en-US"/>
+        </a:p>
+      </dgm:t>
+    </dgm:pt>
+    <dgm:pt modelId="{BC0FE24D-6AB4-4E73-B1BE-2DE2B9E4254C}" type="pres">
+      <dgm:prSet presAssocID="{10DD079F-4BB7-4BFD-B777-076C721F3551}" presName="middleNode" presStyleCnt="0"/>
+      <dgm:spPr/>
+    </dgm:pt>
+    <dgm:pt modelId="{4D20C6C1-3329-4102-8962-E45E815A1B57}" type="pres">
+      <dgm:prSet presAssocID="{10DD079F-4BB7-4BFD-B777-076C721F3551}" presName="padding" presStyleLbl="node1" presStyleIdx="4" presStyleCnt="9"/>
+      <dgm:spPr/>
+    </dgm:pt>
+    <dgm:pt modelId="{595A69B3-7DEC-445A-BB49-E05B5AEACA5E}" type="pres">
+      <dgm:prSet presAssocID="{10DD079F-4BB7-4BFD-B777-076C721F3551}" presName="shape" presStyleLbl="node1" presStyleIdx="5" presStyleCnt="9">
+        <dgm:presLayoutVars>
+          <dgm:bulletEnabled val="1"/>
+        </dgm:presLayoutVars>
+      </dgm:prSet>
+      <dgm:spPr/>
+      <dgm:t>
+        <a:bodyPr/>
+        <a:lstStyle/>
+        <a:p>
+          <a:endParaRPr lang="en-US"/>
+        </a:p>
+      </dgm:t>
+    </dgm:pt>
+    <dgm:pt modelId="{E57260CD-9724-4750-991C-FA1914DDE925}" type="pres">
+      <dgm:prSet presAssocID="{A4C52CF9-78DA-4E3D-8A5D-1F34FE1FBBE7}" presName="sibTrans" presStyleLbl="sibTrans2D1" presStyleIdx="5" presStyleCnt="8"/>
+      <dgm:spPr/>
+      <dgm:t>
+        <a:bodyPr/>
+        <a:lstStyle/>
+        <a:p>
+          <a:endParaRPr lang="en-US"/>
+        </a:p>
+      </dgm:t>
+    </dgm:pt>
+    <dgm:pt modelId="{A310FBA2-D345-48B2-9C50-6F9A7CC9CF37}" type="pres">
+      <dgm:prSet presAssocID="{AD3F44BB-FBDA-45CB-BA28-92BB1F62DDE6}" presName="middleNode" presStyleCnt="0"/>
+      <dgm:spPr/>
+    </dgm:pt>
+    <dgm:pt modelId="{6BF2D9D1-60DC-4FB4-B53B-73FFEB55642B}" type="pres">
+      <dgm:prSet presAssocID="{AD3F44BB-FBDA-45CB-BA28-92BB1F62DDE6}" presName="padding" presStyleLbl="node1" presStyleIdx="5" presStyleCnt="9"/>
+      <dgm:spPr/>
+    </dgm:pt>
+    <dgm:pt modelId="{791B5CF8-9F78-4678-8C14-FA07561B1837}" type="pres">
+      <dgm:prSet presAssocID="{AD3F44BB-FBDA-45CB-BA28-92BB1F62DDE6}" presName="shape" presStyleLbl="node1" presStyleIdx="6" presStyleCnt="9">
+        <dgm:presLayoutVars>
+          <dgm:bulletEnabled val="1"/>
+        </dgm:presLayoutVars>
+      </dgm:prSet>
+      <dgm:spPr/>
+      <dgm:t>
+        <a:bodyPr/>
+        <a:lstStyle/>
+        <a:p>
+          <a:endParaRPr lang="en-US"/>
+        </a:p>
+      </dgm:t>
+    </dgm:pt>
+    <dgm:pt modelId="{0C1054DE-B31D-459C-873A-F1A165020916}" type="pres">
+      <dgm:prSet presAssocID="{212633ED-C13B-44BF-A781-151AE67F918B}" presName="sibTrans" presStyleLbl="sibTrans2D1" presStyleIdx="6" presStyleCnt="8"/>
+      <dgm:spPr/>
+      <dgm:t>
+        <a:bodyPr/>
+        <a:lstStyle/>
+        <a:p>
+          <a:endParaRPr lang="en-US"/>
+        </a:p>
+      </dgm:t>
+    </dgm:pt>
+    <dgm:pt modelId="{D38DB263-9DA6-4816-8428-FE08E96901D7}" type="pres">
+      <dgm:prSet presAssocID="{E39DB685-FDD3-4D64-88B0-87DD68ED8C04}" presName="middleNode" presStyleCnt="0"/>
+      <dgm:spPr/>
+    </dgm:pt>
+    <dgm:pt modelId="{BBC0E16C-0BCF-46E4-9B02-4AABFC9CE2A1}" type="pres">
+      <dgm:prSet presAssocID="{E39DB685-FDD3-4D64-88B0-87DD68ED8C04}" presName="padding" presStyleLbl="node1" presStyleIdx="6" presStyleCnt="9"/>
+      <dgm:spPr/>
+    </dgm:pt>
+    <dgm:pt modelId="{EDCD8B5B-BE70-4461-AEE4-F7F071ED14E4}" type="pres">
+      <dgm:prSet presAssocID="{E39DB685-FDD3-4D64-88B0-87DD68ED8C04}" presName="shape" presStyleLbl="node1" presStyleIdx="7" presStyleCnt="9">
+        <dgm:presLayoutVars>
+          <dgm:bulletEnabled val="1"/>
+        </dgm:presLayoutVars>
+      </dgm:prSet>
+      <dgm:spPr/>
+      <dgm:t>
+        <a:bodyPr/>
+        <a:lstStyle/>
+        <a:p>
+          <a:endParaRPr lang="en-US"/>
+        </a:p>
+      </dgm:t>
+    </dgm:pt>
+    <dgm:pt modelId="{57639AB6-86F3-4219-B35D-C0408EEA4AF9}" type="pres">
+      <dgm:prSet presAssocID="{C031AB40-E151-4D23-A1D9-8FBA85B5FA8E}" presName="sibTrans" presStyleLbl="sibTrans2D1" presStyleIdx="7" presStyleCnt="8"/>
+      <dgm:spPr/>
+      <dgm:t>
+        <a:bodyPr/>
+        <a:lstStyle/>
+        <a:p>
+          <a:endParaRPr lang="en-US"/>
+        </a:p>
+      </dgm:t>
+    </dgm:pt>
+    <dgm:pt modelId="{466E6DB5-2F52-4DA2-A501-7CAA9F4B8278}" type="pres">
+      <dgm:prSet presAssocID="{D40A868C-FE3E-4AEC-BA22-62AB72387A79}" presName="lastNode" presStyleLbl="node1" presStyleIdx="8" presStyleCnt="9">
+        <dgm:presLayoutVars>
+          <dgm:bulletEnabled val="1"/>
+        </dgm:presLayoutVars>
+      </dgm:prSet>
+      <dgm:spPr/>
+      <dgm:t>
+        <a:bodyPr/>
+        <a:lstStyle/>
+        <a:p>
+          <a:endParaRPr lang="en-US"/>
+        </a:p>
+      </dgm:t>
+    </dgm:pt>
+  </dgm:ptLst>
+  <dgm:cxnLst>
+    <dgm:cxn modelId="{CF816514-C493-CA47-9C1F-FD7BC00C49EE}" type="presOf" srcId="{C031AB40-E151-4D23-A1D9-8FBA85B5FA8E}" destId="{57639AB6-86F3-4219-B35D-C0408EEA4AF9}" srcOrd="0" destOrd="0" presId="urn:microsoft.com/office/officeart/2005/8/layout/bProcess2"/>
+    <dgm:cxn modelId="{B2A4E4B7-9180-904B-9A4B-D41691B351A4}" type="presOf" srcId="{75DBF967-80AC-4335-B425-35CACBFA1C06}" destId="{620454A0-9B42-444D-9D17-047F5D66CF5A}" srcOrd="0" destOrd="0" presId="urn:microsoft.com/office/officeart/2005/8/layout/bProcess2"/>
+    <dgm:cxn modelId="{99903B19-D87C-CF40-BF56-D526461EADC9}" type="presOf" srcId="{9B1CA0CB-FDBA-485E-9BE7-E902FE6D0C4E}" destId="{89D14C14-8A25-4289-A1D8-B9DFB4096B87}" srcOrd="0" destOrd="0" presId="urn:microsoft.com/office/officeart/2005/8/layout/bProcess2"/>
+    <dgm:cxn modelId="{8D89DCD2-C478-FA49-9C10-7ED35A0F8FCA}" type="presOf" srcId="{AD3F44BB-FBDA-45CB-BA28-92BB1F62DDE6}" destId="{791B5CF8-9F78-4678-8C14-FA07561B1837}" srcOrd="0" destOrd="0" presId="urn:microsoft.com/office/officeart/2005/8/layout/bProcess2"/>
+    <dgm:cxn modelId="{4253AFC5-262F-CB45-B0D1-9E23D8E95C35}" type="presOf" srcId="{A4C52CF9-78DA-4E3D-8A5D-1F34FE1FBBE7}" destId="{E57260CD-9724-4750-991C-FA1914DDE925}" srcOrd="0" destOrd="0" presId="urn:microsoft.com/office/officeart/2005/8/layout/bProcess2"/>
+    <dgm:cxn modelId="{8727AAA4-DE81-486E-956C-900541772BB3}" srcId="{9B1CA0CB-FDBA-485E-9BE7-E902FE6D0C4E}" destId="{D40A868C-FE3E-4AEC-BA22-62AB72387A79}" srcOrd="8" destOrd="0" parTransId="{2D2CFEE3-8E1C-4E95-A0DA-2543AC522BB1}" sibTransId="{649ECC34-4253-403F-BC09-883821A8919B}"/>
+    <dgm:cxn modelId="{266C2F0B-B40E-5548-B575-252B02B7154E}" type="presOf" srcId="{709C3B7E-6347-4DC7-AB1A-81DD3605D113}" destId="{A8D88117-0259-4232-A01B-B57F38FBD23B}" srcOrd="0" destOrd="0" presId="urn:microsoft.com/office/officeart/2005/8/layout/bProcess2"/>
+    <dgm:cxn modelId="{4C8E401F-E416-F541-9991-AC6D4688D89C}" type="presOf" srcId="{212633ED-C13B-44BF-A781-151AE67F918B}" destId="{0C1054DE-B31D-459C-873A-F1A165020916}" srcOrd="0" destOrd="0" presId="urn:microsoft.com/office/officeart/2005/8/layout/bProcess2"/>
+    <dgm:cxn modelId="{B7F30716-9922-4B9F-8FE0-1FEE03099EDD}" srcId="{9B1CA0CB-FDBA-485E-9BE7-E902FE6D0C4E}" destId="{FE8121B1-2E34-4172-9ECF-28D01DB7863B}" srcOrd="0" destOrd="0" parTransId="{3A0AC162-2108-404C-B1B1-0D05330E4138}" sibTransId="{39C7BBF8-20E4-43A5-A69B-07A3C724FFC6}"/>
+    <dgm:cxn modelId="{31175618-581C-4E5F-95B2-326C54635C6E}" srcId="{9B1CA0CB-FDBA-485E-9BE7-E902FE6D0C4E}" destId="{E39DB685-FDD3-4D64-88B0-87DD68ED8C04}" srcOrd="7" destOrd="0" parTransId="{CF05DB6C-FB7E-4837-B0ED-AF47678E0714}" sibTransId="{C031AB40-E151-4D23-A1D9-8FBA85B5FA8E}"/>
+    <dgm:cxn modelId="{0ACC484B-EE48-49A7-8CB9-33F0D8C54054}" srcId="{9B1CA0CB-FDBA-485E-9BE7-E902FE6D0C4E}" destId="{709C3B7E-6347-4DC7-AB1A-81DD3605D113}" srcOrd="1" destOrd="0" parTransId="{4D80DC2C-5D36-4366-8AA4-3C72F1EDBA84}" sibTransId="{8DCF0C52-9672-43D1-A6E8-62CA5541432C}"/>
+    <dgm:cxn modelId="{0090C04E-F18A-C84C-8DFB-319B717DBC9F}" type="presOf" srcId="{10DD079F-4BB7-4BFD-B777-076C721F3551}" destId="{595A69B3-7DEC-445A-BB49-E05B5AEACA5E}" srcOrd="0" destOrd="0" presId="urn:microsoft.com/office/officeart/2005/8/layout/bProcess2"/>
+    <dgm:cxn modelId="{44130D12-24BD-4909-9847-04D4FFF5D532}" srcId="{9B1CA0CB-FDBA-485E-9BE7-E902FE6D0C4E}" destId="{C5698DD3-D3A7-409F-89DF-D7E5529E73C4}" srcOrd="3" destOrd="0" parTransId="{8833FC2F-EC02-4351-85D5-CA56B2295F14}" sibTransId="{A7BFCB32-E834-4119-802A-FC892892B521}"/>
+    <dgm:cxn modelId="{E9BF0C85-4F5C-DE42-B6C4-18AD011C184A}" type="presOf" srcId="{FE8121B1-2E34-4172-9ECF-28D01DB7863B}" destId="{9FB92C37-9D09-4FF0-B836-530BC24A6B36}" srcOrd="0" destOrd="0" presId="urn:microsoft.com/office/officeart/2005/8/layout/bProcess2"/>
+    <dgm:cxn modelId="{A840BEB7-346C-4E4E-ACBB-2616CD7DDBB7}" srcId="{9B1CA0CB-FDBA-485E-9BE7-E902FE6D0C4E}" destId="{AD3F44BB-FBDA-45CB-BA28-92BB1F62DDE6}" srcOrd="6" destOrd="0" parTransId="{C44D7219-8AAC-4E0E-B6FF-70E5A7307F77}" sibTransId="{212633ED-C13B-44BF-A781-151AE67F918B}"/>
+    <dgm:cxn modelId="{16AD58D7-D27A-4C2F-AF2C-C1E523203D1B}" srcId="{9B1CA0CB-FDBA-485E-9BE7-E902FE6D0C4E}" destId="{10DD079F-4BB7-4BFD-B777-076C721F3551}" srcOrd="5" destOrd="0" parTransId="{9A685751-3373-4E84-8740-93CEA8261545}" sibTransId="{A4C52CF9-78DA-4E3D-8A5D-1F34FE1FBBE7}"/>
+    <dgm:cxn modelId="{E525A04F-1B7C-0240-908C-FD7571D14A9A}" type="presOf" srcId="{8DCF0C52-9672-43D1-A6E8-62CA5541432C}" destId="{A0435E6B-A48F-4A1F-893E-9E4E854FD7C5}" srcOrd="0" destOrd="0" presId="urn:microsoft.com/office/officeart/2005/8/layout/bProcess2"/>
+    <dgm:cxn modelId="{46C5977B-7F50-AF40-9CA6-6C03BC548223}" type="presOf" srcId="{A7BFCB32-E834-4119-802A-FC892892B521}" destId="{BBCF3DDC-01FC-4613-BD66-C4233ADE262F}" srcOrd="0" destOrd="0" presId="urn:microsoft.com/office/officeart/2005/8/layout/bProcess2"/>
+    <dgm:cxn modelId="{23DADD04-7867-F348-9374-B28E2064488A}" type="presOf" srcId="{AD7A8814-AFA0-4CC7-AB02-E7D1FCB6219C}" destId="{710D6B5F-5E82-4340-BBE5-0AA0E788716C}" srcOrd="0" destOrd="0" presId="urn:microsoft.com/office/officeart/2005/8/layout/bProcess2"/>
+    <dgm:cxn modelId="{6AEDDD5C-DFFA-C345-BB4F-0E2792B902C7}" type="presOf" srcId="{E39DB685-FDD3-4D64-88B0-87DD68ED8C04}" destId="{EDCD8B5B-BE70-4461-AEE4-F7F071ED14E4}" srcOrd="0" destOrd="0" presId="urn:microsoft.com/office/officeart/2005/8/layout/bProcess2"/>
+    <dgm:cxn modelId="{92CBA238-EE3F-4E5C-9B18-164CE91D051E}" srcId="{9B1CA0CB-FDBA-485E-9BE7-E902FE6D0C4E}" destId="{75DBF967-80AC-4335-B425-35CACBFA1C06}" srcOrd="2" destOrd="0" parTransId="{18C220E9-61CB-41E1-939D-88CDED8A7F6F}" sibTransId="{FA9F68C2-C11E-4F73-91E1-51A7896A5374}"/>
+    <dgm:cxn modelId="{11BDAA42-B2B3-1C4D-A770-06CB0005B7C0}" type="presOf" srcId="{C5698DD3-D3A7-409F-89DF-D7E5529E73C4}" destId="{C17981C4-2931-49EA-9166-9B7A193D55B5}" srcOrd="0" destOrd="0" presId="urn:microsoft.com/office/officeart/2005/8/layout/bProcess2"/>
+    <dgm:cxn modelId="{0B9AF6A3-34BC-4D3B-8AC3-325D5B5BFBEE}" srcId="{9B1CA0CB-FDBA-485E-9BE7-E902FE6D0C4E}" destId="{72DE1808-EFB3-4719-8095-CA53DDA8B258}" srcOrd="4" destOrd="0" parTransId="{7F196C5E-4D90-4C5F-BDEB-4437B260B334}" sibTransId="{AD7A8814-AFA0-4CC7-AB02-E7D1FCB6219C}"/>
+    <dgm:cxn modelId="{BDA679DF-D5CF-0E41-AE19-FBC9E9BC680A}" type="presOf" srcId="{FA9F68C2-C11E-4F73-91E1-51A7896A5374}" destId="{F59C4571-B642-4713-91F3-0472F1941672}" srcOrd="0" destOrd="0" presId="urn:microsoft.com/office/officeart/2005/8/layout/bProcess2"/>
+    <dgm:cxn modelId="{8256030F-B0CD-E745-8C6D-F4875ED8115B}" type="presOf" srcId="{72DE1808-EFB3-4719-8095-CA53DDA8B258}" destId="{0FD4E278-0366-48E3-A293-E17BA8637E85}" srcOrd="0" destOrd="0" presId="urn:microsoft.com/office/officeart/2005/8/layout/bProcess2"/>
+    <dgm:cxn modelId="{0CBAF03C-389D-FF49-86C5-DC439FF05180}" type="presOf" srcId="{D40A868C-FE3E-4AEC-BA22-62AB72387A79}" destId="{466E6DB5-2F52-4DA2-A501-7CAA9F4B8278}" srcOrd="0" destOrd="0" presId="urn:microsoft.com/office/officeart/2005/8/layout/bProcess2"/>
+    <dgm:cxn modelId="{C08959A9-ED98-B842-9AA5-90CD07B8896B}" type="presOf" srcId="{39C7BBF8-20E4-43A5-A69B-07A3C724FFC6}" destId="{931E5082-09F5-4E19-8975-94D5368DF03D}" srcOrd="0" destOrd="0" presId="urn:microsoft.com/office/officeart/2005/8/layout/bProcess2"/>
+    <dgm:cxn modelId="{CF1527AF-FA48-7341-AE88-6AD94A76359C}" type="presParOf" srcId="{89D14C14-8A25-4289-A1D8-B9DFB4096B87}" destId="{9FB92C37-9D09-4FF0-B836-530BC24A6B36}" srcOrd="0" destOrd="0" presId="urn:microsoft.com/office/officeart/2005/8/layout/bProcess2"/>
+    <dgm:cxn modelId="{FE497516-404F-7A4A-8C53-6B7814AF4B04}" type="presParOf" srcId="{89D14C14-8A25-4289-A1D8-B9DFB4096B87}" destId="{931E5082-09F5-4E19-8975-94D5368DF03D}" srcOrd="1" destOrd="0" presId="urn:microsoft.com/office/officeart/2005/8/layout/bProcess2"/>
+    <dgm:cxn modelId="{DDD17FC5-D03A-EE42-8CA5-E6DA692D75A5}" type="presParOf" srcId="{89D14C14-8A25-4289-A1D8-B9DFB4096B87}" destId="{49AC7EBE-89F3-4294-A70E-CF0E919DB2C5}" srcOrd="2" destOrd="0" presId="urn:microsoft.com/office/officeart/2005/8/layout/bProcess2"/>
+    <dgm:cxn modelId="{E3CD6841-B6BD-DD42-AA39-62F3F344AB9A}" type="presParOf" srcId="{49AC7EBE-89F3-4294-A70E-CF0E919DB2C5}" destId="{AE7D1988-BF6B-46FF-BC52-26C631D14899}" srcOrd="0" destOrd="0" presId="urn:microsoft.com/office/officeart/2005/8/layout/bProcess2"/>
+    <dgm:cxn modelId="{E9E38D05-B773-D640-83D8-9061BB61F5B1}" type="presParOf" srcId="{49AC7EBE-89F3-4294-A70E-CF0E919DB2C5}" destId="{A8D88117-0259-4232-A01B-B57F38FBD23B}" srcOrd="1" destOrd="0" presId="urn:microsoft.com/office/officeart/2005/8/layout/bProcess2"/>
+    <dgm:cxn modelId="{80EA5636-1D28-DD41-91D9-C92D87DE8EA4}" type="presParOf" srcId="{89D14C14-8A25-4289-A1D8-B9DFB4096B87}" destId="{A0435E6B-A48F-4A1F-893E-9E4E854FD7C5}" srcOrd="3" destOrd="0" presId="urn:microsoft.com/office/officeart/2005/8/layout/bProcess2"/>
+    <dgm:cxn modelId="{A1E9308F-66B5-2A47-BE5B-F3ABDDAB15D7}" type="presParOf" srcId="{89D14C14-8A25-4289-A1D8-B9DFB4096B87}" destId="{2EA6FB01-FC9F-40AF-BA3F-D56BB8830CFE}" srcOrd="4" destOrd="0" presId="urn:microsoft.com/office/officeart/2005/8/layout/bProcess2"/>
+    <dgm:cxn modelId="{DEE81187-FCD0-C64D-8B26-BDC0C52E9021}" type="presParOf" srcId="{2EA6FB01-FC9F-40AF-BA3F-D56BB8830CFE}" destId="{BF13754B-1E0B-4F93-8924-C17AD115DE3F}" srcOrd="0" destOrd="0" presId="urn:microsoft.com/office/officeart/2005/8/layout/bProcess2"/>
+    <dgm:cxn modelId="{E6C9345F-45CB-B44F-9C16-1C211D75445B}" type="presParOf" srcId="{2EA6FB01-FC9F-40AF-BA3F-D56BB8830CFE}" destId="{620454A0-9B42-444D-9D17-047F5D66CF5A}" srcOrd="1" destOrd="0" presId="urn:microsoft.com/office/officeart/2005/8/layout/bProcess2"/>
+    <dgm:cxn modelId="{ABEBA605-3B86-2E48-A747-68FA8E347C38}" type="presParOf" srcId="{89D14C14-8A25-4289-A1D8-B9DFB4096B87}" destId="{F59C4571-B642-4713-91F3-0472F1941672}" srcOrd="5" destOrd="0" presId="urn:microsoft.com/office/officeart/2005/8/layout/bProcess2"/>
+    <dgm:cxn modelId="{C49E90B8-9FBF-6B40-88F8-4C440E48E952}" type="presParOf" srcId="{89D14C14-8A25-4289-A1D8-B9DFB4096B87}" destId="{A93C7432-3049-4093-9F43-0CCC0A20D5D7}" srcOrd="6" destOrd="0" presId="urn:microsoft.com/office/officeart/2005/8/layout/bProcess2"/>
+    <dgm:cxn modelId="{256741AC-2A3C-8249-B759-6B79C99E4089}" type="presParOf" srcId="{A93C7432-3049-4093-9F43-0CCC0A20D5D7}" destId="{40AA273B-A0C3-4EE5-AA7D-4125B0908165}" srcOrd="0" destOrd="0" presId="urn:microsoft.com/office/officeart/2005/8/layout/bProcess2"/>
+    <dgm:cxn modelId="{9875E901-E097-3C49-B46C-E017C07C9A38}" type="presParOf" srcId="{A93C7432-3049-4093-9F43-0CCC0A20D5D7}" destId="{C17981C4-2931-49EA-9166-9B7A193D55B5}" srcOrd="1" destOrd="0" presId="urn:microsoft.com/office/officeart/2005/8/layout/bProcess2"/>
+    <dgm:cxn modelId="{00A5B019-B51C-8542-A284-CE31DC3A32FA}" type="presParOf" srcId="{89D14C14-8A25-4289-A1D8-B9DFB4096B87}" destId="{BBCF3DDC-01FC-4613-BD66-C4233ADE262F}" srcOrd="7" destOrd="0" presId="urn:microsoft.com/office/officeart/2005/8/layout/bProcess2"/>
+    <dgm:cxn modelId="{C845008D-CA80-AE42-A582-E5D641BB6EC5}" type="presParOf" srcId="{89D14C14-8A25-4289-A1D8-B9DFB4096B87}" destId="{5601F8B1-E45B-4D42-8363-77D5BF002234}" srcOrd="8" destOrd="0" presId="urn:microsoft.com/office/officeart/2005/8/layout/bProcess2"/>
+    <dgm:cxn modelId="{893271FD-05F6-F347-9081-7291BF62AD7B}" type="presParOf" srcId="{5601F8B1-E45B-4D42-8363-77D5BF002234}" destId="{3B445E79-3BB4-4685-94A0-4D87C662CC4B}" srcOrd="0" destOrd="0" presId="urn:microsoft.com/office/officeart/2005/8/layout/bProcess2"/>
+    <dgm:cxn modelId="{87EAD58C-E162-3947-BF12-A18D4785BDA1}" type="presParOf" srcId="{5601F8B1-E45B-4D42-8363-77D5BF002234}" destId="{0FD4E278-0366-48E3-A293-E17BA8637E85}" srcOrd="1" destOrd="0" presId="urn:microsoft.com/office/officeart/2005/8/layout/bProcess2"/>
+    <dgm:cxn modelId="{AEF08357-212C-1242-A72E-E96DC5402507}" type="presParOf" srcId="{89D14C14-8A25-4289-A1D8-B9DFB4096B87}" destId="{710D6B5F-5E82-4340-BBE5-0AA0E788716C}" srcOrd="9" destOrd="0" presId="urn:microsoft.com/office/officeart/2005/8/layout/bProcess2"/>
+    <dgm:cxn modelId="{AFC708B4-A434-4C41-BAD3-D406CD407AD9}" type="presParOf" srcId="{89D14C14-8A25-4289-A1D8-B9DFB4096B87}" destId="{BC0FE24D-6AB4-4E73-B1BE-2DE2B9E4254C}" srcOrd="10" destOrd="0" presId="urn:microsoft.com/office/officeart/2005/8/layout/bProcess2"/>
+    <dgm:cxn modelId="{C1AFA5F6-15FD-C94D-9F9A-5A08D3694747}" type="presParOf" srcId="{BC0FE24D-6AB4-4E73-B1BE-2DE2B9E4254C}" destId="{4D20C6C1-3329-4102-8962-E45E815A1B57}" srcOrd="0" destOrd="0" presId="urn:microsoft.com/office/officeart/2005/8/layout/bProcess2"/>
+    <dgm:cxn modelId="{3A725669-888D-0945-BBB6-D53C9876E95E}" type="presParOf" srcId="{BC0FE24D-6AB4-4E73-B1BE-2DE2B9E4254C}" destId="{595A69B3-7DEC-445A-BB49-E05B5AEACA5E}" srcOrd="1" destOrd="0" presId="urn:microsoft.com/office/officeart/2005/8/layout/bProcess2"/>
+    <dgm:cxn modelId="{7829CCAE-6462-A84D-A11A-D4BEC3434B2A}" type="presParOf" srcId="{89D14C14-8A25-4289-A1D8-B9DFB4096B87}" destId="{E57260CD-9724-4750-991C-FA1914DDE925}" srcOrd="11" destOrd="0" presId="urn:microsoft.com/office/officeart/2005/8/layout/bProcess2"/>
+    <dgm:cxn modelId="{06EF086C-F5FC-B249-B862-43B7BA3760F2}" type="presParOf" srcId="{89D14C14-8A25-4289-A1D8-B9DFB4096B87}" destId="{A310FBA2-D345-48B2-9C50-6F9A7CC9CF37}" srcOrd="12" destOrd="0" presId="urn:microsoft.com/office/officeart/2005/8/layout/bProcess2"/>
+    <dgm:cxn modelId="{F59CE0BF-46F6-544B-B8B9-22BBF846102B}" type="presParOf" srcId="{A310FBA2-D345-48B2-9C50-6F9A7CC9CF37}" destId="{6BF2D9D1-60DC-4FB4-B53B-73FFEB55642B}" srcOrd="0" destOrd="0" presId="urn:microsoft.com/office/officeart/2005/8/layout/bProcess2"/>
+    <dgm:cxn modelId="{F07D955F-0CAB-F74D-8ED8-15FD7B2AC0BC}" type="presParOf" srcId="{A310FBA2-D345-48B2-9C50-6F9A7CC9CF37}" destId="{791B5CF8-9F78-4678-8C14-FA07561B1837}" srcOrd="1" destOrd="0" presId="urn:microsoft.com/office/officeart/2005/8/layout/bProcess2"/>
+    <dgm:cxn modelId="{8577E044-3317-0E4A-AB7E-366019D8D6DE}" type="presParOf" srcId="{89D14C14-8A25-4289-A1D8-B9DFB4096B87}" destId="{0C1054DE-B31D-459C-873A-F1A165020916}" srcOrd="13" destOrd="0" presId="urn:microsoft.com/office/officeart/2005/8/layout/bProcess2"/>
+    <dgm:cxn modelId="{AFA8054C-B6C4-F748-B8EA-0A2B5B4EB1EA}" type="presParOf" srcId="{89D14C14-8A25-4289-A1D8-B9DFB4096B87}" destId="{D38DB263-9DA6-4816-8428-FE08E96901D7}" srcOrd="14" destOrd="0" presId="urn:microsoft.com/office/officeart/2005/8/layout/bProcess2"/>
+    <dgm:cxn modelId="{E506875D-E406-564D-8744-612F320A3635}" type="presParOf" srcId="{D38DB263-9DA6-4816-8428-FE08E96901D7}" destId="{BBC0E16C-0BCF-46E4-9B02-4AABFC9CE2A1}" srcOrd="0" destOrd="0" presId="urn:microsoft.com/office/officeart/2005/8/layout/bProcess2"/>
+    <dgm:cxn modelId="{FBF54C4E-493C-344C-A528-9CDDB823CABD}" type="presParOf" srcId="{D38DB263-9DA6-4816-8428-FE08E96901D7}" destId="{EDCD8B5B-BE70-4461-AEE4-F7F071ED14E4}" srcOrd="1" destOrd="0" presId="urn:microsoft.com/office/officeart/2005/8/layout/bProcess2"/>
+    <dgm:cxn modelId="{16810716-63DA-AB43-8C0F-849DDE674EE4}" type="presParOf" srcId="{89D14C14-8A25-4289-A1D8-B9DFB4096B87}" destId="{57639AB6-86F3-4219-B35D-C0408EEA4AF9}" srcOrd="15" destOrd="0" presId="urn:microsoft.com/office/officeart/2005/8/layout/bProcess2"/>
+    <dgm:cxn modelId="{5878AF1E-87DE-E04F-A9E7-491F173E50AC}" type="presParOf" srcId="{89D14C14-8A25-4289-A1D8-B9DFB4096B87}" destId="{466E6DB5-2F52-4DA2-A501-7CAA9F4B8278}" srcOrd="16" destOrd="0" presId="urn:microsoft.com/office/officeart/2005/8/layout/bProcess2"/>
+  </dgm:cxnLst>
+  <dgm:bg/>
+  <dgm:whole/>
+  <dgm:extLst>
+    <a:ext uri="http://schemas.microsoft.com/office/drawing/2008/diagram">
+      <dsp:dataModelExt xmlns:dsp="http://schemas.microsoft.com/office/drawing/2008/diagram" relId="rId6" minVer="http://schemas.openxmlformats.org/drawingml/2006/diagram"/>
+    </a:ext>
+  </dgm:extLst>
+</dgm:dataModel>
+</file>
+
+<file path=ppt/diagrams/drawing1.xml><?xml version="1.0" encoding="utf-8"?>
+<dsp:drawing xmlns:dgm="http://schemas.openxmlformats.org/drawingml/2006/diagram" xmlns:dsp="http://schemas.microsoft.com/office/drawing/2008/diagram" xmlns:a="http://schemas.openxmlformats.org/drawingml/2006/main">
+  <dsp:spTree>
+    <dsp:nvGrpSpPr>
+      <dsp:cNvPr id="0" name=""/>
+      <dsp:cNvGrpSpPr/>
+    </dsp:nvGrpSpPr>
+    <dsp:grpSpPr/>
+    <dsp:sp modelId="{9FB92C37-9D09-4FF0-B836-530BC24A6B36}">
+      <dsp:nvSpPr>
+        <dsp:cNvPr id="0" name=""/>
+        <dsp:cNvSpPr/>
+      </dsp:nvSpPr>
+      <dsp:spPr>
+        <a:xfrm>
+          <a:off x="1172" y="35528"/>
+          <a:ext cx="1371491" cy="1371491"/>
+        </a:xfrm>
+        <a:prstGeom prst="ellipse">
+          <a:avLst/>
+        </a:prstGeom>
+        <a:solidFill>
+          <a:schemeClr val="accent3">
+            <a:hueOff val="0"/>
+            <a:satOff val="0"/>
+            <a:lumOff val="0"/>
+            <a:alphaOff val="0"/>
+          </a:schemeClr>
+        </a:solidFill>
+        <a:ln w="15875" cap="flat" cmpd="sng" algn="ctr">
+          <a:solidFill>
+            <a:schemeClr val="lt1">
+              <a:hueOff val="0"/>
+              <a:satOff val="0"/>
+              <a:lumOff val="0"/>
+              <a:alphaOff val="0"/>
+            </a:schemeClr>
+          </a:solidFill>
+          <a:prstDash val="solid"/>
+        </a:ln>
+        <a:effectLst/>
+      </dsp:spPr>
+      <dsp:style>
+        <a:lnRef idx="2">
+          <a:scrgbClr r="0" g="0" b="0"/>
+        </a:lnRef>
+        <a:fillRef idx="1">
+          <a:scrgbClr r="0" g="0" b="0"/>
+        </a:fillRef>
+        <a:effectRef idx="0">
+          <a:scrgbClr r="0" g="0" b="0"/>
+        </a:effectRef>
+        <a:fontRef idx="minor">
+          <a:schemeClr val="lt1"/>
+        </a:fontRef>
+      </dsp:style>
+      <dsp:txBody>
+        <a:bodyPr spcFirstLastPara="0" vert="horz" wrap="square" lIns="24130" tIns="24130" rIns="24130" bIns="24130" numCol="1" spcCol="1270" anchor="ctr" anchorCtr="0">
+          <a:noAutofit/>
+        </a:bodyPr>
+        <a:lstStyle/>
+        <a:p>
+          <a:pPr lvl="0" algn="ctr" defTabSz="844550">
+            <a:lnSpc>
+              <a:spcPct val="90000"/>
+            </a:lnSpc>
+            <a:spcBef>
+              <a:spcPct val="0"/>
+            </a:spcBef>
+            <a:spcAft>
+              <a:spcPct val="35000"/>
+            </a:spcAft>
+          </a:pPr>
+          <a:r>
+            <a:rPr lang="en-US" sz="1900" kern="1200"/>
+            <a:t>Testing</a:t>
+          </a:r>
+        </a:p>
+      </dsp:txBody>
+      <dsp:txXfrm>
+        <a:off x="202022" y="236378"/>
+        <a:ext cx="969791" cy="969791"/>
+      </dsp:txXfrm>
+    </dsp:sp>
+    <dsp:sp modelId="{931E5082-09F5-4E19-8975-94D5368DF03D}">
+      <dsp:nvSpPr>
+        <dsp:cNvPr id="0" name=""/>
+        <dsp:cNvSpPr/>
+      </dsp:nvSpPr>
+      <dsp:spPr>
+        <a:xfrm rot="10800000">
+          <a:off x="446907" y="1584114"/>
+          <a:ext cx="480022" cy="375439"/>
+        </a:xfrm>
+        <a:prstGeom prst="triangle">
+          <a:avLst/>
+        </a:prstGeom>
+        <a:solidFill>
+          <a:schemeClr val="accent3">
+            <a:hueOff val="0"/>
+            <a:satOff val="0"/>
+            <a:lumOff val="0"/>
+            <a:alphaOff val="0"/>
+          </a:schemeClr>
+        </a:solidFill>
+        <a:ln>
+          <a:noFill/>
+        </a:ln>
+        <a:effectLst/>
+      </dsp:spPr>
+      <dsp:style>
+        <a:lnRef idx="0">
+          <a:scrgbClr r="0" g="0" b="0"/>
+        </a:lnRef>
+        <a:fillRef idx="1">
+          <a:scrgbClr r="0" g="0" b="0"/>
+        </a:fillRef>
+        <a:effectRef idx="0">
+          <a:scrgbClr r="0" g="0" b="0"/>
+        </a:effectRef>
+        <a:fontRef idx="minor">
+          <a:schemeClr val="lt1"/>
+        </a:fontRef>
+      </dsp:style>
+    </dsp:sp>
+    <dsp:sp modelId="{A8D88117-0259-4232-A01B-B57F38FBD23B}">
+      <dsp:nvSpPr>
+        <dsp:cNvPr id="0" name=""/>
+        <dsp:cNvSpPr/>
+      </dsp:nvSpPr>
+      <dsp:spPr>
+        <a:xfrm>
+          <a:off x="229525" y="2115395"/>
+          <a:ext cx="914785" cy="914785"/>
+        </a:xfrm>
+        <a:prstGeom prst="ellipse">
+          <a:avLst/>
+        </a:prstGeom>
+        <a:solidFill>
+          <a:schemeClr val="accent3">
+            <a:hueOff val="-266816"/>
+            <a:satOff val="-3363"/>
+            <a:lumOff val="2279"/>
+            <a:alphaOff val="0"/>
+          </a:schemeClr>
+        </a:solidFill>
+        <a:ln w="15875" cap="flat" cmpd="sng" algn="ctr">
+          <a:solidFill>
+            <a:schemeClr val="lt1">
+              <a:hueOff val="0"/>
+              <a:satOff val="0"/>
+              <a:lumOff val="0"/>
+              <a:alphaOff val="0"/>
+            </a:schemeClr>
+          </a:solidFill>
+          <a:prstDash val="solid"/>
+        </a:ln>
+        <a:effectLst/>
+      </dsp:spPr>
+      <dsp:style>
+        <a:lnRef idx="2">
+          <a:scrgbClr r="0" g="0" b="0"/>
+        </a:lnRef>
+        <a:fillRef idx="1">
+          <a:scrgbClr r="0" g="0" b="0"/>
+        </a:fillRef>
+        <a:effectRef idx="0">
+          <a:scrgbClr r="0" g="0" b="0"/>
+        </a:effectRef>
+        <a:fontRef idx="minor">
+          <a:schemeClr val="lt1"/>
+        </a:fontRef>
+      </dsp:style>
+      <dsp:txBody>
+        <a:bodyPr spcFirstLastPara="0" vert="horz" wrap="square" lIns="16510" tIns="16510" rIns="16510" bIns="16510" numCol="1" spcCol="1270" anchor="ctr" anchorCtr="0">
+          <a:noAutofit/>
+        </a:bodyPr>
+        <a:lstStyle/>
+        <a:p>
+          <a:pPr lvl="0" algn="ctr" defTabSz="577850">
+            <a:lnSpc>
+              <a:spcPct val="90000"/>
+            </a:lnSpc>
+            <a:spcBef>
+              <a:spcPct val="0"/>
+            </a:spcBef>
+            <a:spcAft>
+              <a:spcPct val="35000"/>
+            </a:spcAft>
+          </a:pPr>
+          <a:r>
+            <a:rPr lang="en-US" sz="1300" kern="1200"/>
+            <a:t>Verify</a:t>
+          </a:r>
+        </a:p>
+      </dsp:txBody>
+      <dsp:txXfrm>
+        <a:off x="363492" y="2249362"/>
+        <a:ext cx="646851" cy="646851"/>
+      </dsp:txXfrm>
+    </dsp:sp>
+    <dsp:sp modelId="{A0435E6B-A48F-4A1F-893E-9E4E854FD7C5}">
+      <dsp:nvSpPr>
+        <dsp:cNvPr id="0" name=""/>
+        <dsp:cNvSpPr/>
+      </dsp:nvSpPr>
+      <dsp:spPr>
+        <a:xfrm rot="5400000">
+          <a:off x="1486151" y="2385069"/>
+          <a:ext cx="480022" cy="375439"/>
+        </a:xfrm>
+        <a:prstGeom prst="triangle">
+          <a:avLst/>
+        </a:prstGeom>
+        <a:solidFill>
+          <a:schemeClr val="accent3">
+            <a:hueOff val="-304932"/>
+            <a:satOff val="-3843"/>
+            <a:lumOff val="2605"/>
+            <a:alphaOff val="0"/>
+          </a:schemeClr>
+        </a:solidFill>
+        <a:ln>
+          <a:noFill/>
+        </a:ln>
+        <a:effectLst/>
+      </dsp:spPr>
+      <dsp:style>
+        <a:lnRef idx="0">
+          <a:scrgbClr r="0" g="0" b="0"/>
+        </a:lnRef>
+        <a:fillRef idx="1">
+          <a:scrgbClr r="0" g="0" b="0"/>
+        </a:fillRef>
+        <a:effectRef idx="0">
+          <a:scrgbClr r="0" g="0" b="0"/>
+        </a:effectRef>
+        <a:fontRef idx="minor">
+          <a:schemeClr val="lt1"/>
+        </a:fontRef>
+      </dsp:style>
+    </dsp:sp>
+    <dsp:sp modelId="{620454A0-9B42-444D-9D17-047F5D66CF5A}">
+      <dsp:nvSpPr>
+        <dsp:cNvPr id="0" name=""/>
+        <dsp:cNvSpPr/>
+      </dsp:nvSpPr>
+      <dsp:spPr>
+        <a:xfrm>
+          <a:off x="2286763" y="2115395"/>
+          <a:ext cx="914785" cy="914785"/>
+        </a:xfrm>
+        <a:prstGeom prst="ellipse">
+          <a:avLst/>
+        </a:prstGeom>
+        <a:solidFill>
+          <a:schemeClr val="accent3">
+            <a:hueOff val="-533632"/>
+            <a:satOff val="-6726"/>
+            <a:lumOff val="4558"/>
+            <a:alphaOff val="0"/>
+          </a:schemeClr>
+        </a:solidFill>
+        <a:ln w="15875" cap="flat" cmpd="sng" algn="ctr">
+          <a:solidFill>
+            <a:schemeClr val="lt1">
+              <a:hueOff val="0"/>
+              <a:satOff val="0"/>
+              <a:lumOff val="0"/>
+              <a:alphaOff val="0"/>
+            </a:schemeClr>
+          </a:solidFill>
+          <a:prstDash val="solid"/>
+        </a:ln>
+        <a:effectLst/>
+      </dsp:spPr>
+      <dsp:style>
+        <a:lnRef idx="2">
+          <a:scrgbClr r="0" g="0" b="0"/>
+        </a:lnRef>
+        <a:fillRef idx="1">
+          <a:scrgbClr r="0" g="0" b="0"/>
+        </a:fillRef>
+        <a:effectRef idx="0">
+          <a:scrgbClr r="0" g="0" b="0"/>
+        </a:effectRef>
+        <a:fontRef idx="minor">
+          <a:schemeClr val="lt1"/>
+        </a:fontRef>
+      </dsp:style>
+      <dsp:txBody>
+        <a:bodyPr spcFirstLastPara="0" vert="horz" wrap="square" lIns="16510" tIns="16510" rIns="16510" bIns="16510" numCol="1" spcCol="1270" anchor="ctr" anchorCtr="0">
+          <a:noAutofit/>
+        </a:bodyPr>
+        <a:lstStyle/>
+        <a:p>
+          <a:pPr lvl="0" algn="ctr" defTabSz="577850">
+            <a:lnSpc>
+              <a:spcPct val="90000"/>
+            </a:lnSpc>
+            <a:spcBef>
+              <a:spcPct val="0"/>
+            </a:spcBef>
+            <a:spcAft>
+              <a:spcPct val="35000"/>
+            </a:spcAft>
+          </a:pPr>
+          <a:r>
+            <a:rPr lang="en-US" sz="1300" kern="1200"/>
+            <a:t>Design</a:t>
+          </a:r>
+        </a:p>
+      </dsp:txBody>
+      <dsp:txXfrm>
+        <a:off x="2420730" y="2249362"/>
+        <a:ext cx="646851" cy="646851"/>
+      </dsp:txXfrm>
+    </dsp:sp>
+    <dsp:sp modelId="{F59C4571-B642-4713-91F3-0472F1941672}">
+      <dsp:nvSpPr>
+        <dsp:cNvPr id="0" name=""/>
+        <dsp:cNvSpPr/>
+      </dsp:nvSpPr>
+      <dsp:spPr>
+        <a:xfrm>
+          <a:off x="2504145" y="1448686"/>
+          <a:ext cx="480022" cy="375439"/>
+        </a:xfrm>
+        <a:prstGeom prst="triangle">
+          <a:avLst/>
+        </a:prstGeom>
+        <a:solidFill>
+          <a:schemeClr val="accent3">
+            <a:hueOff val="-609865"/>
+            <a:satOff val="-7686"/>
+            <a:lumOff val="5210"/>
+            <a:alphaOff val="0"/>
+          </a:schemeClr>
+        </a:solidFill>
+        <a:ln>
+          <a:noFill/>
+        </a:ln>
+        <a:effectLst/>
+      </dsp:spPr>
+      <dsp:style>
+        <a:lnRef idx="0">
+          <a:scrgbClr r="0" g="0" b="0"/>
+        </a:lnRef>
+        <a:fillRef idx="1">
+          <a:scrgbClr r="0" g="0" b="0"/>
+        </a:fillRef>
+        <a:effectRef idx="0">
+          <a:scrgbClr r="0" g="0" b="0"/>
+        </a:effectRef>
+        <a:fontRef idx="minor">
+          <a:schemeClr val="lt1"/>
+        </a:fontRef>
+      </dsp:style>
+    </dsp:sp>
+    <dsp:sp modelId="{C17981C4-2931-49EA-9166-9B7A193D55B5}">
+      <dsp:nvSpPr>
+        <dsp:cNvPr id="0" name=""/>
+        <dsp:cNvSpPr/>
+      </dsp:nvSpPr>
+      <dsp:spPr>
+        <a:xfrm>
+          <a:off x="2286763" y="263881"/>
+          <a:ext cx="914785" cy="914785"/>
+        </a:xfrm>
+        <a:prstGeom prst="ellipse">
+          <a:avLst/>
+        </a:prstGeom>
+        <a:solidFill>
+          <a:schemeClr val="accent3">
+            <a:hueOff val="-800448"/>
+            <a:satOff val="-10088"/>
+            <a:lumOff val="6838"/>
+            <a:alphaOff val="0"/>
+          </a:schemeClr>
+        </a:solidFill>
+        <a:ln w="15875" cap="flat" cmpd="sng" algn="ctr">
+          <a:solidFill>
+            <a:schemeClr val="lt1">
+              <a:hueOff val="0"/>
+              <a:satOff val="0"/>
+              <a:lumOff val="0"/>
+              <a:alphaOff val="0"/>
+            </a:schemeClr>
+          </a:solidFill>
+          <a:prstDash val="solid"/>
+        </a:ln>
+        <a:effectLst/>
+      </dsp:spPr>
+      <dsp:style>
+        <a:lnRef idx="2">
+          <a:scrgbClr r="0" g="0" b="0"/>
+        </a:lnRef>
+        <a:fillRef idx="1">
+          <a:scrgbClr r="0" g="0" b="0"/>
+        </a:fillRef>
+        <a:effectRef idx="0">
+          <a:scrgbClr r="0" g="0" b="0"/>
+        </a:effectRef>
+        <a:fontRef idx="minor">
+          <a:schemeClr val="lt1"/>
+        </a:fontRef>
+      </dsp:style>
+      <dsp:txBody>
+        <a:bodyPr spcFirstLastPara="0" vert="horz" wrap="square" lIns="16510" tIns="16510" rIns="16510" bIns="16510" numCol="1" spcCol="1270" anchor="ctr" anchorCtr="0">
+          <a:noAutofit/>
+        </a:bodyPr>
+        <a:lstStyle/>
+        <a:p>
+          <a:pPr lvl="0" algn="ctr" defTabSz="577850">
+            <a:lnSpc>
+              <a:spcPct val="90000"/>
+            </a:lnSpc>
+            <a:spcBef>
+              <a:spcPct val="0"/>
+            </a:spcBef>
+            <a:spcAft>
+              <a:spcPct val="35000"/>
+            </a:spcAft>
+          </a:pPr>
+          <a:r>
+            <a:rPr lang="en-US" sz="1300" kern="1200"/>
+            <a:t>Coding</a:t>
+          </a:r>
+        </a:p>
+      </dsp:txBody>
+      <dsp:txXfrm>
+        <a:off x="2420730" y="397848"/>
+        <a:ext cx="646851" cy="646851"/>
+      </dsp:txXfrm>
+    </dsp:sp>
+    <dsp:sp modelId="{BBCF3DDC-01FC-4613-BD66-C4233ADE262F}">
+      <dsp:nvSpPr>
+        <dsp:cNvPr id="0" name=""/>
+        <dsp:cNvSpPr/>
+      </dsp:nvSpPr>
+      <dsp:spPr>
+        <a:xfrm rot="5400000">
+          <a:off x="3543389" y="533554"/>
+          <a:ext cx="480022" cy="375439"/>
+        </a:xfrm>
+        <a:prstGeom prst="triangle">
+          <a:avLst/>
+        </a:prstGeom>
+        <a:solidFill>
+          <a:schemeClr val="accent3">
+            <a:hueOff val="-914797"/>
+            <a:satOff val="-11529"/>
+            <a:lumOff val="7815"/>
+            <a:alphaOff val="0"/>
+          </a:schemeClr>
+        </a:solidFill>
+        <a:ln>
+          <a:noFill/>
+        </a:ln>
+        <a:effectLst/>
+      </dsp:spPr>
+      <dsp:style>
+        <a:lnRef idx="0">
+          <a:scrgbClr r="0" g="0" b="0"/>
+        </a:lnRef>
+        <a:fillRef idx="1">
+          <a:scrgbClr r="0" g="0" b="0"/>
+        </a:fillRef>
+        <a:effectRef idx="0">
+          <a:scrgbClr r="0" g="0" b="0"/>
+        </a:effectRef>
+        <a:fontRef idx="minor">
+          <a:schemeClr val="lt1"/>
+        </a:fontRef>
+      </dsp:style>
+    </dsp:sp>
+    <dsp:sp modelId="{0FD4E278-0366-48E3-A293-E17BA8637E85}">
+      <dsp:nvSpPr>
+        <dsp:cNvPr id="0" name=""/>
+        <dsp:cNvSpPr/>
+      </dsp:nvSpPr>
+      <dsp:spPr>
+        <a:xfrm>
+          <a:off x="4344001" y="263881"/>
+          <a:ext cx="914785" cy="914785"/>
+        </a:xfrm>
+        <a:prstGeom prst="ellipse">
+          <a:avLst/>
+        </a:prstGeom>
+        <a:solidFill>
+          <a:schemeClr val="accent3">
+            <a:hueOff val="-1067264"/>
+            <a:satOff val="-13451"/>
+            <a:lumOff val="9117"/>
+            <a:alphaOff val="0"/>
+          </a:schemeClr>
+        </a:solidFill>
+        <a:ln w="15875" cap="flat" cmpd="sng" algn="ctr">
+          <a:solidFill>
+            <a:schemeClr val="lt1">
+              <a:hueOff val="0"/>
+              <a:satOff val="0"/>
+              <a:lumOff val="0"/>
+              <a:alphaOff val="0"/>
+            </a:schemeClr>
+          </a:solidFill>
+          <a:prstDash val="solid"/>
+        </a:ln>
+        <a:effectLst/>
+      </dsp:spPr>
+      <dsp:style>
+        <a:lnRef idx="2">
+          <a:scrgbClr r="0" g="0" b="0"/>
+        </a:lnRef>
+        <a:fillRef idx="1">
+          <a:scrgbClr r="0" g="0" b="0"/>
+        </a:fillRef>
+        <a:effectRef idx="0">
+          <a:scrgbClr r="0" g="0" b="0"/>
+        </a:effectRef>
+        <a:fontRef idx="minor">
+          <a:schemeClr val="lt1"/>
+        </a:fontRef>
+      </dsp:style>
+      <dsp:txBody>
+        <a:bodyPr spcFirstLastPara="0" vert="horz" wrap="square" lIns="16510" tIns="16510" rIns="16510" bIns="16510" numCol="1" spcCol="1270" anchor="ctr" anchorCtr="0">
+          <a:noAutofit/>
+        </a:bodyPr>
+        <a:lstStyle/>
+        <a:p>
+          <a:pPr lvl="0" algn="ctr" defTabSz="577850">
+            <a:lnSpc>
+              <a:spcPct val="90000"/>
+            </a:lnSpc>
+            <a:spcBef>
+              <a:spcPct val="0"/>
+            </a:spcBef>
+            <a:spcAft>
+              <a:spcPct val="35000"/>
+            </a:spcAft>
+          </a:pPr>
+          <a:r>
+            <a:rPr lang="en-US" sz="1300" kern="1200"/>
+            <a:t>Design</a:t>
+          </a:r>
+        </a:p>
+      </dsp:txBody>
+      <dsp:txXfrm>
+        <a:off x="4477968" y="397848"/>
+        <a:ext cx="646851" cy="646851"/>
+      </dsp:txXfrm>
+    </dsp:sp>
+    <dsp:sp modelId="{710D6B5F-5E82-4340-BBE5-0AA0E788716C}">
+      <dsp:nvSpPr>
+        <dsp:cNvPr id="0" name=""/>
+        <dsp:cNvSpPr/>
+      </dsp:nvSpPr>
+      <dsp:spPr>
+        <a:xfrm rot="10800000">
+          <a:off x="4561382" y="1469937"/>
+          <a:ext cx="480022" cy="375439"/>
+        </a:xfrm>
+        <a:prstGeom prst="triangle">
+          <a:avLst/>
+        </a:prstGeom>
+        <a:solidFill>
+          <a:schemeClr val="accent3">
+            <a:hueOff val="-1219730"/>
+            <a:satOff val="-15373"/>
+            <a:lumOff val="10419"/>
+            <a:alphaOff val="0"/>
+          </a:schemeClr>
+        </a:solidFill>
+        <a:ln>
+          <a:noFill/>
+        </a:ln>
+        <a:effectLst/>
+      </dsp:spPr>
+      <dsp:style>
+        <a:lnRef idx="0">
+          <a:scrgbClr r="0" g="0" b="0"/>
+        </a:lnRef>
+        <a:fillRef idx="1">
+          <a:scrgbClr r="0" g="0" b="0"/>
+        </a:fillRef>
+        <a:effectRef idx="0">
+          <a:scrgbClr r="0" g="0" b="0"/>
+        </a:effectRef>
+        <a:fontRef idx="minor">
+          <a:schemeClr val="lt1"/>
+        </a:fontRef>
+      </dsp:style>
+    </dsp:sp>
+    <dsp:sp modelId="{595A69B3-7DEC-445A-BB49-E05B5AEACA5E}">
+      <dsp:nvSpPr>
+        <dsp:cNvPr id="0" name=""/>
+        <dsp:cNvSpPr/>
+      </dsp:nvSpPr>
+      <dsp:spPr>
+        <a:xfrm>
+          <a:off x="4344001" y="2115395"/>
+          <a:ext cx="914785" cy="914785"/>
+        </a:xfrm>
+        <a:prstGeom prst="ellipse">
+          <a:avLst/>
+        </a:prstGeom>
+        <a:solidFill>
+          <a:schemeClr val="accent3">
+            <a:hueOff val="-1334080"/>
+            <a:satOff val="-16814"/>
+            <a:lumOff val="11396"/>
+            <a:alphaOff val="0"/>
+          </a:schemeClr>
+        </a:solidFill>
+        <a:ln w="15875" cap="flat" cmpd="sng" algn="ctr">
+          <a:solidFill>
+            <a:schemeClr val="lt1">
+              <a:hueOff val="0"/>
+              <a:satOff val="0"/>
+              <a:lumOff val="0"/>
+              <a:alphaOff val="0"/>
+            </a:schemeClr>
+          </a:solidFill>
+          <a:prstDash val="solid"/>
+        </a:ln>
+        <a:effectLst/>
+      </dsp:spPr>
+      <dsp:style>
+        <a:lnRef idx="2">
+          <a:scrgbClr r="0" g="0" b="0"/>
+        </a:lnRef>
+        <a:fillRef idx="1">
+          <a:scrgbClr r="0" g="0" b="0"/>
+        </a:fillRef>
+        <a:effectRef idx="0">
+          <a:scrgbClr r="0" g="0" b="0"/>
+        </a:effectRef>
+        <a:fontRef idx="minor">
+          <a:schemeClr val="lt1"/>
+        </a:fontRef>
+      </dsp:style>
+      <dsp:txBody>
+        <a:bodyPr spcFirstLastPara="0" vert="horz" wrap="square" lIns="16510" tIns="16510" rIns="16510" bIns="16510" numCol="1" spcCol="1270" anchor="ctr" anchorCtr="0">
+          <a:noAutofit/>
+        </a:bodyPr>
+        <a:lstStyle/>
+        <a:p>
+          <a:pPr lvl="0" algn="ctr" defTabSz="577850">
+            <a:lnSpc>
+              <a:spcPct val="90000"/>
+            </a:lnSpc>
+            <a:spcBef>
+              <a:spcPct val="0"/>
+            </a:spcBef>
+            <a:spcAft>
+              <a:spcPct val="35000"/>
+            </a:spcAft>
+          </a:pPr>
+          <a:r>
+            <a:rPr lang="en-US" sz="1300" kern="1200"/>
+            <a:t>Testing</a:t>
+          </a:r>
+        </a:p>
+      </dsp:txBody>
+      <dsp:txXfrm>
+        <a:off x="4477968" y="2249362"/>
+        <a:ext cx="646851" cy="646851"/>
+      </dsp:txXfrm>
+    </dsp:sp>
+    <dsp:sp modelId="{E57260CD-9724-4750-991C-FA1914DDE925}">
+      <dsp:nvSpPr>
+        <dsp:cNvPr id="0" name=""/>
+        <dsp:cNvSpPr/>
+      </dsp:nvSpPr>
+      <dsp:spPr>
+        <a:xfrm rot="5400000">
+          <a:off x="5600627" y="2385069"/>
+          <a:ext cx="480022" cy="375439"/>
+        </a:xfrm>
+        <a:prstGeom prst="triangle">
+          <a:avLst/>
+        </a:prstGeom>
+        <a:solidFill>
+          <a:schemeClr val="accent3">
+            <a:hueOff val="-1524662"/>
+            <a:satOff val="-19216"/>
+            <a:lumOff val="13024"/>
+            <a:alphaOff val="0"/>
+          </a:schemeClr>
+        </a:solidFill>
+        <a:ln>
+          <a:noFill/>
+        </a:ln>
+        <a:effectLst/>
+      </dsp:spPr>
+      <dsp:style>
+        <a:lnRef idx="0">
+          <a:scrgbClr r="0" g="0" b="0"/>
+        </a:lnRef>
+        <a:fillRef idx="1">
+          <a:scrgbClr r="0" g="0" b="0"/>
+        </a:fillRef>
+        <a:effectRef idx="0">
+          <a:scrgbClr r="0" g="0" b="0"/>
+        </a:effectRef>
+        <a:fontRef idx="minor">
+          <a:schemeClr val="lt1"/>
+        </a:fontRef>
+      </dsp:style>
+    </dsp:sp>
+    <dsp:sp modelId="{791B5CF8-9F78-4678-8C14-FA07561B1837}">
+      <dsp:nvSpPr>
+        <dsp:cNvPr id="0" name=""/>
+        <dsp:cNvSpPr/>
+      </dsp:nvSpPr>
+      <dsp:spPr>
+        <a:xfrm>
+          <a:off x="6401239" y="2115395"/>
+          <a:ext cx="914785" cy="914785"/>
+        </a:xfrm>
+        <a:prstGeom prst="ellipse">
+          <a:avLst/>
+        </a:prstGeom>
+        <a:solidFill>
+          <a:schemeClr val="accent3">
+            <a:hueOff val="-1600895"/>
+            <a:satOff val="-20177"/>
+            <a:lumOff val="13675"/>
+            <a:alphaOff val="0"/>
+          </a:schemeClr>
+        </a:solidFill>
+        <a:ln w="15875" cap="flat" cmpd="sng" algn="ctr">
+          <a:solidFill>
+            <a:schemeClr val="lt1">
+              <a:hueOff val="0"/>
+              <a:satOff val="0"/>
+              <a:lumOff val="0"/>
+              <a:alphaOff val="0"/>
+            </a:schemeClr>
+          </a:solidFill>
+          <a:prstDash val="solid"/>
+        </a:ln>
+        <a:effectLst/>
+      </dsp:spPr>
+      <dsp:style>
+        <a:lnRef idx="2">
+          <a:scrgbClr r="0" g="0" b="0"/>
+        </a:lnRef>
+        <a:fillRef idx="1">
+          <a:scrgbClr r="0" g="0" b="0"/>
+        </a:fillRef>
+        <a:effectRef idx="0">
+          <a:scrgbClr r="0" g="0" b="0"/>
+        </a:effectRef>
+        <a:fontRef idx="minor">
+          <a:schemeClr val="lt1"/>
+        </a:fontRef>
+      </dsp:style>
+      <dsp:txBody>
+        <a:bodyPr spcFirstLastPara="0" vert="horz" wrap="square" lIns="16510" tIns="16510" rIns="16510" bIns="16510" numCol="1" spcCol="1270" anchor="ctr" anchorCtr="0">
+          <a:noAutofit/>
+        </a:bodyPr>
+        <a:lstStyle/>
+        <a:p>
+          <a:pPr lvl="0" algn="ctr" defTabSz="577850">
+            <a:lnSpc>
+              <a:spcPct val="90000"/>
+            </a:lnSpc>
+            <a:spcBef>
+              <a:spcPct val="0"/>
+            </a:spcBef>
+            <a:spcAft>
+              <a:spcPct val="35000"/>
+            </a:spcAft>
+          </a:pPr>
+          <a:r>
+            <a:rPr lang="en-US" sz="1300" kern="1200"/>
+            <a:t>Verify</a:t>
+          </a:r>
+        </a:p>
+      </dsp:txBody>
+      <dsp:txXfrm>
+        <a:off x="6535206" y="2249362"/>
+        <a:ext cx="646851" cy="646851"/>
+      </dsp:txXfrm>
+    </dsp:sp>
+    <dsp:sp modelId="{0C1054DE-B31D-459C-873A-F1A165020916}">
+      <dsp:nvSpPr>
+        <dsp:cNvPr id="0" name=""/>
+        <dsp:cNvSpPr/>
+      </dsp:nvSpPr>
+      <dsp:spPr>
+        <a:xfrm>
+          <a:off x="6618620" y="1448686"/>
+          <a:ext cx="480022" cy="375439"/>
+        </a:xfrm>
+        <a:prstGeom prst="triangle">
+          <a:avLst/>
+        </a:prstGeom>
+        <a:solidFill>
+          <a:schemeClr val="accent3">
+            <a:hueOff val="-1829595"/>
+            <a:satOff val="-23059"/>
+            <a:lumOff val="15629"/>
+            <a:alphaOff val="0"/>
+          </a:schemeClr>
+        </a:solidFill>
+        <a:ln>
+          <a:noFill/>
+        </a:ln>
+        <a:effectLst/>
+      </dsp:spPr>
+      <dsp:style>
+        <a:lnRef idx="0">
+          <a:scrgbClr r="0" g="0" b="0"/>
+        </a:lnRef>
+        <a:fillRef idx="1">
+          <a:scrgbClr r="0" g="0" b="0"/>
+        </a:fillRef>
+        <a:effectRef idx="0">
+          <a:scrgbClr r="0" g="0" b="0"/>
+        </a:effectRef>
+        <a:fontRef idx="minor">
+          <a:schemeClr val="lt1"/>
+        </a:fontRef>
+      </dsp:style>
+    </dsp:sp>
+    <dsp:sp modelId="{EDCD8B5B-BE70-4461-AEE4-F7F071ED14E4}">
+      <dsp:nvSpPr>
+        <dsp:cNvPr id="0" name=""/>
+        <dsp:cNvSpPr/>
+      </dsp:nvSpPr>
+      <dsp:spPr>
+        <a:xfrm>
+          <a:off x="6401239" y="263881"/>
+          <a:ext cx="914785" cy="914785"/>
+        </a:xfrm>
+        <a:prstGeom prst="ellipse">
+          <a:avLst/>
+        </a:prstGeom>
+        <a:solidFill>
+          <a:schemeClr val="accent3">
+            <a:hueOff val="-1867711"/>
+            <a:satOff val="-23539"/>
+            <a:lumOff val="15955"/>
+            <a:alphaOff val="0"/>
+          </a:schemeClr>
+        </a:solidFill>
+        <a:ln w="15875" cap="flat" cmpd="sng" algn="ctr">
+          <a:solidFill>
+            <a:schemeClr val="lt1">
+              <a:hueOff val="0"/>
+              <a:satOff val="0"/>
+              <a:lumOff val="0"/>
+              <a:alphaOff val="0"/>
+            </a:schemeClr>
+          </a:solidFill>
+          <a:prstDash val="solid"/>
+        </a:ln>
+        <a:effectLst/>
+      </dsp:spPr>
+      <dsp:style>
+        <a:lnRef idx="2">
+          <a:scrgbClr r="0" g="0" b="0"/>
+        </a:lnRef>
+        <a:fillRef idx="1">
+          <a:scrgbClr r="0" g="0" b="0"/>
+        </a:fillRef>
+        <a:effectRef idx="0">
+          <a:scrgbClr r="0" g="0" b="0"/>
+        </a:effectRef>
+        <a:fontRef idx="minor">
+          <a:schemeClr val="lt1"/>
+        </a:fontRef>
+      </dsp:style>
+      <dsp:txBody>
+        <a:bodyPr spcFirstLastPara="0" vert="horz" wrap="square" lIns="16510" tIns="16510" rIns="16510" bIns="16510" numCol="1" spcCol="1270" anchor="ctr" anchorCtr="0">
+          <a:noAutofit/>
+        </a:bodyPr>
+        <a:lstStyle/>
+        <a:p>
+          <a:pPr lvl="0" algn="ctr" defTabSz="577850">
+            <a:lnSpc>
+              <a:spcPct val="90000"/>
+            </a:lnSpc>
+            <a:spcBef>
+              <a:spcPct val="0"/>
+            </a:spcBef>
+            <a:spcAft>
+              <a:spcPct val="35000"/>
+            </a:spcAft>
+          </a:pPr>
+          <a:r>
+            <a:rPr lang="en-US" sz="1300" kern="1200"/>
+            <a:t>Design</a:t>
+          </a:r>
+        </a:p>
+      </dsp:txBody>
+      <dsp:txXfrm>
+        <a:off x="6535206" y="397848"/>
+        <a:ext cx="646851" cy="646851"/>
+      </dsp:txXfrm>
+    </dsp:sp>
+    <dsp:sp modelId="{57639AB6-86F3-4219-B35D-C0408EEA4AF9}">
+      <dsp:nvSpPr>
+        <dsp:cNvPr id="0" name=""/>
+        <dsp:cNvSpPr/>
+      </dsp:nvSpPr>
+      <dsp:spPr>
+        <a:xfrm rot="5400000">
+          <a:off x="7543688" y="533554"/>
+          <a:ext cx="480022" cy="375439"/>
+        </a:xfrm>
+        <a:prstGeom prst="triangle">
+          <a:avLst/>
+        </a:prstGeom>
+        <a:solidFill>
+          <a:schemeClr val="accent3">
+            <a:hueOff val="-2134527"/>
+            <a:satOff val="-26902"/>
+            <a:lumOff val="18234"/>
+            <a:alphaOff val="0"/>
+          </a:schemeClr>
+        </a:solidFill>
+        <a:ln>
+          <a:noFill/>
+        </a:ln>
+        <a:effectLst/>
+      </dsp:spPr>
+      <dsp:style>
+        <a:lnRef idx="0">
+          <a:scrgbClr r="0" g="0" b="0"/>
+        </a:lnRef>
+        <a:fillRef idx="1">
+          <a:scrgbClr r="0" g="0" b="0"/>
+        </a:fillRef>
+        <a:effectRef idx="0">
+          <a:scrgbClr r="0" g="0" b="0"/>
+        </a:effectRef>
+        <a:fontRef idx="minor">
+          <a:schemeClr val="lt1"/>
+        </a:fontRef>
+      </dsp:style>
+    </dsp:sp>
+    <dsp:sp modelId="{466E6DB5-2F52-4DA2-A501-7CAA9F4B8278}">
+      <dsp:nvSpPr>
+        <dsp:cNvPr id="0" name=""/>
+        <dsp:cNvSpPr/>
+      </dsp:nvSpPr>
+      <dsp:spPr>
+        <a:xfrm>
+          <a:off x="8230123" y="35528"/>
+          <a:ext cx="1371491" cy="1371491"/>
+        </a:xfrm>
+        <a:prstGeom prst="ellipse">
+          <a:avLst/>
+        </a:prstGeom>
+        <a:solidFill>
+          <a:schemeClr val="accent3">
+            <a:hueOff val="-2134527"/>
+            <a:satOff val="-26902"/>
+            <a:lumOff val="18234"/>
+            <a:alphaOff val="0"/>
+          </a:schemeClr>
+        </a:solidFill>
+        <a:ln w="15875" cap="flat" cmpd="sng" algn="ctr">
+          <a:solidFill>
+            <a:schemeClr val="lt1">
+              <a:hueOff val="0"/>
+              <a:satOff val="0"/>
+              <a:lumOff val="0"/>
+              <a:alphaOff val="0"/>
+            </a:schemeClr>
+          </a:solidFill>
+          <a:prstDash val="solid"/>
+        </a:ln>
+        <a:effectLst/>
+      </dsp:spPr>
+      <dsp:style>
+        <a:lnRef idx="2">
+          <a:scrgbClr r="0" g="0" b="0"/>
+        </a:lnRef>
+        <a:fillRef idx="1">
+          <a:scrgbClr r="0" g="0" b="0"/>
+        </a:fillRef>
+        <a:effectRef idx="0">
+          <a:scrgbClr r="0" g="0" b="0"/>
+        </a:effectRef>
+        <a:fontRef idx="minor">
+          <a:schemeClr val="lt1"/>
+        </a:fontRef>
+      </dsp:style>
+      <dsp:txBody>
+        <a:bodyPr spcFirstLastPara="0" vert="horz" wrap="square" lIns="24130" tIns="24130" rIns="24130" bIns="24130" numCol="1" spcCol="1270" anchor="ctr" anchorCtr="0">
+          <a:noAutofit/>
+        </a:bodyPr>
+        <a:lstStyle/>
+        <a:p>
+          <a:pPr lvl="0" algn="ctr" defTabSz="844550">
+            <a:lnSpc>
+              <a:spcPct val="90000"/>
+            </a:lnSpc>
+            <a:spcBef>
+              <a:spcPct val="0"/>
+            </a:spcBef>
+            <a:spcAft>
+              <a:spcPct val="35000"/>
+            </a:spcAft>
+          </a:pPr>
+          <a:r>
+            <a:rPr lang="en-US" sz="1900" kern="1200"/>
+            <a:t>Coding</a:t>
+          </a:r>
+        </a:p>
+      </dsp:txBody>
+      <dsp:txXfrm>
+        <a:off x="8430973" y="236378"/>
+        <a:ext cx="969791" cy="969791"/>
+      </dsp:txXfrm>
+    </dsp:sp>
+  </dsp:spTree>
+</dsp:drawing>
+</file>
+
+<file path=ppt/diagrams/layout1.xml><?xml version="1.0" encoding="utf-8"?>
+<dgm:layoutDef xmlns:dgm="http://schemas.openxmlformats.org/drawingml/2006/diagram" xmlns:a="http://schemas.openxmlformats.org/drawingml/2006/main" uniqueId="urn:microsoft.com/office/officeart/2005/8/layout/bProcess2">
+  <dgm:title val=""/>
+  <dgm:desc val=""/>
+  <dgm:catLst>
+    <dgm:cat type="process" pri="24000"/>
+  </dgm:catLst>
+  <dgm:sampData>
+    <dgm:dataModel>
+      <dgm:ptLst>
+        <dgm:pt modelId="0" type="doc"/>
+        <dgm:pt modelId="1">
+          <dgm:prSet phldr="1"/>
+        </dgm:pt>
+        <dgm:pt modelId="2">
+          <dgm:prSet phldr="1"/>
+        </dgm:pt>
+        <dgm:pt modelId="3">
+          <dgm:prSet phldr="1"/>
+        </dgm:pt>
+        <dgm:pt modelId="4">
+          <dgm:prSet phldr="1"/>
+        </dgm:pt>
+        <dgm:pt modelId="5">
+          <dgm:prSet phldr="1"/>
+        </dgm:pt>
+        <dgm:pt modelId="6">
+          <dgm:prSet phldr="1"/>
+        </dgm:pt>
+        <dgm:pt modelId="7">
+          <dgm:prSet phldr="1"/>
+        </dgm:pt>
+        <dgm:pt modelId="8">
+          <dgm:prSet phldr="1"/>
+        </dgm:pt>
+        <dgm:pt modelId="9">
+          <dgm:prSet phldr="1"/>
+        </dgm:pt>
+      </dgm:ptLst>
+      <dgm:cxnLst>
+        <dgm:cxn modelId="10" srcId="0" destId="1" srcOrd="0" destOrd="0"/>
+        <dgm:cxn modelId="11" srcId="0" destId="2" srcOrd="1" destOrd="0"/>
+        <dgm:cxn modelId="12" srcId="0" destId="3" srcOrd="2" destOrd="0"/>
+        <dgm:cxn modelId="13" srcId="0" destId="4" srcOrd="3" destOrd="0"/>
+        <dgm:cxn modelId="14" srcId="0" destId="5" srcOrd="4" destOrd="0"/>
+        <dgm:cxn modelId="15" srcId="0" destId="6" srcOrd="5" destOrd="0"/>
+        <dgm:cxn modelId="16" srcId="0" destId="7" srcOrd="6" destOrd="0"/>
+        <dgm:cxn modelId="17" srcId="0" destId="8" srcOrd="7" destOrd="0"/>
+        <dgm:cxn modelId="18" srcId="0" destId="9" srcOrd="8" destOrd="0"/>
+      </dgm:cxnLst>
+      <dgm:bg/>
+      <dgm:whole/>
+    </dgm:dataModel>
+  </dgm:sampData>
+  <dgm:styleData>
+    <dgm:dataModel>
+      <dgm:ptLst>
+        <dgm:pt modelId="0" type="doc"/>
+        <dgm:pt modelId="1"/>
+        <dgm:pt modelId="2"/>
+      </dgm:ptLst>
+      <dgm:cxnLst>
+        <dgm:cxn modelId="3" srcId="0" destId="1" srcOrd="0" destOrd="0"/>
+        <dgm:cxn modelId="4" srcId="0" destId="2" srcOrd="1" destOrd="0"/>
+      </dgm:cxnLst>
+      <dgm:bg/>
+      <dgm:whole/>
+    </dgm:dataModel>
+  </dgm:styleData>
+  <dgm:clrData>
+    <dgm:dataModel>
+      <dgm:ptLst>
+        <dgm:pt modelId="0" type="doc"/>
+        <dgm:pt modelId="1"/>
+        <dgm:pt modelId="2"/>
+        <dgm:pt modelId="3"/>
+        <dgm:pt modelId="4"/>
+        <dgm:pt modelId="5"/>
+        <dgm:pt modelId="6"/>
+      </dgm:ptLst>
+      <dgm:cxnLst>
+        <dgm:cxn modelId="7" srcId="0" destId="1" srcOrd="0" destOrd="0"/>
+        <dgm:cxn modelId="8" srcId="0" destId="2" srcOrd="1" destOrd="0"/>
+        <dgm:cxn modelId="9" srcId="0" destId="3" srcOrd="2" destOrd="0"/>
+        <dgm:cxn modelId="10" srcId="0" destId="4" srcOrd="3" destOrd="0"/>
+        <dgm:cxn modelId="11" srcId="0" destId="5" srcOrd="4" destOrd="0"/>
+        <dgm:cxn modelId="12" srcId="0" destId="6" srcOrd="5" destOrd="0"/>
+      </dgm:cxnLst>
+      <dgm:bg/>
+      <dgm:whole/>
+    </dgm:dataModel>
+  </dgm:clrData>
+  <dgm:layoutNode name="diagram">
+    <dgm:varLst>
+      <dgm:dir/>
+      <dgm:resizeHandles/>
+    </dgm:varLst>
+    <dgm:choose name="Name0">
+      <dgm:if name="Name1" func="var" arg="dir" op="equ" val="norm">
+        <dgm:alg type="snake">
+          <dgm:param type="grDir" val="tL"/>
+          <dgm:param type="flowDir" val="col"/>
+          <dgm:param type="contDir" val="revDir"/>
+        </dgm:alg>
+      </dgm:if>
+      <dgm:else name="Name2">
+        <dgm:alg type="snake">
+          <dgm:param type="grDir" val="tR"/>
+          <dgm:param type="flowDir" val="col"/>
+          <dgm:param type="contDir" val="revDir"/>
+        </dgm:alg>
+      </dgm:else>
+    </dgm:choose>
+    <dgm:shape xmlns:r="http://schemas.openxmlformats.org/officeDocument/2006/relationships" r:blip="">
+      <dgm:adjLst/>
+    </dgm:shape>
+    <dgm:presOf/>
+    <dgm:constrLst>
+      <dgm:constr type="w" for="ch" forName="firstNode" refType="w"/>
+      <dgm:constr type="w" for="ch" forName="lastNode" refType="w" refFor="ch" refForName="firstNode" op="equ"/>
+      <dgm:constr type="w" for="ch" forName="middleNode" refType="w" refFor="ch" refForName="firstNode" op="equ"/>
+      <dgm:constr type="h" for="ch" ptType="sibTrans" refType="w" refFor="ch" refForName="middleNode" op="equ" fact="0.35"/>
+      <dgm:constr type="sp" refType="w" refFor="ch" refForName="middleNode" fact="0.5"/>
+      <dgm:constr type="connDist" for="des" ptType="sibTrans" op="equ"/>
+      <dgm:constr type="primFontSz" for="ch" forName="firstNode" val="65"/>
+      <dgm:constr type="primFontSz" for="ch" forName="lastNode" refType="primFontSz" refFor="ch" refForName="firstNode" op="equ"/>
+      <dgm:constr type="primFontSz" for="des" forName="shape" val="65"/>
+      <dgm:constr type="primFontSz" for="des" forName="shape" refType="primFontSz" refFor="ch" refForName="firstNode" op="lte"/>
+      <dgm:constr type="primFontSz" for="des" forName="shape" refType="primFontSz" refFor="ch" refForName="lastNode" op="lte"/>
+    </dgm:constrLst>
+    <dgm:ruleLst/>
+    <dgm:forEach name="Name3" axis="ch" ptType="node">
+      <dgm:choose name="Name4">
+        <dgm:if name="Name5" axis="self" ptType="node" func="pos" op="equ" val="1">
+          <dgm:layoutNode name="firstNode">
+            <dgm:varLst>
+              <dgm:bulletEnabled val="1"/>
+            </dgm:varLst>
+            <dgm:alg type="tx">
+              <dgm:param type="txAnchorVertCh" val="mid"/>
+            </dgm:alg>
+            <dgm:shape xmlns:r="http://schemas.openxmlformats.org/officeDocument/2006/relationships" type="ellipse" r:blip="">
+              <dgm:adjLst/>
+            </dgm:shape>
+            <dgm:presOf axis="desOrSelf" ptType="node"/>
+            <dgm:constrLst>
+              <dgm:constr type="h" refType="w"/>
+              <dgm:constr type="tMarg" refType="primFontSz" fact="0.1"/>
+              <dgm:constr type="bMarg" refType="primFontSz" fact="0.1"/>
+              <dgm:constr type="lMarg" refType="primFontSz" fact="0.1"/>
+              <dgm:constr type="rMarg" refType="primFontSz" fact="0.1"/>
+            </dgm:constrLst>
+            <dgm:ruleLst>
+              <dgm:rule type="primFontSz" val="5" fact="NaN" max="NaN"/>
+            </dgm:ruleLst>
+          </dgm:layoutNode>
+        </dgm:if>
+        <dgm:if name="Name6" axis="self" ptType="node" func="revPos" op="equ" val="1">
+          <dgm:layoutNode name="lastNode">
+            <dgm:varLst>
+              <dgm:bulletEnabled val="1"/>
+            </dgm:varLst>
+            <dgm:alg type="tx">
+              <dgm:param type="txAnchorVertCh" val="mid"/>
+            </dgm:alg>
+            <dgm:shape xmlns:r="http://schemas.openxmlformats.org/officeDocument/2006/relationships" type="ellipse" r:blip="">
+              <dgm:adjLst/>
+            </dgm:shape>
+            <dgm:presOf axis="desOrSelf" ptType="node"/>
+            <dgm:constrLst>
+              <dgm:constr type="h" refType="w"/>
+              <dgm:constr type="tMarg" refType="primFontSz" fact="0.1"/>
+              <dgm:constr type="bMarg" refType="primFontSz" fact="0.1"/>
+              <dgm:constr type="lMarg" refType="primFontSz" fact="0.1"/>
+              <dgm:constr type="rMarg" refType="primFontSz" fact="0.1"/>
+            </dgm:constrLst>
+            <dgm:ruleLst>
+              <dgm:rule type="primFontSz" val="5" fact="NaN" max="NaN"/>
+            </dgm:ruleLst>
+          </dgm:layoutNode>
+        </dgm:if>
+        <dgm:else name="Name7">
+          <dgm:layoutNode name="middleNode">
+            <dgm:alg type="composite"/>
+            <dgm:shape xmlns:r="http://schemas.openxmlformats.org/officeDocument/2006/relationships" r:blip="">
+              <dgm:adjLst/>
+            </dgm:shape>
+            <dgm:presOf/>
+            <dgm:constrLst>
+              <dgm:constr type="h" refType="w"/>
+              <dgm:constr type="w" for="ch" forName="padding" refType="w"/>
+              <dgm:constr type="h" for="ch" forName="padding" refType="h"/>
+              <dgm:constr type="w" for="ch" forName="shape" refType="w" fact="0.667"/>
+              <dgm:constr type="h" for="ch" forName="shape" refType="h" fact="0.667"/>
+              <dgm:constr type="ctrX" for="ch" forName="shape" refType="w" fact="0.5"/>
+              <dgm:constr type="ctrY" for="ch" forName="shape" refType="h" fact="0.5"/>
+            </dgm:constrLst>
+            <dgm:ruleLst/>
+            <dgm:layoutNode name="padding">
+              <dgm:alg type="sp"/>
+              <dgm:shape xmlns:r="http://schemas.openxmlformats.org/officeDocument/2006/relationships" type="ellipse" r:blip="" hideGeom="1">
+                <dgm:adjLst/>
+              </dgm:shape>
+              <dgm:presOf/>
+              <dgm:constrLst/>
+              <dgm:ruleLst/>
+            </dgm:layoutNode>
+            <dgm:layoutNode name="shape">
+              <dgm:varLst>
+                <dgm:bulletEnabled val="1"/>
+              </dgm:varLst>
+              <dgm:alg type="tx">
+                <dgm:param type="txAnchorVertCh" val="mid"/>
+              </dgm:alg>
+              <dgm:shape xmlns:r="http://schemas.openxmlformats.org/officeDocument/2006/relationships" type="ellipse" r:blip="">
+                <dgm:adjLst/>
+              </dgm:shape>
+              <dgm:presOf axis="desOrSelf" ptType="node"/>
+              <dgm:constrLst>
+                <dgm:constr type="h" refType="w"/>
+                <dgm:constr type="tMarg" refType="primFontSz" fact="0.1"/>
+                <dgm:constr type="bMarg" refType="primFontSz" fact="0.1"/>
+                <dgm:constr type="lMarg" refType="primFontSz" fact="0.1"/>
+                <dgm:constr type="rMarg" refType="primFontSz" fact="0.1"/>
+              </dgm:constrLst>
+              <dgm:ruleLst>
+                <dgm:rule type="primFontSz" val="5" fact="NaN" max="NaN"/>
+              </dgm:ruleLst>
+            </dgm:layoutNode>
+          </dgm:layoutNode>
+        </dgm:else>
+      </dgm:choose>
+      <dgm:forEach name="Name8" axis="followSib" ptType="sibTrans" cnt="1">
+        <dgm:layoutNode name="sibTrans">
+          <dgm:choose name="Name9">
+            <dgm:if name="Name10" func="var" arg="dir" op="equ" val="norm">
+              <dgm:choose name="Name11">
+                <dgm:if name="Name12" axis="self" ptType="sibTrans" func="pos" op="equ" val="1">
+                  <dgm:alg type="conn">
+                    <dgm:param type="begPts" val="auto"/>
+                    <dgm:param type="endPts" val="auto"/>
+                    <dgm:param type="srcNode" val="firstNode"/>
+                    <dgm:param type="dstNode" val="shape"/>
+                  </dgm:alg>
+                </dgm:if>
+                <dgm:if name="Name13" axis="self" ptType="sibTrans" func="revPos" op="equ" val="1">
+                  <dgm:alg type="conn">
+                    <dgm:param type="begPts" val="auto"/>
+                    <dgm:param type="endPts" val="auto"/>
+                    <dgm:param type="srcNode" val="shape"/>
+                    <dgm:param type="dstNode" val="lastNode"/>
+                  </dgm:alg>
+                </dgm:if>
+                <dgm:else name="Name14">
+                  <dgm:alg type="conn">
+                    <dgm:param type="begPts" val="auto"/>
+                    <dgm:param type="endPts" val="auto"/>
+                    <dgm:param type="srcNode" val="shape"/>
+                    <dgm:param type="dstNode" val="shape"/>
+                  </dgm:alg>
+                </dgm:else>
+              </dgm:choose>
+            </dgm:if>
+            <dgm:else name="Name15">
+              <dgm:choose name="Name16">
+                <dgm:if name="Name17" axis="self" ptType="sibTrans" func="pos" op="equ" val="1">
+                  <dgm:alg type="conn">
+                    <dgm:param type="begPts" val="auto"/>
+                    <dgm:param type="endPts" val="auto"/>
+                    <dgm:param type="srcNode" val="firstNode"/>
+                    <dgm:param type="dstNode" val="shape"/>
+                  </dgm:alg>
+                </dgm:if>
+                <dgm:if name="Name18" axis="self" ptType="sibTrans" func="revPos" op="equ" val="1">
+                  <dgm:alg type="conn">
+                    <dgm:param type="begPts" val="auto"/>
+                    <dgm:param type="endPts" val="auto"/>
+                    <dgm:param type="srcNode" val="shape"/>
+                    <dgm:param type="dstNode" val="lastNode"/>
+                  </dgm:alg>
+                </dgm:if>
+                <dgm:else name="Name19">
+                  <dgm:alg type="conn">
+                    <dgm:param type="begPts" val="auto"/>
+                    <dgm:param type="endPts" val="auto"/>
+                    <dgm:param type="srcNode" val="shape"/>
+                    <dgm:param type="dstNode" val="shape"/>
+                  </dgm:alg>
+                </dgm:else>
+              </dgm:choose>
+            </dgm:else>
+          </dgm:choose>
+          <dgm:shape xmlns:r="http://schemas.openxmlformats.org/officeDocument/2006/relationships" rot="90" type="triangle" r:blip="">
+            <dgm:adjLst/>
+          </dgm:shape>
+          <dgm:presOf axis="self"/>
+          <dgm:constrLst>
+            <dgm:constr type="w" refType="h"/>
+            <dgm:constr type="connDist"/>
+            <dgm:constr type="begPad" refType="connDist" fact="0.25"/>
+            <dgm:constr type="endPad" refType="connDist" fact="0.22"/>
+          </dgm:constrLst>
+          <dgm:ruleLst/>
+        </dgm:layoutNode>
+      </dgm:forEach>
+    </dgm:forEach>
+  </dgm:layoutNode>
+</dgm:layoutDef>
+</file>
+
+<file path=ppt/diagrams/quickStyle1.xml><?xml version="1.0" encoding="utf-8"?>
+<dgm:styleDef xmlns:dgm="http://schemas.openxmlformats.org/drawingml/2006/diagram" xmlns:a="http://schemas.openxmlformats.org/drawingml/2006/main" uniqueId="urn:microsoft.com/office/officeart/2005/8/quickstyle/simple1">
+  <dgm:title val=""/>
+  <dgm:desc val=""/>
+  <dgm:catLst>
+    <dgm:cat type="simple" pri="10100"/>
+  </dgm:catLst>
+  <dgm:scene3d>
+    <a:camera prst="orthographicFront"/>
+    <a:lightRig rig="threePt" dir="t"/>
+  </dgm:scene3d>
+  <dgm:styleLbl name="node0">
+    <dgm:scene3d>
+      <a:camera prst="orthographicFront"/>
+      <a:lightRig rig="threePt" dir="t"/>
+    </dgm:scene3d>
+    <dgm:sp3d/>
+    <dgm:txPr/>
+    <dgm:style>
+      <a:lnRef idx="2">
+        <a:scrgbClr r="0" g="0" b="0"/>
+      </a:lnRef>
+      <a:fillRef idx="1">
+        <a:scrgbClr r="0" g="0" b="0"/>
+      </a:fillRef>
+      <a:effectRef idx="0">
+        <a:scrgbClr r="0" g="0" b="0"/>
+      </a:effectRef>
+      <a:fontRef idx="minor">
+        <a:schemeClr val="lt1"/>
+      </a:fontRef>
+    </dgm:style>
+  </dgm:styleLbl>
+  <dgm:styleLbl name="lnNode1">
+    <dgm:scene3d>
+      <a:camera prst="orthographicFront"/>
+      <a:lightRig rig="threePt" dir="t"/>
+    </dgm:scene3d>
+    <dgm:sp3d/>
+    <dgm:txPr/>
+    <dgm:style>
+      <a:lnRef idx="2">
+        <a:scrgbClr r="0" g="0" b="0"/>
+      </a:lnRef>
+      <a:fillRef idx="1">
+        <a:scrgbClr r="0" g="0" b="0"/>
+      </a:fillRef>
+      <a:effectRef idx="0">
+        <a:scrgbClr r="0" g="0" b="0"/>
+      </a:effectRef>
+      <a:fontRef idx="minor">
+        <a:schemeClr val="lt1"/>
+      </a:fontRef>
+    </dgm:style>
+  </dgm:styleLbl>
+  <dgm:styleLbl name="vennNode1">
+    <dgm:scene3d>
+      <a:camera prst="orthographicFront"/>
+      <a:lightRig rig="threePt" dir="t"/>
+    </dgm:scene3d>
+    <dgm:sp3d/>
+    <dgm:txPr/>
+    <dgm:style>
+      <a:lnRef idx="2">
+        <a:scrgbClr r="0" g="0" b="0"/>
+      </a:lnRef>
+      <a:fillRef idx="1">
+        <a:scrgbClr r="0" g="0" b="0"/>
+      </a:fillRef>
+      <a:effectRef idx="0">
+        <a:scrgbClr r="0" g="0" b="0"/>
+      </a:effectRef>
+      <a:fontRef idx="minor">
+        <a:schemeClr val="tx1"/>
+      </a:fontRef>
+    </dgm:style>
+  </dgm:styleLbl>
+  <dgm:styleLbl name="alignNode1">
+    <dgm:scene3d>
+      <a:camera prst="orthographicFront"/>
+      <a:lightRig rig="threePt" dir="t"/>
+    </dgm:scene3d>
+    <dgm:sp3d/>
+    <dgm:txPr/>
+    <dgm:style>
+      <a:lnRef idx="2">
+        <a:scrgbClr r="0" g="0" b="0"/>
+      </a:lnRef>
+      <a:fillRef idx="1">
+        <a:scrgbClr r="0" g="0" b="0"/>
+      </a:fillRef>
+      <a:effectRef idx="0">
+        <a:scrgbClr r="0" g="0" b="0"/>
+      </a:effectRef>
+      <a:fontRef idx="minor">
+        <a:schemeClr val="lt1"/>
+      </a:fontRef>
+    </dgm:style>
+  </dgm:styleLbl>
+  <dgm:styleLbl name="node1">
+    <dgm:scene3d>
+      <a:camera prst="orthographicFront"/>
+      <a:lightRig rig="threePt" dir="t"/>
+    </dgm:scene3d>
+    <dgm:sp3d/>
+    <dgm:txPr/>
+    <dgm:style>
+      <a:lnRef idx="2">
+        <a:scrgbClr r="0" g="0" b="0"/>
+      </a:lnRef>
+      <a:fillRef idx="1">
+        <a:scrgbClr r="0" g="0" b="0"/>
+      </a:fillRef>
+      <a:effectRef idx="0">
+        <a:scrgbClr r="0" g="0" b="0"/>
+      </a:effectRef>
+      <a:fontRef idx="minor">
+        <a:schemeClr val="lt1"/>
+      </a:fontRef>
+    </dgm:style>
+  </dgm:styleLbl>
+  <dgm:styleLbl name="node2">
+    <dgm:scene3d>
+      <a:camera prst="orthographicFront"/>
+      <a:lightRig rig="threePt" dir="t"/>
+    </dgm:scene3d>
+    <dgm:sp3d/>
+    <dgm:txPr/>
+    <dgm:style>
+      <a:lnRef idx="2">
+        <a:scrgbClr r="0" g="0" b="0"/>
+      </a:lnRef>
+      <a:fillRef idx="1">
+        <a:scrgbClr r="0" g="0" b="0"/>
+      </a:fillRef>
+      <a:effectRef idx="0">
+        <a:scrgbClr r="0" g="0" b="0"/>
+      </a:effectRef>
+      <a:fontRef idx="minor">
+        <a:schemeClr val="lt1"/>
+      </a:fontRef>
+    </dgm:style>
+  </dgm:styleLbl>
+  <dgm:styleLbl name="node3">
+    <dgm:scene3d>
+      <a:camera prst="orthographicFront"/>
+      <a:lightRig rig="threePt" dir="t"/>
+    </dgm:scene3d>
+    <dgm:sp3d/>
+    <dgm:txPr/>
+    <dgm:style>
+      <a:lnRef idx="2">
+        <a:scrgbClr r="0" g="0" b="0"/>
+      </a:lnRef>
+      <a:fillRef idx="1">
+        <a:scrgbClr r="0" g="0" b="0"/>
+      </a:fillRef>
+      <a:effectRef idx="0">
+        <a:scrgbClr r="0" g="0" b="0"/>
+      </a:effectRef>
+      <a:fontRef idx="minor">
+        <a:schemeClr val="lt1"/>
+      </a:fontRef>
+    </dgm:style>
+  </dgm:styleLbl>
+  <dgm:styleLbl name="node4">
+    <dgm:scene3d>
+      <a:camera prst="orthographicFront"/>
+      <a:lightRig rig="threePt" dir="t"/>
+    </dgm:scene3d>
+    <dgm:sp3d/>
+    <dgm:txPr/>
+    <dgm:style>
+      <a:lnRef idx="2">
+        <a:scrgbClr r="0" g="0" b="0"/>
+      </a:lnRef>
+      <a:fillRef idx="1">
+        <a:scrgbClr r="0" g="0" b="0"/>
+      </a:fillRef>
+      <a:effectRef idx="0">
+        <a:scrgbClr r="0" g="0" b="0"/>
+      </a:effectRef>
+      <a:fontRef idx="minor">
+        <a:schemeClr val="lt1"/>
+      </a:fontRef>
+    </dgm:style>
+  </dgm:styleLbl>
+  <dgm:styleLbl name="fgImgPlace1">
+    <dgm:scene3d>
+      <a:camera prst="orthographicFront"/>
+      <a:lightRig rig="threePt" dir="t"/>
+    </dgm:scene3d>
+    <dgm:sp3d/>
+    <dgm:txPr/>
+    <dgm:style>
+      <a:lnRef idx="2">
+        <a:scrgbClr r="0" g="0" b="0"/>
+      </a:lnRef>
+      <a:fillRef idx="1">
+        <a:scrgbClr r="0" g="0" b="0"/>
+      </a:fillRef>
+      <a:effectRef idx="0">
+        <a:scrgbClr r="0" g="0" b="0"/>
+      </a:effectRef>
+      <a:fontRef idx="minor"/>
+    </dgm:style>
+  </dgm:styleLbl>
+  <dgm:styleLbl name="alignImgPlace1">
+    <dgm:scene3d>
+      <a:camera prst="orthographicFront"/>
+      <a:lightRig rig="threePt" dir="t"/>
+    </dgm:scene3d>
+    <dgm:sp3d/>
+    <dgm:txPr/>
+    <dgm:style>
+      <a:lnRef idx="2">
+        <a:scrgbClr r="0" g="0" b="0"/>
+      </a:lnRef>
+      <a:fillRef idx="1">
+        <a:scrgbClr r="0" g="0" b="0"/>
+      </a:fillRef>
+      <a:effectRef idx="0">
+        <a:scrgbClr r="0" g="0" b="0"/>
+      </a:effectRef>
+      <a:fontRef idx="minor"/>
+    </dgm:style>
+  </dgm:styleLbl>
+  <dgm:styleLbl name="bgImgPlace1">
+    <dgm:scene3d>
+      <a:camera prst="orthographicFront"/>
+      <a:lightRig rig="threePt" dir="t"/>
+    </dgm:scene3d>
+    <dgm:sp3d/>
+    <dgm:txPr/>
+    <dgm:style>
+      <a:lnRef idx="2">
+        <a:scrgbClr r="0" g="0" b="0"/>
+      </a:lnRef>
+      <a:fillRef idx="1">
+        <a:scrgbClr r="0" g="0" b="0"/>
+      </a:fillRef>
+      <a:effectRef idx="0">
+        <a:scrgbClr r="0" g="0" b="0"/>
+      </a:effectRef>
+      <a:fontRef idx="minor"/>
+    </dgm:style>
+  </dgm:styleLbl>
+  <dgm:styleLbl name="sibTrans2D1">
+    <dgm:scene3d>
+      <a:camera prst="orthographicFront"/>
+      <a:lightRig rig="threePt" dir="t"/>
+    </dgm:scene3d>
+    <dgm:sp3d/>
+    <dgm:txPr/>
+    <dgm:style>
+      <a:lnRef idx="0">
+        <a:scrgbClr r="0" g="0" b="0"/>
+      </a:lnRef>
+      <a:fillRef idx="1">
+        <a:scrgbClr r="0" g="0" b="0"/>
+      </a:fillRef>
+      <a:effectRef idx="0">
+        <a:scrgbClr r="0" g="0" b="0"/>
+      </a:effectRef>
+      <a:fontRef idx="minor">
+        <a:schemeClr val="lt1"/>
+      </a:fontRef>
+    </dgm:style>
+  </dgm:styleLbl>
+  <dgm:styleLbl name="fgSibTrans2D1">
+    <dgm:scene3d>
+      <a:camera prst="orthographicFront"/>
+      <a:lightRig rig="threePt" dir="t"/>
+    </dgm:scene3d>
+    <dgm:sp3d/>
+    <dgm:txPr/>
+    <dgm:style>
+      <a:lnRef idx="0">
+        <a:scrgbClr r="0" g="0" b="0"/>
+      </a:lnRef>
+      <a:fillRef idx="1">
+        <a:scrgbClr r="0" g="0" b="0"/>
+      </a:fillRef>
+      <a:effectRef idx="0">
+        <a:scrgbClr r="0" g="0" b="0"/>
+      </a:effectRef>
+      <a:fontRef idx="minor">
+        <a:schemeClr val="lt1"/>
+      </a:fontRef>
+    </dgm:style>
+  </dgm:styleLbl>
+  <dgm:styleLbl name="bgSibTrans2D1">
+    <dgm:scene3d>
+      <a:camera prst="orthographicFront"/>
+      <a:lightRig rig="threePt" dir="t"/>
+    </dgm:scene3d>
+    <dgm:sp3d/>
+    <dgm:txPr/>
+    <dgm:style>
+      <a:lnRef idx="0">
+        <a:scrgbClr r="0" g="0" b="0"/>
+      </a:lnRef>
+      <a:fillRef idx="1">
+        <a:scrgbClr r="0" g="0" b="0"/>
+      </a:fillRef>
+      <a:effectRef idx="0">
+        <a:scrgbClr r="0" g="0" b="0"/>
+      </a:effectRef>
+      <a:fontRef idx="minor">
+        <a:schemeClr val="lt1"/>
+      </a:fontRef>
+    </dgm:style>
+  </dgm:styleLbl>
+  <dgm:styleLbl name="sibTrans1D1">
+    <dgm:scene3d>
+      <a:camera prst="orthographicFront"/>
+      <a:lightRig rig="threePt" dir="t"/>
+    </dgm:scene3d>
+    <dgm:sp3d/>
+    <dgm:txPr/>
+    <dgm:style>
+      <a:lnRef idx="1">
+        <a:scrgbClr r="0" g="0" b="0"/>
+      </a:lnRef>
+      <a:fillRef idx="0">
+        <a:scrgbClr r="0" g="0" b="0"/>
+      </a:fillRef>
+      <a:effectRef idx="0">
+        <a:scrgbClr r="0" g="0" b="0"/>
+      </a:effectRef>
+      <a:fontRef idx="minor"/>
+    </dgm:style>
+  </dgm:styleLbl>
+  <dgm:styleLbl name="callout">
+    <dgm:scene3d>
+      <a:camera prst="orthographicFront"/>
+      <a:lightRig rig="threePt" dir="t"/>
+    </dgm:scene3d>
+    <dgm:sp3d/>
+    <dgm:txPr/>
+    <dgm:style>
+      <a:lnRef idx="2">
+        <a:scrgbClr r="0" g="0" b="0"/>
+      </a:lnRef>
+      <a:fillRef idx="1">
+        <a:scrgbClr r="0" g="0" b="0"/>
+      </a:fillRef>
+      <a:effectRef idx="0">
+        <a:scrgbClr r="0" g="0" b="0"/>
+      </a:effectRef>
+      <a:fontRef idx="minor"/>
+    </dgm:style>
+  </dgm:styleLbl>
+  <dgm:styleLbl name="asst0">
+    <dgm:scene3d>
+      <a:camera prst="orthographicFront"/>
+      <a:lightRig rig="threePt" dir="t"/>
+    </dgm:scene3d>
+    <dgm:sp3d/>
+    <dgm:txPr/>
+    <dgm:style>
+      <a:lnRef idx="2">
+        <a:scrgbClr r="0" g="0" b="0"/>
+      </a:lnRef>
+      <a:fillRef idx="1">
+        <a:scrgbClr r="0" g="0" b="0"/>
+      </a:fillRef>
+      <a:effectRef idx="0">
+        <a:scrgbClr r="0" g="0" b="0"/>
+      </a:effectRef>
+      <a:fontRef idx="minor">
+        <a:schemeClr val="lt1"/>
+      </a:fontRef>
+    </dgm:style>
+  </dgm:styleLbl>
+  <dgm:styleLbl name="asst1">
+    <dgm:scene3d>
+      <a:camera prst="orthographicFront"/>
+      <a:lightRig rig="threePt" dir="t"/>
+    </dgm:scene3d>
+    <dgm:sp3d/>
+    <dgm:txPr/>
+    <dgm:style>
+      <a:lnRef idx="2">
+        <a:scrgbClr r="0" g="0" b="0"/>
+      </a:lnRef>
+      <a:fillRef idx="1">
+        <a:scrgbClr r="0" g="0" b="0"/>
+      </a:fillRef>
+      <a:effectRef idx="0">
+        <a:scrgbClr r="0" g="0" b="0"/>
+      </a:effectRef>
+      <a:fontRef idx="minor">
+        <a:schemeClr val="lt1"/>
+      </a:fontRef>
+    </dgm:style>
+  </dgm:styleLbl>
+  <dgm:styleLbl name="asst2">
+    <dgm:scene3d>
+      <a:camera prst="orthographicFront"/>
+      <a:lightRig rig="threePt" dir="t"/>
+    </dgm:scene3d>
+    <dgm:sp3d/>
+    <dgm:txPr/>
+    <dgm:style>
+      <a:lnRef idx="2">
+        <a:scrgbClr r="0" g="0" b="0"/>
+      </a:lnRef>
+      <a:fillRef idx="1">
+        <a:scrgbClr r="0" g="0" b="0"/>
+      </a:fillRef>
+      <a:effectRef idx="0">
+        <a:scrgbClr r="0" g="0" b="0"/>
+      </a:effectRef>
+      <a:fontRef idx="minor">
+        <a:schemeClr val="lt1"/>
+      </a:fontRef>
+    </dgm:style>
+  </dgm:styleLbl>
+  <dgm:styleLbl name="asst3">
+    <dgm:scene3d>
+      <a:camera prst="orthographicFront"/>
+      <a:lightRig rig="threePt" dir="t"/>
+    </dgm:scene3d>
+    <dgm:sp3d/>
+    <dgm:txPr/>
+    <dgm:style>
+      <a:lnRef idx="2">
+        <a:scrgbClr r="0" g="0" b="0"/>
+      </a:lnRef>
+      <a:fillRef idx="1">
+        <a:scrgbClr r="0" g="0" b="0"/>
+      </a:fillRef>
+      <a:effectRef idx="0">
+        <a:scrgbClr r="0" g="0" b="0"/>
+      </a:effectRef>
+      <a:fontRef idx="minor">
+        <a:schemeClr val="lt1"/>
+      </a:fontRef>
+    </dgm:style>
+  </dgm:styleLbl>
+  <dgm:styleLbl name="asst4">
+    <dgm:scene3d>
+      <a:camera prst="orthographicFront"/>
+      <a:lightRig rig="threePt" dir="t"/>
+    </dgm:scene3d>
+    <dgm:sp3d/>
+    <dgm:txPr/>
+    <dgm:style>
+      <a:lnRef idx="2">
+        <a:scrgbClr r="0" g="0" b="0"/>
+      </a:lnRef>
+      <a:fillRef idx="1">
+        <a:scrgbClr r="0" g="0" b="0"/>
+      </a:fillRef>
+      <a:effectRef idx="0">
+        <a:scrgbClr r="0" g="0" b="0"/>
+      </a:effectRef>
+      <a:fontRef idx="minor">
+        <a:schemeClr val="lt1"/>
+      </a:fontRef>
+    </dgm:style>
+  </dgm:styleLbl>
+  <dgm:styleLbl name="parChTrans2D1">
+    <dgm:scene3d>
+      <a:camera prst="orthographicFront"/>
+      <a:lightRig rig="threePt" dir="t"/>
+    </dgm:scene3d>
+    <dgm:sp3d/>
+    <dgm:txPr/>
+    <dgm:style>
+      <a:lnRef idx="2">
+        <a:scrgbClr r="0" g="0" b="0"/>
+      </a:lnRef>
+      <a:fillRef idx="1">
+        <a:scrgbClr r="0" g="0" b="0"/>
+      </a:fillRef>
+      <a:effectRef idx="0">
+        <a:scrgbClr r="0" g="0" b="0"/>
+      </a:effectRef>
+      <a:fontRef idx="minor">
+        <a:schemeClr val="lt1"/>
+      </a:fontRef>
+    </dgm:style>
+  </dgm:styleLbl>
+  <dgm:styleLbl name="parChTrans2D2">
+    <dgm:scene3d>
+      <a:camera prst="orthographicFront"/>
+      <a:lightRig rig="threePt" dir="t"/>
+    </dgm:scene3d>
+    <dgm:sp3d/>
+    <dgm:txPr/>
+    <dgm:style>
+      <a:lnRef idx="2">
+        <a:scrgbClr r="0" g="0" b="0"/>
+      </a:lnRef>
+      <a:fillRef idx="1">
+        <a:scrgbClr r="0" g="0" b="0"/>
+      </a:fillRef>
+      <a:effectRef idx="0">
+        <a:scrgbClr r="0" g="0" b="0"/>
+      </a:effectRef>
+      <a:fontRef idx="minor">
+        <a:schemeClr val="lt1"/>
+      </a:fontRef>
+    </dgm:style>
+  </dgm:styleLbl>
+  <dgm:styleLbl name="parChTrans2D3">
+    <dgm:scene3d>
+      <a:camera prst="orthographicFront"/>
+      <a:lightRig rig="threePt" dir="t"/>
+    </dgm:scene3d>
+    <dgm:sp3d/>
+    <dgm:txPr/>
+    <dgm:style>
+      <a:lnRef idx="2">
+        <a:scrgbClr r="0" g="0" b="0"/>
+      </a:lnRef>
+      <a:fillRef idx="1">
+        <a:scrgbClr r="0" g="0" b="0"/>
+      </a:fillRef>
+      <a:effectRef idx="0">
+        <a:scrgbClr r="0" g="0" b="0"/>
+      </a:effectRef>
+      <a:fontRef idx="minor">
+        <a:schemeClr val="lt1"/>
+      </a:fontRef>
+    </dgm:style>
+  </dgm:styleLbl>
+  <dgm:styleLbl name="parChTrans2D4">
+    <dgm:scene3d>
+      <a:camera prst="orthographicFront"/>
+      <a:lightRig rig="threePt" dir="t"/>
+    </dgm:scene3d>
+    <dgm:sp3d/>
+    <dgm:txPr/>
+    <dgm:style>
+      <a:lnRef idx="2">
+        <a:scrgbClr r="0" g="0" b="0"/>
+      </a:lnRef>
+      <a:fillRef idx="1">
+        <a:scrgbClr r="0" g="0" b="0"/>
+      </a:fillRef>
+      <a:effectRef idx="0">
+        <a:scrgbClr r="0" g="0" b="0"/>
+      </a:effectRef>
+      <a:fontRef idx="minor">
+        <a:schemeClr val="lt1"/>
+      </a:fontRef>
+    </dgm:style>
+  </dgm:styleLbl>
+  <dgm:styleLbl name="parChTrans1D1">
+    <dgm:scene3d>
+      <a:camera prst="orthographicFront"/>
+      <a:lightRig rig="threePt" dir="t"/>
+    </dgm:scene3d>
+    <dgm:sp3d/>
+    <dgm:txPr/>
+    <dgm:style>
+      <a:lnRef idx="2">
+        <a:scrgbClr r="0" g="0" b="0"/>
+      </a:lnRef>
+      <a:fillRef idx="0">
+        <a:scrgbClr r="0" g="0" b="0"/>
+      </a:fillRef>
+      <a:effectRef idx="0">
+        <a:scrgbClr r="0" g="0" b="0"/>
+      </a:effectRef>
+      <a:fontRef idx="minor"/>
+    </dgm:style>
+  </dgm:styleLbl>
+  <dgm:styleLbl name="parChTrans1D2">
+    <dgm:scene3d>
+      <a:camera prst="orthographicFront"/>
+      <a:lightRig rig="threePt" dir="t"/>
+    </dgm:scene3d>
+    <dgm:sp3d/>
+    <dgm:txPr/>
+    <dgm:style>
+      <a:lnRef idx="2">
+        <a:scrgbClr r="0" g="0" b="0"/>
+      </a:lnRef>
+      <a:fillRef idx="0">
+        <a:scrgbClr r="0" g="0" b="0"/>
+      </a:fillRef>
+      <a:effectRef idx="0">
+        <a:scrgbClr r="0" g="0" b="0"/>
+      </a:effectRef>
+      <a:fontRef idx="minor"/>
+    </dgm:style>
+  </dgm:styleLbl>
+  <dgm:styleLbl name="parChTrans1D3">
+    <dgm:scene3d>
+      <a:camera prst="orthographicFront"/>
+      <a:lightRig rig="threePt" dir="t"/>
+    </dgm:scene3d>
+    <dgm:sp3d/>
+    <dgm:txPr/>
+    <dgm:style>
+      <a:lnRef idx="2">
+        <a:scrgbClr r="0" g="0" b="0"/>
+      </a:lnRef>
+      <a:fillRef idx="0">
+        <a:scrgbClr r="0" g="0" b="0"/>
+      </a:fillRef>
+      <a:effectRef idx="0">
+        <a:scrgbClr r="0" g="0" b="0"/>
+      </a:effectRef>
+      <a:fontRef idx="minor"/>
+    </dgm:style>
+  </dgm:styleLbl>
+  <dgm:styleLbl name="parChTrans1D4">
+    <dgm:scene3d>
+      <a:camera prst="orthographicFront"/>
+      <a:lightRig rig="threePt" dir="t"/>
+    </dgm:scene3d>
+    <dgm:sp3d/>
+    <dgm:txPr/>
+    <dgm:style>
+      <a:lnRef idx="2">
+        <a:scrgbClr r="0" g="0" b="0"/>
+      </a:lnRef>
+      <a:fillRef idx="0">
+        <a:scrgbClr r="0" g="0" b="0"/>
+      </a:fillRef>
+      <a:effectRef idx="0">
+        <a:scrgbClr r="0" g="0" b="0"/>
+      </a:effectRef>
+      <a:fontRef idx="minor"/>
+    </dgm:style>
+  </dgm:styleLbl>
+  <dgm:styleLbl name="fgAcc1">
+    <dgm:scene3d>
+      <a:camera prst="orthographicFront"/>
+      <a:lightRig rig="threePt" dir="t"/>
+    </dgm:scene3d>
+    <dgm:sp3d/>
+    <dgm:txPr/>
+    <dgm:style>
+      <a:lnRef idx="2">
+        <a:scrgbClr r="0" g="0" b="0"/>
+      </a:lnRef>
+      <a:fillRef idx="1">
+        <a:scrgbClr r="0" g="0" b="0"/>
+      </a:fillRef>
+      <a:effectRef idx="0">
+        <a:scrgbClr r="0" g="0" b="0"/>
+      </a:effectRef>
+      <a:fontRef idx="minor"/>
+    </dgm:style>
+  </dgm:styleLbl>
+  <dgm:styleLbl name="conFgAcc1">
+    <dgm:scene3d>
+      <a:camera prst="orthographicFront"/>
+      <a:lightRig rig="threePt" dir="t"/>
+    </dgm:scene3d>
+    <dgm:sp3d/>
+    <dgm:txPr/>
+    <dgm:style>
+      <a:lnRef idx="2">
+        <a:scrgbClr r="0" g="0" b="0"/>
+      </a:lnRef>
+      <a:fillRef idx="1">
+        <a:scrgbClr r="0" g="0" b="0"/>
+      </a:fillRef>
+      <a:effectRef idx="0">
+        <a:scrgbClr r="0" g="0" b="0"/>
+      </a:effectRef>
+      <a:fontRef idx="minor"/>
+    </dgm:style>
+  </dgm:styleLbl>
+  <dgm:styleLbl name="alignAcc1">
+    <dgm:scene3d>
+      <a:camera prst="orthographicFront"/>
+      <a:lightRig rig="threePt" dir="t"/>
+    </dgm:scene3d>
+    <dgm:sp3d/>
+    <dgm:txPr/>
+    <dgm:style>
+      <a:lnRef idx="2">
+        <a:scrgbClr r="0" g="0" b="0"/>
+      </a:lnRef>
+      <a:fillRef idx="1">
+        <a:scrgbClr r="0" g="0" b="0"/>
+      </a:fillRef>
+      <a:effectRef idx="0">
+        <a:scrgbClr r="0" g="0" b="0"/>
+      </a:effectRef>
+      <a:fontRef idx="minor"/>
+    </dgm:style>
+  </dgm:styleLbl>
+  <dgm:styleLbl name="trAlignAcc1">
+    <dgm:scene3d>
+      <a:camera prst="orthographicFront"/>
+      <a:lightRig rig="threePt" dir="t"/>
+    </dgm:scene3d>
+    <dgm:sp3d/>
+    <dgm:txPr/>
+    <dgm:style>
+      <a:lnRef idx="1">
+        <a:scrgbClr r="0" g="0" b="0"/>
+      </a:lnRef>
+      <a:fillRef idx="1">
+        <a:scrgbClr r="0" g="0" b="0"/>
+      </a:fillRef>
+      <a:effectRef idx="0">
+        <a:scrgbClr r="0" g="0" b="0"/>
+      </a:effectRef>
+      <a:fontRef idx="minor"/>
+    </dgm:style>
+  </dgm:styleLbl>
+  <dgm:styleLbl name="bgAcc1">
+    <dgm:scene3d>
+      <a:camera prst="orthographicFront"/>
+      <a:lightRig rig="threePt" dir="t"/>
+    </dgm:scene3d>
+    <dgm:sp3d/>
+    <dgm:txPr/>
+    <dgm:style>
+      <a:lnRef idx="2">
+        <a:scrgbClr r="0" g="0" b="0"/>
+      </a:lnRef>
+      <a:fillRef idx="1">
+        <a:scrgbClr r="0" g="0" b="0"/>
+      </a:fillRef>
+      <a:effectRef idx="0">
+        <a:scrgbClr r="0" g="0" b="0"/>
+      </a:effectRef>
+      <a:fontRef idx="minor"/>
+    </dgm:style>
+  </dgm:styleLbl>
+  <dgm:styleLbl name="solidFgAcc1">
+    <dgm:scene3d>
+      <a:camera prst="orthographicFront"/>
+      <a:lightRig rig="threePt" dir="t"/>
+    </dgm:scene3d>
+    <dgm:sp3d/>
+    <dgm:txPr/>
+    <dgm:style>
+      <a:lnRef idx="2">
+        <a:scrgbClr r="0" g="0" b="0"/>
+      </a:lnRef>
+      <a:fillRef idx="1">
+        <a:scrgbClr r="0" g="0" b="0"/>
+      </a:fillRef>
+      <a:effectRef idx="0">
+        <a:scrgbClr r="0" g="0" b="0"/>
+      </a:effectRef>
+      <a:fontRef idx="minor"/>
+    </dgm:style>
+  </dgm:styleLbl>
+  <dgm:styleLbl name="solidAlignAcc1">
+    <dgm:scene3d>
+      <a:camera prst="orthographicFront"/>
+      <a:lightRig rig="threePt" dir="t"/>
+    </dgm:scene3d>
+    <dgm:sp3d/>
+    <dgm:txPr/>
+    <dgm:style>
+      <a:lnRef idx="2">
+        <a:scrgbClr r="0" g="0" b="0"/>
+      </a:lnRef>
+      <a:fillRef idx="1">
+        <a:scrgbClr r="0" g="0" b="0"/>
+      </a:fillRef>
+      <a:effectRef idx="0">
+        <a:scrgbClr r="0" g="0" b="0"/>
+      </a:effectRef>
+      <a:fontRef idx="minor"/>
+    </dgm:style>
+  </dgm:styleLbl>
+  <dgm:styleLbl name="solidBgAcc1">
+    <dgm:scene3d>
+      <a:camera prst="orthographicFront"/>
+      <a:lightRig rig="threePt" dir="t"/>
+    </dgm:scene3d>
+    <dgm:sp3d/>
+    <dgm:txPr/>
+    <dgm:style>
+      <a:lnRef idx="2">
+        <a:scrgbClr r="0" g="0" b="0"/>
+      </a:lnRef>
+      <a:fillRef idx="1">
+        <a:scrgbClr r="0" g="0" b="0"/>
+      </a:fillRef>
+      <a:effectRef idx="0">
+        <a:scrgbClr r="0" g="0" b="0"/>
+      </a:effectRef>
+      <a:fontRef idx="minor"/>
+    </dgm:style>
+  </dgm:styleLbl>
+  <dgm:styleLbl name="fgAccFollowNode1">
+    <dgm:scene3d>
+      <a:camera prst="orthographicFront"/>
+      <a:lightRig rig="threePt" dir="t"/>
+    </dgm:scene3d>
+    <dgm:sp3d/>
+    <dgm:txPr/>
+    <dgm:style>
+      <a:lnRef idx="2">
+        <a:scrgbClr r="0" g="0" b="0"/>
+      </a:lnRef>
+      <a:fillRef idx="1">
+        <a:scrgbClr r="0" g="0" b="0"/>
+      </a:fillRef>
+      <a:effectRef idx="0">
+        <a:scrgbClr r="0" g="0" b="0"/>
+      </a:effectRef>
+      <a:fontRef idx="minor"/>
+    </dgm:style>
+  </dgm:styleLbl>
+  <dgm:styleLbl name="alignAccFollowNode1">
+    <dgm:scene3d>
+      <a:camera prst="orthographicFront"/>
+      <a:lightRig rig="threePt" dir="t"/>
+    </dgm:scene3d>
+    <dgm:sp3d/>
+    <dgm:txPr/>
+    <dgm:style>
+      <a:lnRef idx="2">
+        <a:scrgbClr r="0" g="0" b="0"/>
+      </a:lnRef>
+      <a:fillRef idx="1">
+        <a:scrgbClr r="0" g="0" b="0"/>
+      </a:fillRef>
+      <a:effectRef idx="0">
+        <a:scrgbClr r="0" g="0" b="0"/>
+      </a:effectRef>
+      <a:fontRef idx="minor"/>
+    </dgm:style>
+  </dgm:styleLbl>
+  <dgm:styleLbl name="bgAccFollowNode1">
+    <dgm:scene3d>
+      <a:camera prst="orthographicFront"/>
+      <a:lightRig rig="threePt" dir="t"/>
+    </dgm:scene3d>
+    <dgm:sp3d/>
+    <dgm:txPr/>
+    <dgm:style>
+      <a:lnRef idx="2">
+        <a:scrgbClr r="0" g="0" b="0"/>
+      </a:lnRef>
+      <a:fillRef idx="1">
+        <a:scrgbClr r="0" g="0" b="0"/>
+      </a:fillRef>
+      <a:effectRef idx="0">
+        <a:scrgbClr r="0" g="0" b="0"/>
+      </a:effectRef>
+      <a:fontRef idx="minor"/>
+    </dgm:style>
+  </dgm:styleLbl>
+  <dgm:styleLbl name="fgAcc0">
+    <dgm:scene3d>
+      <a:camera prst="orthographicFront"/>
+      <a:lightRig rig="threePt" dir="t"/>
+    </dgm:scene3d>
+    <dgm:sp3d/>
+    <dgm:txPr/>
+    <dgm:style>
+      <a:lnRef idx="2">
+        <a:scrgbClr r="0" g="0" b="0"/>
+      </a:lnRef>
+      <a:fillRef idx="1">
+        <a:scrgbClr r="0" g="0" b="0"/>
+      </a:fillRef>
+      <a:effectRef idx="0">
+        <a:scrgbClr r="0" g="0" b="0"/>
+      </a:effectRef>
+      <a:fontRef idx="minor"/>
+    </dgm:style>
+  </dgm:styleLbl>
+  <dgm:styleLbl name="fgAcc2">
+    <dgm:scene3d>
+      <a:camera prst="orthographicFront"/>
+      <a:lightRig rig="threePt" dir="t"/>
+    </dgm:scene3d>
+    <dgm:sp3d/>
+    <dgm:txPr/>
+    <dgm:style>
+      <a:lnRef idx="2">
+        <a:scrgbClr r="0" g="0" b="0"/>
+      </a:lnRef>
+      <a:fillRef idx="1">
+        <a:scrgbClr r="0" g="0" b="0"/>
+      </a:fillRef>
+      <a:effectRef idx="0">
+        <a:scrgbClr r="0" g="0" b="0"/>
+      </a:effectRef>
+      <a:fontRef idx="minor"/>
+    </dgm:style>
+  </dgm:styleLbl>
+  <dgm:styleLbl name="fgAcc3">
+    <dgm:scene3d>
+      <a:camera prst="orthographicFront"/>
+      <a:lightRig rig="threePt" dir="t"/>
+    </dgm:scene3d>
+    <dgm:sp3d/>
+    <dgm:txPr/>
+    <dgm:style>
+      <a:lnRef idx="2">
+        <a:scrgbClr r="0" g="0" b="0"/>
+      </a:lnRef>
+      <a:fillRef idx="1">
+        <a:scrgbClr r="0" g="0" b="0"/>
+      </a:fillRef>
+      <a:effectRef idx="0">
+        <a:scrgbClr r="0" g="0" b="0"/>
+      </a:effectRef>
+      <a:fontRef idx="minor"/>
+    </dgm:style>
+  </dgm:styleLbl>
+  <dgm:styleLbl name="fgAcc4">
+    <dgm:scene3d>
+      <a:camera prst="orthographicFront"/>
+      <a:lightRig rig="threePt" dir="t"/>
+    </dgm:scene3d>
+    <dgm:sp3d/>
+    <dgm:txPr/>
+    <dgm:style>
+      <a:lnRef idx="2">
+        <a:scrgbClr r="0" g="0" b="0"/>
+      </a:lnRef>
+      <a:fillRef idx="1">
+        <a:scrgbClr r="0" g="0" b="0"/>
+      </a:fillRef>
+      <a:effectRef idx="0">
+        <a:scrgbClr r="0" g="0" b="0"/>
+      </a:effectRef>
+      <a:fontRef idx="minor"/>
+    </dgm:style>
+  </dgm:styleLbl>
+  <dgm:styleLbl name="bgShp">
+    <dgm:scene3d>
+      <a:camera prst="orthographicFront"/>
+      <a:lightRig rig="threePt" dir="t"/>
+    </dgm:scene3d>
+    <dgm:sp3d/>
+    <dgm:txPr/>
+    <dgm:style>
+      <a:lnRef idx="0">
+        <a:scrgbClr r="0" g="0" b="0"/>
+      </a:lnRef>
+      <a:fillRef idx="1">
+        <a:scrgbClr r="0" g="0" b="0"/>
+      </a:fillRef>
+      <a:effectRef idx="0">
+        <a:scrgbClr r="0" g="0" b="0"/>
+      </a:effectRef>
+      <a:fontRef idx="minor"/>
+    </dgm:style>
+  </dgm:styleLbl>
+  <dgm:styleLbl name="dkBgShp">
+    <dgm:scene3d>
+      <a:camera prst="orthographicFront"/>
+      <a:lightRig rig="threePt" dir="t"/>
+    </dgm:scene3d>
+    <dgm:sp3d/>
+    <dgm:txPr/>
+    <dgm:style>
+      <a:lnRef idx="0">
+        <a:scrgbClr r="0" g="0" b="0"/>
+      </a:lnRef>
+      <a:fillRef idx="1">
+        <a:scrgbClr r="0" g="0" b="0"/>
+      </a:fillRef>
+      <a:effectRef idx="0">
+        <a:scrgbClr r="0" g="0" b="0"/>
+      </a:effectRef>
+      <a:fontRef idx="minor"/>
+    </dgm:style>
+  </dgm:styleLbl>
+  <dgm:styleLbl name="trBgShp">
+    <dgm:scene3d>
+      <a:camera prst="orthographicFront"/>
+      <a:lightRig rig="threePt" dir="t"/>
+    </dgm:scene3d>
+    <dgm:sp3d/>
+    <dgm:txPr/>
+    <dgm:style>
+      <a:lnRef idx="0">
+        <a:scrgbClr r="0" g="0" b="0"/>
+      </a:lnRef>
+      <a:fillRef idx="1">
+        <a:scrgbClr r="0" g="0" b="0"/>
+      </a:fillRef>
+      <a:effectRef idx="0">
+        <a:scrgbClr r="0" g="0" b="0"/>
+      </a:effectRef>
+      <a:fontRef idx="minor"/>
+    </dgm:style>
+  </dgm:styleLbl>
+  <dgm:styleLbl name="fgShp">
+    <dgm:scene3d>
+      <a:camera prst="orthographicFront"/>
+      <a:lightRig rig="threePt" dir="t"/>
+    </dgm:scene3d>
+    <dgm:sp3d/>
+    <dgm:txPr/>
+    <dgm:style>
+      <a:lnRef idx="2">
+        <a:scrgbClr r="0" g="0" b="0"/>
+      </a:lnRef>
+      <a:fillRef idx="1">
+        <a:scrgbClr r="0" g="0" b="0"/>
+      </a:fillRef>
+      <a:effectRef idx="0">
+        <a:scrgbClr r="0" g="0" b="0"/>
+      </a:effectRef>
+      <a:fontRef idx="minor"/>
+    </dgm:style>
+  </dgm:styleLbl>
+  <dgm:styleLbl name="revTx">
+    <dgm:scene3d>
+      <a:camera prst="orthographicFront"/>
+      <a:lightRig rig="threePt" dir="t"/>
+    </dgm:scene3d>
+    <dgm:sp3d/>
+    <dgm:txPr/>
+    <dgm:style>
+      <a:lnRef idx="0">
+        <a:scrgbClr r="0" g="0" b="0"/>
+      </a:lnRef>
+      <a:fillRef idx="0">
+        <a:scrgbClr r="0" g="0" b="0"/>
+      </a:fillRef>
+      <a:effectRef idx="0">
+        <a:scrgbClr r="0" g="0" b="0"/>
+      </a:effectRef>
+      <a:fontRef idx="minor"/>
+    </dgm:style>
+  </dgm:styleLbl>
+</dgm:styleDef>
+</file>
+
 <file path=ppt/slideLayouts/slideLayout1.xml><?xml version="1.0" encoding="utf-8"?>
 <p:sldLayout xmlns:a="http://schemas.openxmlformats.org/drawingml/2006/main" xmlns:r="http://schemas.openxmlformats.org/officeDocument/2006/relationships" xmlns:p="http://schemas.openxmlformats.org/presentationml/2006/main" type="title" preserve="1">
   <p:cSld name="Title Slide">
@@ -260,7 +4114,7 @@
           <a:p>
             <a:fld id="{582F6BAC-0AA4-4820-976E-57261356A5D6}" type="datetimeFigureOut">
               <a:rPr lang="en-US" smtClean="0"/>
-              <a:t>11/26/2018</a:t>
+              <a:t>11/26/18</a:t>
             </a:fld>
             <a:endParaRPr lang="en-US"/>
           </a:p>
@@ -480,7 +4334,7 @@
           <a:p>
             <a:fld id="{582F6BAC-0AA4-4820-976E-57261356A5D6}" type="datetimeFigureOut">
               <a:rPr lang="en-US" smtClean="0"/>
-              <a:t>11/26/2018</a:t>
+              <a:t>11/26/18</a:t>
             </a:fld>
             <a:endParaRPr lang="en-US"/>
           </a:p>
@@ -704,7 +4558,7 @@
           <a:p>
             <a:fld id="{582F6BAC-0AA4-4820-976E-57261356A5D6}" type="datetimeFigureOut">
               <a:rPr lang="en-US" smtClean="0"/>
-              <a:t>11/26/2018</a:t>
+              <a:t>11/26/18</a:t>
             </a:fld>
             <a:endParaRPr lang="en-US"/>
           </a:p>
@@ -918,7 +4772,7 @@
           <a:p>
             <a:fld id="{582F6BAC-0AA4-4820-976E-57261356A5D6}" type="datetimeFigureOut">
               <a:rPr lang="en-US" smtClean="0"/>
-              <a:t>11/26/2018</a:t>
+              <a:t>11/26/18</a:t>
             </a:fld>
             <a:endParaRPr lang="en-US"/>
           </a:p>
@@ -1210,7 +5064,7 @@
           <a:p>
             <a:fld id="{582F6BAC-0AA4-4820-976E-57261356A5D6}" type="datetimeFigureOut">
               <a:rPr lang="en-US" smtClean="0"/>
-              <a:t>11/26/2018</a:t>
+              <a:t>11/26/18</a:t>
             </a:fld>
             <a:endParaRPr lang="en-US"/>
           </a:p>
@@ -1487,7 +5341,7 @@
           <a:p>
             <a:fld id="{582F6BAC-0AA4-4820-976E-57261356A5D6}" type="datetimeFigureOut">
               <a:rPr lang="en-US" smtClean="0"/>
-              <a:t>11/26/2018</a:t>
+              <a:t>11/26/18</a:t>
             </a:fld>
             <a:endParaRPr lang="en-US"/>
           </a:p>
@@ -1912,7 +5766,7 @@
           <a:p>
             <a:fld id="{582F6BAC-0AA4-4820-976E-57261356A5D6}" type="datetimeFigureOut">
               <a:rPr lang="en-US" smtClean="0"/>
-              <a:t>11/26/2018</a:t>
+              <a:t>11/26/18</a:t>
             </a:fld>
             <a:endParaRPr lang="en-US"/>
           </a:p>
@@ -2070,7 +5924,7 @@
           <a:p>
             <a:fld id="{582F6BAC-0AA4-4820-976E-57261356A5D6}" type="datetimeFigureOut">
               <a:rPr lang="en-US" smtClean="0"/>
-              <a:t>11/26/2018</a:t>
+              <a:t>11/26/18</a:t>
             </a:fld>
             <a:endParaRPr lang="en-US"/>
           </a:p>
@@ -2205,7 +6059,7 @@
           <a:p>
             <a:fld id="{582F6BAC-0AA4-4820-976E-57261356A5D6}" type="datetimeFigureOut">
               <a:rPr lang="en-US" smtClean="0"/>
-              <a:t>11/26/2018</a:t>
+              <a:t>11/26/18</a:t>
             </a:fld>
             <a:endParaRPr lang="en-US"/>
           </a:p>
@@ -2456,7 +6310,7 @@
           <a:p>
             <a:fld id="{582F6BAC-0AA4-4820-976E-57261356A5D6}" type="datetimeFigureOut">
               <a:rPr lang="en-US" smtClean="0"/>
-              <a:t>11/26/2018</a:t>
+              <a:t>11/26/18</a:t>
             </a:fld>
             <a:endParaRPr lang="en-US"/>
           </a:p>
@@ -2916,7 +6770,7 @@
           <a:p>
             <a:fld id="{582F6BAC-0AA4-4820-976E-57261356A5D6}" type="datetimeFigureOut">
               <a:rPr lang="en-US" smtClean="0"/>
-              <a:t>11/26/2018</a:t>
+              <a:t>11/26/18</a:t>
             </a:fld>
             <a:endParaRPr lang="en-US"/>
           </a:p>
@@ -3297,7 +7151,7 @@
           <a:p>
             <a:fld id="{582F6BAC-0AA4-4820-976E-57261356A5D6}" type="datetimeFigureOut">
               <a:rPr lang="en-US" smtClean="0"/>
-              <a:t>11/26/2018</a:t>
+              <a:t>11/26/18</a:t>
             </a:fld>
             <a:endParaRPr lang="en-US"/>
           </a:p>
@@ -3751,7 +7605,7 @@
           <p:cNvPr id="2" name="Title 1">
             <a:extLst>
               <a:ext uri="{FF2B5EF4-FFF2-40B4-BE49-F238E27FC236}">
-                <a16:creationId xmlns:a16="http://schemas.microsoft.com/office/drawing/2014/main" id="{8493075B-CC98-4BCB-9AF1-3CBACFB843ED}"/>
+                <a16:creationId xmlns:a16="http://schemas.microsoft.com/office/drawing/2014/main" xmlns="" id="{8493075B-CC98-4BCB-9AF1-3CBACFB843ED}"/>
               </a:ext>
             </a:extLst>
           </p:cNvPr>
@@ -3781,7 +7635,7 @@
           <p:cNvPr id="3" name="Subtitle 2">
             <a:extLst>
               <a:ext uri="{FF2B5EF4-FFF2-40B4-BE49-F238E27FC236}">
-                <a16:creationId xmlns:a16="http://schemas.microsoft.com/office/drawing/2014/main" id="{A71AAA1F-3004-43D0-A436-81B9B57C5B78}"/>
+                <a16:creationId xmlns:a16="http://schemas.microsoft.com/office/drawing/2014/main" xmlns="" id="{A71AAA1F-3004-43D0-A436-81B9B57C5B78}"/>
               </a:ext>
             </a:extLst>
           </p:cNvPr>
@@ -3794,7 +7648,9 @@
         </p:nvSpPr>
         <p:spPr/>
         <p:txBody>
-          <a:bodyPr/>
+          <a:bodyPr>
+            <a:normAutofit fontScale="92500"/>
+          </a:bodyPr>
           <a:lstStyle/>
           <a:p>
             <a:r>
@@ -3807,15 +7663,7 @@
             </a:r>
             <a:r>
               <a:rPr lang="en-US" dirty="0"/>
-              <a:t>, Brandon </a:t>
-            </a:r>
-            <a:r>
-              <a:rPr lang="en-US" dirty="0" err="1"/>
-              <a:t>Popson</a:t>
-            </a:r>
-            <a:r>
-              <a:rPr lang="en-US" dirty="0"/>
-              <a:t>, </a:t>
+              <a:t>, Brandon Popson, </a:t>
             </a:r>
             <a:r>
               <a:rPr lang="en-US" dirty="0" err="1"/>
@@ -3823,15 +7671,29 @@
             </a:r>
             <a:r>
               <a:rPr lang="en-US" dirty="0"/>
-              <a:t> </a:t>
+              <a:t> Nguyen</a:t>
             </a:r>
             <a:r>
-              <a:rPr lang="en-US" dirty="0" err="1"/>
-              <a:t>Nguyen,Joshua</a:t>
+              <a:rPr lang="en-US" dirty="0" smtClean="0"/>
+              <a:t>, Joshua </a:t>
             </a:r>
             <a:r>
               <a:rPr lang="en-US" dirty="0"/>
-              <a:t> Reese and Hung Ngo . Using “Ruby on Rails”</a:t>
+              <a:t>Reese and Hung </a:t>
+            </a:r>
+            <a:r>
+              <a:rPr lang="en-US" dirty="0" smtClean="0"/>
+              <a:t>Ngo</a:t>
+            </a:r>
+          </a:p>
+          <a:p>
+            <a:r>
+              <a:rPr lang="en-US" dirty="0" smtClean="0"/>
+              <a:t>Using </a:t>
+            </a:r>
+            <a:r>
+              <a:rPr lang="en-US" dirty="0"/>
+              <a:t>“Ruby on Rails”</a:t>
             </a:r>
           </a:p>
         </p:txBody>
@@ -3871,7 +7733,7 @@
           <p:cNvPr id="2" name="Title 1">
             <a:extLst>
               <a:ext uri="{FF2B5EF4-FFF2-40B4-BE49-F238E27FC236}">
-                <a16:creationId xmlns:a16="http://schemas.microsoft.com/office/drawing/2014/main" id="{825AE664-C6BE-43D9-A92C-492D500102CB}"/>
+                <a16:creationId xmlns:a16="http://schemas.microsoft.com/office/drawing/2014/main" xmlns="" id="{825AE664-C6BE-43D9-A92C-492D500102CB}"/>
               </a:ext>
             </a:extLst>
           </p:cNvPr>
@@ -3974,8 +7836,8 @@
         </p:blipFill>
         <p:spPr>
           <a:xfrm>
-            <a:off x="2997403" y="2002559"/>
-            <a:ext cx="5282073" cy="3934606"/>
+            <a:off x="2964656" y="2002559"/>
+            <a:ext cx="5934502" cy="4420599"/>
           </a:xfrm>
         </p:spPr>
       </p:pic>
@@ -4014,7 +7876,7 @@
           <p:cNvPr id="2" name="Title 1">
             <a:extLst>
               <a:ext uri="{FF2B5EF4-FFF2-40B4-BE49-F238E27FC236}">
-                <a16:creationId xmlns:a16="http://schemas.microsoft.com/office/drawing/2014/main" id="{38CC6880-1E0D-4DC1-AA49-9FF7E5C691FC}"/>
+                <a16:creationId xmlns:a16="http://schemas.microsoft.com/office/drawing/2014/main" xmlns="" id="{38CC6880-1E0D-4DC1-AA49-9FF7E5C691FC}"/>
               </a:ext>
             </a:extLst>
           </p:cNvPr>
@@ -4062,7 +7924,7 @@
         </p:blipFill>
         <p:spPr>
           <a:xfrm>
-            <a:off x="2317314" y="1628253"/>
+            <a:off x="2973461" y="2002559"/>
             <a:ext cx="5916891" cy="4056307"/>
           </a:xfrm>
         </p:spPr>
@@ -4120,34 +7982,26 @@
           </a:p>
         </p:txBody>
       </p:sp>
-      <p:pic>
-        <p:nvPicPr>
-          <p:cNvPr id="4" name="Content Placeholder 3"/>
-          <p:cNvPicPr>
-            <a:picLocks noGrp="1" noChangeAspect="1"/>
-          </p:cNvPicPr>
+      <p:graphicFrame>
+        <p:nvGraphicFramePr>
+          <p:cNvPr id="6" name="Content Placeholder 5"/>
+          <p:cNvGraphicFramePr>
+            <a:graphicFrameLocks noGrp="1"/>
+          </p:cNvGraphicFramePr>
           <p:nvPr>
             <p:ph idx="1"/>
           </p:nvPr>
-        </p:nvPicPr>
-        <p:blipFill rotWithShape="1">
-          <a:blip r:embed="rId2">
-            <a:extLst>
-              <a:ext uri="{28A0092B-C50C-407E-A947-70E740481C1C}">
-                <a14:useLocalDpi xmlns:a14="http://schemas.microsoft.com/office/drawing/2010/main" val="0"/>
-              </a:ext>
-            </a:extLst>
-          </a:blip>
-          <a:srcRect l="5323" t="20882" r="6437" b="5475"/>
-          <a:stretch/>
-        </p:blipFill>
-        <p:spPr>
-          <a:xfrm>
-            <a:off x="2783074" y="2002559"/>
-            <a:ext cx="6297666" cy="3744041"/>
-          </a:xfrm>
-        </p:spPr>
-      </p:pic>
+        </p:nvGraphicFramePr>
+        <p:xfrm>
+          <a:off x="1130300" y="2171700"/>
+          <a:ext cx="9602788" cy="3294063"/>
+        </p:xfrm>
+        <a:graphic>
+          <a:graphicData uri="http://schemas.openxmlformats.org/drawingml/2006/diagram">
+            <dgm:relIds xmlns:dgm="http://schemas.openxmlformats.org/drawingml/2006/diagram" xmlns:r="http://schemas.openxmlformats.org/officeDocument/2006/relationships" r:dm="rId2" r:lo="rId3" r:qs="rId4" r:cs="rId5"/>
+          </a:graphicData>
+        </a:graphic>
+      </p:graphicFrame>
     </p:spTree>
     <p:extLst>
       <p:ext uri="{BB962C8B-B14F-4D97-AF65-F5344CB8AC3E}">
@@ -4183,7 +8037,7 @@
           <p:cNvPr id="2" name="Title 1">
             <a:extLst>
               <a:ext uri="{FF2B5EF4-FFF2-40B4-BE49-F238E27FC236}">
-                <a16:creationId xmlns:a16="http://schemas.microsoft.com/office/drawing/2014/main" id="{D08FD381-9F84-453C-B3AE-736D835EDED8}"/>
+                <a16:creationId xmlns:a16="http://schemas.microsoft.com/office/drawing/2014/main" xmlns="" id="{D08FD381-9F84-453C-B3AE-736D835EDED8}"/>
               </a:ext>
             </a:extLst>
           </p:cNvPr>
@@ -4236,7 +8090,7 @@
         </p:blipFill>
         <p:spPr>
           <a:xfrm>
-            <a:off x="2058463" y="1477941"/>
+            <a:off x="2403828" y="1936057"/>
             <a:ext cx="7022907" cy="4565412"/>
           </a:xfrm>
         </p:spPr>
@@ -4505,30 +8359,45 @@
       </p:sp>
       <p:pic>
         <p:nvPicPr>
-          <p:cNvPr id="4" name="Content Placeholder 3"/>
+          <p:cNvPr id="1026" name="Picture 2" descr="ttps://raw.githubusercontent.com/KVessey/SoftwareEngineeringLMS/master/LMS%20-%20Entity%20Relationship%2"/>
           <p:cNvPicPr>
-            <a:picLocks noGrp="1" noChangeAspect="1"/>
+            <a:picLocks noGrp="1" noChangeAspect="1" noChangeArrowheads="1"/>
           </p:cNvPicPr>
           <p:nvPr>
             <p:ph idx="1"/>
           </p:nvPr>
         </p:nvPicPr>
-        <p:blipFill rotWithShape="1">
-          <a:blip r:embed="rId2" cstate="print">
+        <p:blipFill>
+          <a:blip r:embed="rId2">
             <a:extLst>
               <a:ext uri="{28A0092B-C50C-407E-A947-70E740481C1C}">
                 <a14:useLocalDpi xmlns:a14="http://schemas.microsoft.com/office/drawing/2010/main" val="0"/>
               </a:ext>
             </a:extLst>
           </a:blip>
-          <a:srcRect l="253" r="520" b="2933"/>
-          <a:stretch/>
+          <a:srcRect/>
+          <a:stretch>
+            <a:fillRect/>
+          </a:stretch>
         </p:blipFill>
-        <p:spPr>
+        <p:spPr bwMode="auto">
           <a:xfrm>
-            <a:off x="2760079" y="1844618"/>
-            <a:ext cx="6343654" cy="3907790"/>
+            <a:off x="2485517" y="1844618"/>
+            <a:ext cx="6892778" cy="4227978"/>
           </a:xfrm>
+          <a:prstGeom prst="rect">
+            <a:avLst/>
+          </a:prstGeom>
+          <a:noFill/>
+          <a:extLst>
+            <a:ext uri="{909E8E84-426E-40DD-AFC4-6F175D3DCCD1}">
+              <a14:hiddenFill xmlns:a14="http://schemas.microsoft.com/office/drawing/2010/main">
+                <a:solidFill>
+                  <a:srgbClr val="FFFFFF"/>
+                </a:solidFill>
+              </a14:hiddenFill>
+            </a:ext>
+          </a:extLst>
         </p:spPr>
       </p:pic>
     </p:spTree>
@@ -4589,7 +8458,7 @@
           <p:cNvPr id="5" name="Content Placeholder 4" descr="A screenshot of a cell phone&#10;&#10;Description generated with very high confidence">
             <a:extLst>
               <a:ext uri="{FF2B5EF4-FFF2-40B4-BE49-F238E27FC236}">
-                <a16:creationId xmlns:a16="http://schemas.microsoft.com/office/drawing/2014/main" id="{89069F25-8A08-4F9A-9814-0BB879EBF6FA}"/>
+                <a16:creationId xmlns:a16="http://schemas.microsoft.com/office/drawing/2014/main" xmlns="" id="{89069F25-8A08-4F9A-9814-0BB879EBF6FA}"/>
               </a:ext>
             </a:extLst>
           </p:cNvPr>
@@ -4621,13 +8490,7 @@
       </p:pic>
       <p:pic>
         <p:nvPicPr>
-          <p:cNvPr id="7" name="Picture 6" descr="A screenshot of a cell phone&#10;&#10;Description generated with very high confidence">
-            <a:extLst>
-              <a:ext uri="{FF2B5EF4-FFF2-40B4-BE49-F238E27FC236}">
-                <a16:creationId xmlns:a16="http://schemas.microsoft.com/office/drawing/2014/main" id="{C31B9BBB-C7D4-4CCD-A1C9-BCE792009B5C}"/>
-              </a:ext>
-            </a:extLst>
-          </p:cNvPr>
+          <p:cNvPr id="3" name="Picture 2"/>
           <p:cNvPicPr>
             <a:picLocks noChangeAspect="1"/>
           </p:cNvPicPr>
@@ -4647,8 +8510,8 @@
         </p:blipFill>
         <p:spPr>
           <a:xfrm>
-            <a:off x="5720892" y="2002559"/>
-            <a:ext cx="4670377" cy="3912087"/>
+            <a:off x="5378616" y="2002559"/>
+            <a:ext cx="5429707" cy="3912087"/>
           </a:xfrm>
           <a:prstGeom prst="rect">
             <a:avLst/>
